--- a/중간발표 자료/2022 졸업작품 중간발표.pptx
+++ b/중간발표 자료/2022 졸업작품 중간발표.pptx
@@ -7,18 +7,19 @@
   <p:sldIdLst>
     <p:sldId id="256" r:id="rId2"/>
     <p:sldId id="257" r:id="rId3"/>
-    <p:sldId id="258" r:id="rId4"/>
-    <p:sldId id="259" r:id="rId5"/>
-    <p:sldId id="260" r:id="rId6"/>
-    <p:sldId id="261" r:id="rId7"/>
-    <p:sldId id="263" r:id="rId8"/>
-    <p:sldId id="270" r:id="rId9"/>
-    <p:sldId id="268" r:id="rId10"/>
-    <p:sldId id="269" r:id="rId11"/>
-    <p:sldId id="264" r:id="rId12"/>
-    <p:sldId id="265" r:id="rId13"/>
-    <p:sldId id="267" r:id="rId14"/>
-    <p:sldId id="266" r:id="rId15"/>
+    <p:sldId id="271" r:id="rId4"/>
+    <p:sldId id="270" r:id="rId5"/>
+    <p:sldId id="268" r:id="rId6"/>
+    <p:sldId id="269" r:id="rId7"/>
+    <p:sldId id="258" r:id="rId8"/>
+    <p:sldId id="259" r:id="rId9"/>
+    <p:sldId id="260" r:id="rId10"/>
+    <p:sldId id="261" r:id="rId11"/>
+    <p:sldId id="263" r:id="rId12"/>
+    <p:sldId id="264" r:id="rId13"/>
+    <p:sldId id="265" r:id="rId14"/>
+    <p:sldId id="267" r:id="rId15"/>
+    <p:sldId id="266" r:id="rId16"/>
   </p:sldIdLst>
   <p:sldSz cx="12192000" cy="6858000"/>
   <p:notesSz cx="6858000" cy="9144000"/>
@@ -264,7 +265,7 @@
           <a:p>
             <a:fld id="{C4408324-A84C-4A45-93B6-78D079CCE772}" type="datetime1">
               <a:rPr lang="en-US" smtClean="0"/>
-              <a:t>5/25/2022</a:t>
+              <a:t>5/26/2022</a:t>
             </a:fld>
             <a:endParaRPr lang="en-US" dirty="0"/>
           </a:p>
@@ -487,7 +488,7 @@
           <a:p>
             <a:fld id="{C4408324-A84C-4A45-93B6-78D079CCE772}" type="datetime1">
               <a:rPr lang="en-US" smtClean="0"/>
-              <a:t>5/25/2022</a:t>
+              <a:t>5/26/2022</a:t>
             </a:fld>
             <a:endParaRPr lang="en-US" dirty="0"/>
           </a:p>
@@ -714,7 +715,7 @@
           <a:p>
             <a:fld id="{C4408324-A84C-4A45-93B6-78D079CCE772}" type="datetime1">
               <a:rPr lang="en-US" smtClean="0"/>
-              <a:t>5/25/2022</a:t>
+              <a:t>5/26/2022</a:t>
             </a:fld>
             <a:endParaRPr lang="en-US" dirty="0"/>
           </a:p>
@@ -931,7 +932,7 @@
           <a:p>
             <a:fld id="{C4408324-A84C-4A45-93B6-78D079CCE772}" type="datetime1">
               <a:rPr lang="en-US" smtClean="0"/>
-              <a:t>5/25/2022</a:t>
+              <a:t>5/26/2022</a:t>
             </a:fld>
             <a:endParaRPr lang="en-US" dirty="0"/>
           </a:p>
@@ -1226,7 +1227,7 @@
           <a:p>
             <a:fld id="{C4408324-A84C-4A45-93B6-78D079CCE772}" type="datetime1">
               <a:rPr lang="en-US" smtClean="0"/>
-              <a:t>5/25/2022</a:t>
+              <a:t>5/26/2022</a:t>
             </a:fld>
             <a:endParaRPr lang="en-US" dirty="0"/>
           </a:p>
@@ -1506,7 +1507,7 @@
           <a:p>
             <a:fld id="{C4408324-A84C-4A45-93B6-78D079CCE772}" type="datetime1">
               <a:rPr lang="en-US" smtClean="0"/>
-              <a:t>5/25/2022</a:t>
+              <a:t>5/26/2022</a:t>
             </a:fld>
             <a:endParaRPr lang="en-US" dirty="0"/>
           </a:p>
@@ -1934,7 +1935,7 @@
           <a:p>
             <a:fld id="{C4408324-A84C-4A45-93B6-78D079CCE772}" type="datetime1">
               <a:rPr lang="en-US" smtClean="0"/>
-              <a:t>5/25/2022</a:t>
+              <a:t>5/26/2022</a:t>
             </a:fld>
             <a:endParaRPr lang="en-US" dirty="0"/>
           </a:p>
@@ -2095,7 +2096,7 @@
           <a:p>
             <a:fld id="{C4408324-A84C-4A45-93B6-78D079CCE772}" type="datetime1">
               <a:rPr lang="en-US" smtClean="0"/>
-              <a:t>5/25/2022</a:t>
+              <a:t>5/26/2022</a:t>
             </a:fld>
             <a:endParaRPr lang="en-US" dirty="0"/>
           </a:p>
@@ -2233,7 +2234,7 @@
           <a:p>
             <a:fld id="{C4408324-A84C-4A45-93B6-78D079CCE772}" type="datetime1">
               <a:rPr lang="en-US" smtClean="0"/>
-              <a:t>5/25/2022</a:t>
+              <a:t>5/26/2022</a:t>
             </a:fld>
             <a:endParaRPr lang="en-US" dirty="0"/>
           </a:p>
@@ -2487,7 +2488,7 @@
           <a:p>
             <a:fld id="{C4408324-A84C-4A45-93B6-78D079CCE772}" type="datetime1">
               <a:rPr lang="en-US" smtClean="0"/>
-              <a:t>5/25/2022</a:t>
+              <a:t>5/26/2022</a:t>
             </a:fld>
             <a:endParaRPr lang="en-US" dirty="0"/>
           </a:p>
@@ -2950,7 +2951,7 @@
           <a:p>
             <a:fld id="{C4408324-A84C-4A45-93B6-78D079CCE772}" type="datetime1">
               <a:rPr lang="en-US" smtClean="0"/>
-              <a:t>5/25/2022</a:t>
+              <a:t>5/26/2022</a:t>
             </a:fld>
             <a:endParaRPr lang="en-US" dirty="0"/>
           </a:p>
@@ -3335,7 +3336,7 @@
           <a:p>
             <a:fld id="{C4408324-A84C-4A45-93B6-78D079CCE772}" type="datetime1">
               <a:rPr lang="en-US" smtClean="0"/>
-              <a:t>5/25/2022</a:t>
+              <a:t>5/26/2022</a:t>
             </a:fld>
             <a:endParaRPr lang="en-US" dirty="0"/>
           </a:p>
@@ -4032,3397 +4033,6 @@
           <p:cNvPr id="2" name="제목 1">
             <a:extLst>
               <a:ext uri="{FF2B5EF4-FFF2-40B4-BE49-F238E27FC236}">
-                <a16:creationId xmlns:a16="http://schemas.microsoft.com/office/drawing/2014/main" id="{6C59B69F-DC1E-421B-8CFA-0DB804078FD5}"/>
-              </a:ext>
-            </a:extLst>
-          </p:cNvPr>
-          <p:cNvSpPr>
-            <a:spLocks noGrp="1"/>
-          </p:cNvSpPr>
-          <p:nvPr>
-            <p:ph type="title"/>
-          </p:nvPr>
-        </p:nvSpPr>
-        <p:spPr/>
-        <p:txBody>
-          <a:bodyPr>
-            <a:normAutofit/>
-          </a:bodyPr>
-          <a:lstStyle/>
-          <a:p>
-            <a:r>
-              <a:rPr lang="ko-KR" altLang="en-US" sz="4800" dirty="0"/>
-              <a:t>개발내용</a:t>
-            </a:r>
-          </a:p>
-        </p:txBody>
-      </p:sp>
-      <p:sp>
-        <p:nvSpPr>
-          <p:cNvPr id="8" name="내용 개체 틀 2">
-            <a:extLst>
-              <a:ext uri="{FF2B5EF4-FFF2-40B4-BE49-F238E27FC236}">
-                <a16:creationId xmlns:a16="http://schemas.microsoft.com/office/drawing/2014/main" id="{E82464E9-8183-4469-86B2-D8BC1DC47527}"/>
-              </a:ext>
-            </a:extLst>
-          </p:cNvPr>
-          <p:cNvSpPr txBox="1">
-            <a:spLocks/>
-          </p:cNvSpPr>
-          <p:nvPr/>
-        </p:nvSpPr>
-        <p:spPr>
-          <a:xfrm>
-            <a:off x="1130270" y="2171769"/>
-            <a:ext cx="9603275" cy="414413"/>
-          </a:xfrm>
-          <a:prstGeom prst="rect">
-            <a:avLst/>
-          </a:prstGeom>
-        </p:spPr>
-        <p:txBody>
-          <a:bodyPr vert="horz" lIns="91440" tIns="45720" rIns="91440" bIns="45720" rtlCol="0" anchor="t">
-            <a:normAutofit fontScale="85000" lnSpcReduction="10000"/>
-          </a:bodyPr>
-          <a:lstStyle>
-            <a:lvl1pPr marL="228600" indent="-228600" algn="l" defTabSz="914400" rtl="0" eaLnBrk="1" latinLnBrk="1" hangingPunct="1">
-              <a:lnSpc>
-                <a:spcPct val="120000"/>
-              </a:lnSpc>
-              <a:spcBef>
-                <a:spcPts val="1000"/>
-              </a:spcBef>
-              <a:buClr>
-                <a:schemeClr val="accent1"/>
-              </a:buClr>
-              <a:buSzPct val="100000"/>
-              <a:buFont typeface="Arial" panose="020B0604020202020204" pitchFamily="34" charset="0"/>
-              <a:buChar char="•"/>
-              <a:defRPr sz="2000" kern="1200">
-                <a:solidFill>
-                  <a:schemeClr val="tx1"/>
-                </a:solidFill>
-                <a:effectLst/>
-                <a:latin typeface="+mn-lt"/>
-                <a:ea typeface="+mn-ea"/>
-                <a:cs typeface="+mn-cs"/>
-              </a:defRPr>
-            </a:lvl1pPr>
-            <a:lvl2pPr marL="685800" indent="-228600" algn="l" defTabSz="914400" rtl="0" eaLnBrk="1" latinLnBrk="1" hangingPunct="1">
-              <a:lnSpc>
-                <a:spcPct val="120000"/>
-              </a:lnSpc>
-              <a:spcBef>
-                <a:spcPts val="500"/>
-              </a:spcBef>
-              <a:buClr>
-                <a:schemeClr val="accent1"/>
-              </a:buClr>
-              <a:buSzPct val="100000"/>
-              <a:buFont typeface="Arial" panose="020B0604020202020204" pitchFamily="34" charset="0"/>
-              <a:buChar char="•"/>
-              <a:defRPr sz="1800" kern="1200" cap="none" baseline="0">
-                <a:solidFill>
-                  <a:schemeClr val="tx1"/>
-                </a:solidFill>
-                <a:effectLst/>
-                <a:latin typeface="+mn-lt"/>
-                <a:ea typeface="+mn-ea"/>
-                <a:cs typeface="+mn-cs"/>
-              </a:defRPr>
-            </a:lvl2pPr>
-            <a:lvl3pPr marL="1143000" indent="-228600" algn="l" defTabSz="914400" rtl="0" eaLnBrk="1" latinLnBrk="1" hangingPunct="1">
-              <a:lnSpc>
-                <a:spcPct val="120000"/>
-              </a:lnSpc>
-              <a:spcBef>
-                <a:spcPts val="500"/>
-              </a:spcBef>
-              <a:buClr>
-                <a:schemeClr val="accent1"/>
-              </a:buClr>
-              <a:buSzPct val="100000"/>
-              <a:buFont typeface="Arial" panose="020B0604020202020204" pitchFamily="34" charset="0"/>
-              <a:buChar char="•"/>
-              <a:defRPr sz="1600" kern="1200">
-                <a:solidFill>
-                  <a:schemeClr val="tx1"/>
-                </a:solidFill>
-                <a:effectLst/>
-                <a:latin typeface="+mn-lt"/>
-                <a:ea typeface="+mn-ea"/>
-                <a:cs typeface="+mn-cs"/>
-              </a:defRPr>
-            </a:lvl3pPr>
-            <a:lvl4pPr marL="1600200" indent="-228600" algn="l" defTabSz="914400" rtl="0" eaLnBrk="1" latinLnBrk="1" hangingPunct="1">
-              <a:lnSpc>
-                <a:spcPct val="120000"/>
-              </a:lnSpc>
-              <a:spcBef>
-                <a:spcPts val="500"/>
-              </a:spcBef>
-              <a:buClr>
-                <a:schemeClr val="accent1"/>
-              </a:buClr>
-              <a:buSzPct val="100000"/>
-              <a:buFont typeface="Arial" panose="020B0604020202020204" pitchFamily="34" charset="0"/>
-              <a:buChar char="•"/>
-              <a:defRPr sz="1400" kern="1200" cap="none" baseline="0">
-                <a:solidFill>
-                  <a:schemeClr val="tx1"/>
-                </a:solidFill>
-                <a:effectLst/>
-                <a:latin typeface="+mn-lt"/>
-                <a:ea typeface="+mn-ea"/>
-                <a:cs typeface="+mn-cs"/>
-              </a:defRPr>
-            </a:lvl4pPr>
-            <a:lvl5pPr marL="2057400" indent="-228600" algn="l" defTabSz="914400" rtl="0" eaLnBrk="1" latinLnBrk="1" hangingPunct="1">
-              <a:lnSpc>
-                <a:spcPct val="120000"/>
-              </a:lnSpc>
-              <a:spcBef>
-                <a:spcPts val="500"/>
-              </a:spcBef>
-              <a:buClr>
-                <a:schemeClr val="accent1"/>
-              </a:buClr>
-              <a:buSzPct val="100000"/>
-              <a:buFont typeface="Arial" panose="020B0604020202020204" pitchFamily="34" charset="0"/>
-              <a:buChar char="•"/>
-              <a:defRPr sz="1200" kern="1200">
-                <a:solidFill>
-                  <a:schemeClr val="tx1"/>
-                </a:solidFill>
-                <a:effectLst/>
-                <a:latin typeface="+mn-lt"/>
-                <a:ea typeface="+mn-ea"/>
-                <a:cs typeface="+mn-cs"/>
-              </a:defRPr>
-            </a:lvl5pPr>
-            <a:lvl6pPr marL="2514600" indent="-228600" algn="l" defTabSz="914400" rtl="0" eaLnBrk="1" latinLnBrk="1" hangingPunct="1">
-              <a:lnSpc>
-                <a:spcPct val="120000"/>
-              </a:lnSpc>
-              <a:spcBef>
-                <a:spcPts val="500"/>
-              </a:spcBef>
-              <a:buClr>
-                <a:schemeClr val="accent1"/>
-              </a:buClr>
-              <a:buSzPct val="100000"/>
-              <a:buFont typeface="Arial" panose="020B0604020202020204" pitchFamily="34" charset="0"/>
-              <a:buChar char="•"/>
-              <a:defRPr sz="1200" kern="1200">
-                <a:solidFill>
-                  <a:schemeClr val="tx1"/>
-                </a:solidFill>
-                <a:effectLst/>
-                <a:latin typeface="+mn-lt"/>
-                <a:ea typeface="+mn-ea"/>
-                <a:cs typeface="+mn-cs"/>
-              </a:defRPr>
-            </a:lvl6pPr>
-            <a:lvl7pPr marL="2971800" indent="-228600" algn="l" defTabSz="914400" rtl="0" eaLnBrk="1" latinLnBrk="1" hangingPunct="1">
-              <a:lnSpc>
-                <a:spcPct val="120000"/>
-              </a:lnSpc>
-              <a:spcBef>
-                <a:spcPts val="500"/>
-              </a:spcBef>
-              <a:buClr>
-                <a:schemeClr val="accent1"/>
-              </a:buClr>
-              <a:buSzPct val="100000"/>
-              <a:buFont typeface="Arial" panose="020B0604020202020204" pitchFamily="34" charset="0"/>
-              <a:buChar char="•"/>
-              <a:defRPr sz="1200" kern="1200">
-                <a:solidFill>
-                  <a:schemeClr val="tx1"/>
-                </a:solidFill>
-                <a:effectLst/>
-                <a:latin typeface="+mn-lt"/>
-                <a:ea typeface="+mn-ea"/>
-                <a:cs typeface="+mn-cs"/>
-              </a:defRPr>
-            </a:lvl7pPr>
-            <a:lvl8pPr marL="3429000" indent="-228600" algn="l" defTabSz="914400" rtl="0" eaLnBrk="1" latinLnBrk="1" hangingPunct="1">
-              <a:lnSpc>
-                <a:spcPct val="120000"/>
-              </a:lnSpc>
-              <a:spcBef>
-                <a:spcPts val="500"/>
-              </a:spcBef>
-              <a:buClr>
-                <a:schemeClr val="accent1"/>
-              </a:buClr>
-              <a:buSzPct val="100000"/>
-              <a:buFont typeface="Arial" panose="020B0604020202020204" pitchFamily="34" charset="0"/>
-              <a:buChar char="•"/>
-              <a:defRPr sz="1200" kern="1200" baseline="0">
-                <a:solidFill>
-                  <a:schemeClr val="tx1"/>
-                </a:solidFill>
-                <a:effectLst/>
-                <a:latin typeface="+mn-lt"/>
-                <a:ea typeface="+mn-ea"/>
-                <a:cs typeface="+mn-cs"/>
-              </a:defRPr>
-            </a:lvl8pPr>
-            <a:lvl9pPr marL="3886200" indent="-228600" algn="l" defTabSz="914400" rtl="0" eaLnBrk="1" latinLnBrk="1" hangingPunct="1">
-              <a:lnSpc>
-                <a:spcPct val="120000"/>
-              </a:lnSpc>
-              <a:spcBef>
-                <a:spcPts val="500"/>
-              </a:spcBef>
-              <a:buClr>
-                <a:schemeClr val="accent1"/>
-              </a:buClr>
-              <a:buSzPct val="100000"/>
-              <a:buFont typeface="Arial" panose="020B0604020202020204" pitchFamily="34" charset="0"/>
-              <a:buChar char="•"/>
-              <a:defRPr sz="1200" kern="1200" baseline="0">
-                <a:solidFill>
-                  <a:schemeClr val="tx1"/>
-                </a:solidFill>
-                <a:effectLst/>
-                <a:latin typeface="+mn-lt"/>
-                <a:ea typeface="+mn-ea"/>
-                <a:cs typeface="+mn-cs"/>
-              </a:defRPr>
-            </a:lvl9pPr>
-          </a:lstStyle>
-          <a:p>
-            <a:r>
-              <a:rPr lang="ko-KR" altLang="en-US" dirty="0"/>
-              <a:t>레이드</a:t>
-            </a:r>
-            <a:r>
-              <a:rPr lang="en-US" altLang="ko-KR" dirty="0"/>
-              <a:t>(</a:t>
-            </a:r>
-            <a:r>
-              <a:rPr lang="ko-KR" altLang="en-US" dirty="0" err="1"/>
-              <a:t>인던</a:t>
-            </a:r>
-            <a:r>
-              <a:rPr lang="en-US" altLang="ko-KR" dirty="0"/>
-              <a:t>) – </a:t>
-            </a:r>
-            <a:r>
-              <a:rPr lang="ko-KR" altLang="en-US" dirty="0"/>
-              <a:t>보스 몬스터 움직임</a:t>
-            </a:r>
-            <a:r>
-              <a:rPr lang="en-US" altLang="ko-KR" dirty="0"/>
-              <a:t>, </a:t>
-            </a:r>
-            <a:r>
-              <a:rPr lang="ko-KR" altLang="en-US" dirty="0"/>
-              <a:t>패턴 공격</a:t>
-            </a:r>
-            <a:r>
-              <a:rPr lang="en-US" altLang="ko-KR" dirty="0"/>
-              <a:t>/</a:t>
-            </a:r>
-            <a:r>
-              <a:rPr lang="ko-KR" altLang="en-US" dirty="0"/>
-              <a:t>동료 </a:t>
-            </a:r>
-            <a:r>
-              <a:rPr lang="en-US" altLang="ko-KR" dirty="0"/>
-              <a:t>AI </a:t>
-            </a:r>
-            <a:r>
-              <a:rPr lang="ko-KR" altLang="en-US" dirty="0"/>
-              <a:t>움직임</a:t>
-            </a:r>
-            <a:r>
-              <a:rPr lang="en-US" altLang="ko-KR" dirty="0"/>
-              <a:t>, </a:t>
-            </a:r>
-            <a:r>
-              <a:rPr lang="ko-KR" altLang="en-US" dirty="0"/>
-              <a:t>공격</a:t>
-            </a:r>
-            <a:r>
-              <a:rPr lang="en-US" altLang="ko-KR" dirty="0"/>
-              <a:t>, </a:t>
-            </a:r>
-            <a:r>
-              <a:rPr lang="ko-KR" altLang="en-US" dirty="0"/>
-              <a:t>사망처리</a:t>
-            </a:r>
-            <a:r>
-              <a:rPr lang="en-US" altLang="ko-KR" dirty="0"/>
-              <a:t>(</a:t>
-            </a:r>
-            <a:r>
-              <a:rPr lang="ko-KR" altLang="en-US" dirty="0"/>
-              <a:t>시야처리</a:t>
-            </a:r>
-            <a:r>
-              <a:rPr lang="en-US" altLang="ko-KR" dirty="0"/>
-              <a:t>)</a:t>
-            </a:r>
-            <a:r>
-              <a:rPr lang="ko-KR" altLang="en-US" dirty="0"/>
-              <a:t>  </a:t>
-            </a:r>
-          </a:p>
-        </p:txBody>
-      </p:sp>
-      <p:pic>
-        <p:nvPicPr>
-          <p:cNvPr id="5" name="그림 4">
-            <a:extLst>
-              <a:ext uri="{FF2B5EF4-FFF2-40B4-BE49-F238E27FC236}">
-                <a16:creationId xmlns:a16="http://schemas.microsoft.com/office/drawing/2014/main" id="{7BCEEC1F-B952-1205-0171-6E8004B5A47F}"/>
-              </a:ext>
-            </a:extLst>
-          </p:cNvPr>
-          <p:cNvPicPr>
-            <a:picLocks noChangeAspect="1"/>
-          </p:cNvPicPr>
-          <p:nvPr/>
-        </p:nvPicPr>
-        <p:blipFill>
-          <a:blip r:embed="rId2"/>
-          <a:stretch>
-            <a:fillRect/>
-          </a:stretch>
-        </p:blipFill>
-        <p:spPr>
-          <a:xfrm>
-            <a:off x="3755014" y="2651033"/>
-            <a:ext cx="4105131" cy="3241571"/>
-          </a:xfrm>
-          <a:prstGeom prst="rect">
-            <a:avLst/>
-          </a:prstGeom>
-        </p:spPr>
-      </p:pic>
-    </p:spTree>
-    <p:extLst>
-      <p:ext uri="{BB962C8B-B14F-4D97-AF65-F5344CB8AC3E}">
-        <p14:creationId xmlns:p14="http://schemas.microsoft.com/office/powerpoint/2010/main" val="2967537767"/>
-      </p:ext>
-    </p:extLst>
-  </p:cSld>
-  <p:clrMapOvr>
-    <a:masterClrMapping/>
-  </p:clrMapOvr>
-</p:sld>
-</file>
-
-<file path=ppt/slides/slide11.xml><?xml version="1.0" encoding="utf-8"?>
-<p:sld xmlns:a="http://schemas.openxmlformats.org/drawingml/2006/main" xmlns:r="http://schemas.openxmlformats.org/officeDocument/2006/relationships" xmlns:p="http://schemas.openxmlformats.org/presentationml/2006/main">
-  <p:cSld>
-    <p:spTree>
-      <p:nvGrpSpPr>
-        <p:cNvPr id="1" name=""/>
-        <p:cNvGrpSpPr/>
-        <p:nvPr/>
-      </p:nvGrpSpPr>
-      <p:grpSpPr>
-        <a:xfrm>
-          <a:off x="0" y="0"/>
-          <a:ext cx="0" cy="0"/>
-          <a:chOff x="0" y="0"/>
-          <a:chExt cx="0" cy="0"/>
-        </a:xfrm>
-      </p:grpSpPr>
-      <p:sp>
-        <p:nvSpPr>
-          <p:cNvPr id="2" name="제목 1">
-            <a:extLst>
-              <a:ext uri="{FF2B5EF4-FFF2-40B4-BE49-F238E27FC236}">
-                <a16:creationId xmlns:a16="http://schemas.microsoft.com/office/drawing/2014/main" id="{240B2911-B0C6-4FDE-9F38-6451BC3E4922}"/>
-              </a:ext>
-            </a:extLst>
-          </p:cNvPr>
-          <p:cNvSpPr>
-            <a:spLocks noGrp="1"/>
-          </p:cNvSpPr>
-          <p:nvPr>
-            <p:ph type="title"/>
-          </p:nvPr>
-        </p:nvSpPr>
-        <p:spPr/>
-        <p:txBody>
-          <a:bodyPr>
-            <a:normAutofit/>
-          </a:bodyPr>
-          <a:lstStyle/>
-          <a:p>
-            <a:r>
-              <a:rPr lang="ko-KR" altLang="en-US" sz="4800" dirty="0"/>
-              <a:t>문제점 및 보완책</a:t>
-            </a:r>
-          </a:p>
-        </p:txBody>
-      </p:sp>
-      <p:sp>
-        <p:nvSpPr>
-          <p:cNvPr id="3" name="내용 개체 틀 2">
-            <a:extLst>
-              <a:ext uri="{FF2B5EF4-FFF2-40B4-BE49-F238E27FC236}">
-                <a16:creationId xmlns:a16="http://schemas.microsoft.com/office/drawing/2014/main" id="{E6780943-578E-448D-890B-E86B6EC400DE}"/>
-              </a:ext>
-            </a:extLst>
-          </p:cNvPr>
-          <p:cNvSpPr>
-            <a:spLocks noGrp="1"/>
-          </p:cNvSpPr>
-          <p:nvPr>
-            <p:ph idx="1"/>
-          </p:nvPr>
-        </p:nvSpPr>
-        <p:spPr>
-          <a:xfrm>
-            <a:off x="1130270" y="2171769"/>
-            <a:ext cx="9603275" cy="3819728"/>
-          </a:xfrm>
-        </p:spPr>
-        <p:txBody>
-          <a:bodyPr>
-            <a:normAutofit/>
-          </a:bodyPr>
-          <a:lstStyle/>
-          <a:p>
-            <a:r>
-              <a:rPr lang="ko-KR" altLang="en-US" dirty="0"/>
-              <a:t>너무 단조로운 데미지</a:t>
-            </a:r>
-          </a:p>
-          <a:p>
-            <a:pPr marL="0" indent="0">
-              <a:buNone/>
-            </a:pPr>
-            <a:r>
-              <a:rPr lang="en-US" altLang="ko-KR" dirty="0"/>
-              <a:t>	=&gt; </a:t>
-            </a:r>
-            <a:r>
-              <a:rPr lang="ko-KR" altLang="en-US" dirty="0"/>
-              <a:t>데미지에 치명타 적용</a:t>
-            </a:r>
-            <a:endParaRPr lang="en-US" altLang="ko-KR" dirty="0"/>
-          </a:p>
-          <a:p>
-            <a:r>
-              <a:rPr lang="ko-KR" altLang="en-US" dirty="0" err="1"/>
-              <a:t>동접</a:t>
-            </a:r>
-            <a:r>
-              <a:rPr lang="ko-KR" altLang="en-US" dirty="0"/>
-              <a:t> 테스트를 해보지 않아 최대 </a:t>
-            </a:r>
-            <a:r>
-              <a:rPr lang="ko-KR" altLang="en-US" dirty="0" err="1"/>
-              <a:t>동접</a:t>
-            </a:r>
-            <a:r>
-              <a:rPr lang="ko-KR" altLang="en-US" dirty="0"/>
-              <a:t> 확인을 못함</a:t>
-            </a:r>
-            <a:endParaRPr lang="en-US" altLang="ko-KR" dirty="0"/>
-          </a:p>
-          <a:p>
-            <a:pPr marL="0" indent="0">
-              <a:buNone/>
-            </a:pPr>
-            <a:r>
-              <a:rPr lang="en-US" altLang="ko-KR" dirty="0"/>
-              <a:t>	=&gt; 6</a:t>
-            </a:r>
-            <a:r>
-              <a:rPr lang="ko-KR" altLang="en-US" dirty="0"/>
-              <a:t>월에 </a:t>
-            </a:r>
-            <a:r>
-              <a:rPr lang="ko-KR" altLang="en-US" dirty="0" err="1"/>
-              <a:t>동접</a:t>
-            </a:r>
-            <a:r>
-              <a:rPr lang="ko-KR" altLang="en-US" dirty="0"/>
-              <a:t> 테스트용 프로그램 제작 및 최적화</a:t>
-            </a:r>
-            <a:endParaRPr lang="en-US" altLang="ko-KR" dirty="0"/>
-          </a:p>
-          <a:p>
-            <a:r>
-              <a:rPr lang="ko-KR" altLang="en-US" dirty="0"/>
-              <a:t>클라이언트의 메모리 과도한 사용</a:t>
-            </a:r>
-            <a:endParaRPr lang="en-US" altLang="ko-KR" dirty="0"/>
-          </a:p>
-          <a:p>
-            <a:pPr marL="0" indent="0">
-              <a:buNone/>
-            </a:pPr>
-            <a:r>
-              <a:rPr lang="en-US" altLang="ko-KR" dirty="0"/>
-              <a:t>	=&gt; </a:t>
-            </a:r>
-            <a:r>
-              <a:rPr lang="ko-KR" altLang="en-US" dirty="0"/>
-              <a:t>자료구조 활용해 메모리 관리</a:t>
-            </a:r>
-            <a:r>
-              <a:rPr lang="en-US" altLang="ko-KR" dirty="0"/>
-              <a:t>, </a:t>
-            </a:r>
-            <a:r>
-              <a:rPr lang="ko-KR" altLang="en-US" dirty="0"/>
-              <a:t>오브젝트를 </a:t>
-            </a:r>
-            <a:r>
-              <a:rPr lang="ko-KR" altLang="en-US" dirty="0" err="1"/>
-              <a:t>인스턴싱하여</a:t>
-            </a:r>
-            <a:r>
-              <a:rPr lang="ko-KR" altLang="en-US" dirty="0"/>
-              <a:t> 관리 </a:t>
-            </a:r>
-            <a:endParaRPr lang="en-US" altLang="ko-KR" dirty="0"/>
-          </a:p>
-          <a:p>
-            <a:endParaRPr lang="en-US" altLang="ko-KR" dirty="0"/>
-          </a:p>
-        </p:txBody>
-      </p:sp>
-    </p:spTree>
-    <p:extLst>
-      <p:ext uri="{BB962C8B-B14F-4D97-AF65-F5344CB8AC3E}">
-        <p14:creationId xmlns:p14="http://schemas.microsoft.com/office/powerpoint/2010/main" val="70206867"/>
-      </p:ext>
-    </p:extLst>
-  </p:cSld>
-  <p:clrMapOvr>
-    <a:masterClrMapping/>
-  </p:clrMapOvr>
-</p:sld>
-</file>
-
-<file path=ppt/slides/slide12.xml><?xml version="1.0" encoding="utf-8"?>
-<p:sld xmlns:a="http://schemas.openxmlformats.org/drawingml/2006/main" xmlns:r="http://schemas.openxmlformats.org/officeDocument/2006/relationships" xmlns:p="http://schemas.openxmlformats.org/presentationml/2006/main">
-  <p:cSld>
-    <p:spTree>
-      <p:nvGrpSpPr>
-        <p:cNvPr id="1" name=""/>
-        <p:cNvGrpSpPr/>
-        <p:nvPr/>
-      </p:nvGrpSpPr>
-      <p:grpSpPr>
-        <a:xfrm>
-          <a:off x="0" y="0"/>
-          <a:ext cx="0" cy="0"/>
-          <a:chOff x="0" y="0"/>
-          <a:chExt cx="0" cy="0"/>
-        </a:xfrm>
-      </p:grpSpPr>
-      <p:sp>
-        <p:nvSpPr>
-          <p:cNvPr id="2" name="제목 1">
-            <a:extLst>
-              <a:ext uri="{FF2B5EF4-FFF2-40B4-BE49-F238E27FC236}">
-                <a16:creationId xmlns:a16="http://schemas.microsoft.com/office/drawing/2014/main" id="{8E31107D-ACFB-4AEC-9615-450C0CB0A231}"/>
-              </a:ext>
-            </a:extLst>
-          </p:cNvPr>
-          <p:cNvSpPr>
-            <a:spLocks noGrp="1"/>
-          </p:cNvSpPr>
-          <p:nvPr>
-            <p:ph type="title"/>
-          </p:nvPr>
-        </p:nvSpPr>
-        <p:spPr/>
-        <p:txBody>
-          <a:bodyPr>
-            <a:normAutofit/>
-          </a:bodyPr>
-          <a:lstStyle/>
-          <a:p>
-            <a:r>
-              <a:rPr lang="ko-KR" altLang="en-US" sz="4800" dirty="0"/>
-              <a:t>향후 개발일정</a:t>
-            </a:r>
-            <a:r>
-              <a:rPr lang="en-US" altLang="ko-KR" sz="2400" dirty="0"/>
-              <a:t>(</a:t>
-            </a:r>
-            <a:r>
-              <a:rPr lang="ko-KR" altLang="en-US" sz="2400" dirty="0"/>
-              <a:t>클라</a:t>
-            </a:r>
-            <a:r>
-              <a:rPr lang="en-US" altLang="ko-KR" sz="2400" dirty="0"/>
-              <a:t>)</a:t>
-            </a:r>
-            <a:endParaRPr lang="ko-KR" altLang="en-US" sz="2400" dirty="0"/>
-          </a:p>
-        </p:txBody>
-      </p:sp>
-      <p:sp>
-        <p:nvSpPr>
-          <p:cNvPr id="3" name="내용 개체 틀 2">
-            <a:extLst>
-              <a:ext uri="{FF2B5EF4-FFF2-40B4-BE49-F238E27FC236}">
-                <a16:creationId xmlns:a16="http://schemas.microsoft.com/office/drawing/2014/main" id="{04048C10-1EAE-4658-9B7D-BFBD7014F05E}"/>
-              </a:ext>
-            </a:extLst>
-          </p:cNvPr>
-          <p:cNvSpPr>
-            <a:spLocks noGrp="1"/>
-          </p:cNvSpPr>
-          <p:nvPr>
-            <p:ph idx="1"/>
-          </p:nvPr>
-        </p:nvSpPr>
-        <p:spPr/>
-        <p:txBody>
-          <a:bodyPr/>
-          <a:lstStyle/>
-          <a:p>
-            <a:endParaRPr lang="ko-KR" altLang="en-US"/>
-          </a:p>
-        </p:txBody>
-      </p:sp>
-      <p:pic>
-        <p:nvPicPr>
-          <p:cNvPr id="9" name="그림 8">
-            <a:extLst>
-              <a:ext uri="{FF2B5EF4-FFF2-40B4-BE49-F238E27FC236}">
-                <a16:creationId xmlns:a16="http://schemas.microsoft.com/office/drawing/2014/main" id="{437497D9-ECA7-4A06-9F5F-6DE5CA2EDED3}"/>
-              </a:ext>
-            </a:extLst>
-          </p:cNvPr>
-          <p:cNvPicPr>
-            <a:picLocks noChangeAspect="1"/>
-          </p:cNvPicPr>
-          <p:nvPr/>
-        </p:nvPicPr>
-        <p:blipFill>
-          <a:blip r:embed="rId2"/>
-          <a:stretch>
-            <a:fillRect/>
-          </a:stretch>
-        </p:blipFill>
-        <p:spPr>
-          <a:xfrm>
-            <a:off x="2280492" y="1776510"/>
-            <a:ext cx="6808090" cy="3859704"/>
-          </a:xfrm>
-          <a:prstGeom prst="rect">
-            <a:avLst/>
-          </a:prstGeom>
-        </p:spPr>
-      </p:pic>
-      <p:pic>
-        <p:nvPicPr>
-          <p:cNvPr id="11" name="그림 10">
-            <a:extLst>
-              <a:ext uri="{FF2B5EF4-FFF2-40B4-BE49-F238E27FC236}">
-                <a16:creationId xmlns:a16="http://schemas.microsoft.com/office/drawing/2014/main" id="{AFE369F0-7B8C-4C12-ABEF-A2F8B2AB80B6}"/>
-              </a:ext>
-            </a:extLst>
-          </p:cNvPr>
-          <p:cNvPicPr>
-            <a:picLocks noChangeAspect="1"/>
-          </p:cNvPicPr>
-          <p:nvPr/>
-        </p:nvPicPr>
-        <p:blipFill>
-          <a:blip r:embed="rId3"/>
-          <a:stretch>
-            <a:fillRect/>
-          </a:stretch>
-        </p:blipFill>
-        <p:spPr>
-          <a:xfrm>
-            <a:off x="2280492" y="5805424"/>
-            <a:ext cx="3247766" cy="393083"/>
-          </a:xfrm>
-          <a:prstGeom prst="rect">
-            <a:avLst/>
-          </a:prstGeom>
-        </p:spPr>
-      </p:pic>
-    </p:spTree>
-    <p:extLst>
-      <p:ext uri="{BB962C8B-B14F-4D97-AF65-F5344CB8AC3E}">
-        <p14:creationId xmlns:p14="http://schemas.microsoft.com/office/powerpoint/2010/main" val="3526608456"/>
-      </p:ext>
-    </p:extLst>
-  </p:cSld>
-  <p:clrMapOvr>
-    <a:masterClrMapping/>
-  </p:clrMapOvr>
-</p:sld>
-</file>
-
-<file path=ppt/slides/slide13.xml><?xml version="1.0" encoding="utf-8"?>
-<p:sld xmlns:a="http://schemas.openxmlformats.org/drawingml/2006/main" xmlns:r="http://schemas.openxmlformats.org/officeDocument/2006/relationships" xmlns:p="http://schemas.openxmlformats.org/presentationml/2006/main">
-  <p:cSld>
-    <p:spTree>
-      <p:nvGrpSpPr>
-        <p:cNvPr id="1" name=""/>
-        <p:cNvGrpSpPr/>
-        <p:nvPr/>
-      </p:nvGrpSpPr>
-      <p:grpSpPr>
-        <a:xfrm>
-          <a:off x="0" y="0"/>
-          <a:ext cx="0" cy="0"/>
-          <a:chOff x="0" y="0"/>
-          <a:chExt cx="0" cy="0"/>
-        </a:xfrm>
-      </p:grpSpPr>
-      <p:sp>
-        <p:nvSpPr>
-          <p:cNvPr id="2" name="제목 1">
-            <a:extLst>
-              <a:ext uri="{FF2B5EF4-FFF2-40B4-BE49-F238E27FC236}">
-                <a16:creationId xmlns:a16="http://schemas.microsoft.com/office/drawing/2014/main" id="{8E31107D-ACFB-4AEC-9615-450C0CB0A231}"/>
-              </a:ext>
-            </a:extLst>
-          </p:cNvPr>
-          <p:cNvSpPr>
-            <a:spLocks noGrp="1"/>
-          </p:cNvSpPr>
-          <p:nvPr>
-            <p:ph type="title"/>
-          </p:nvPr>
-        </p:nvSpPr>
-        <p:spPr/>
-        <p:txBody>
-          <a:bodyPr>
-            <a:normAutofit/>
-          </a:bodyPr>
-          <a:lstStyle/>
-          <a:p>
-            <a:r>
-              <a:rPr lang="ko-KR" altLang="en-US" sz="4800" dirty="0"/>
-              <a:t>향후 개발일정</a:t>
-            </a:r>
-            <a:r>
-              <a:rPr lang="en-US" altLang="ko-KR" sz="2400" dirty="0"/>
-              <a:t>(</a:t>
-            </a:r>
-            <a:r>
-              <a:rPr lang="ko-KR" altLang="en-US" sz="2400" dirty="0"/>
-              <a:t>서버</a:t>
-            </a:r>
-            <a:r>
-              <a:rPr lang="en-US" altLang="ko-KR" sz="2400" dirty="0"/>
-              <a:t>)</a:t>
-            </a:r>
-            <a:endParaRPr lang="ko-KR" altLang="en-US" sz="2400" dirty="0"/>
-          </a:p>
-        </p:txBody>
-      </p:sp>
-      <p:sp>
-        <p:nvSpPr>
-          <p:cNvPr id="8" name="내용 개체 틀 7">
-            <a:extLst>
-              <a:ext uri="{FF2B5EF4-FFF2-40B4-BE49-F238E27FC236}">
-                <a16:creationId xmlns:a16="http://schemas.microsoft.com/office/drawing/2014/main" id="{59267543-02DC-4797-9215-158B35724A05}"/>
-              </a:ext>
-            </a:extLst>
-          </p:cNvPr>
-          <p:cNvSpPr>
-            <a:spLocks noGrp="1"/>
-          </p:cNvSpPr>
-          <p:nvPr>
-            <p:ph idx="1"/>
-          </p:nvPr>
-        </p:nvSpPr>
-        <p:spPr/>
-        <p:txBody>
-          <a:bodyPr/>
-          <a:lstStyle/>
-          <a:p>
-            <a:endParaRPr lang="ko-KR" altLang="en-US"/>
-          </a:p>
-        </p:txBody>
-      </p:sp>
-      <p:pic>
-        <p:nvPicPr>
-          <p:cNvPr id="11" name="그림 10">
-            <a:extLst>
-              <a:ext uri="{FF2B5EF4-FFF2-40B4-BE49-F238E27FC236}">
-                <a16:creationId xmlns:a16="http://schemas.microsoft.com/office/drawing/2014/main" id="{42224D4C-6029-460D-8652-4761C759E458}"/>
-              </a:ext>
-            </a:extLst>
-          </p:cNvPr>
-          <p:cNvPicPr>
-            <a:picLocks noChangeAspect="1"/>
-          </p:cNvPicPr>
-          <p:nvPr/>
-        </p:nvPicPr>
-        <p:blipFill>
-          <a:blip r:embed="rId2"/>
-          <a:stretch>
-            <a:fillRect/>
-          </a:stretch>
-        </p:blipFill>
-        <p:spPr>
-          <a:xfrm>
-            <a:off x="2280492" y="5805424"/>
-            <a:ext cx="3247766" cy="393083"/>
-          </a:xfrm>
-          <a:prstGeom prst="rect">
-            <a:avLst/>
-          </a:prstGeom>
-        </p:spPr>
-      </p:pic>
-      <p:pic>
-        <p:nvPicPr>
-          <p:cNvPr id="13" name="그림 12">
-            <a:extLst>
-              <a:ext uri="{FF2B5EF4-FFF2-40B4-BE49-F238E27FC236}">
-                <a16:creationId xmlns:a16="http://schemas.microsoft.com/office/drawing/2014/main" id="{248CCA8A-4071-4658-9E69-4DABF50804A3}"/>
-              </a:ext>
-            </a:extLst>
-          </p:cNvPr>
-          <p:cNvPicPr>
-            <a:picLocks noChangeAspect="1"/>
-          </p:cNvPicPr>
-          <p:nvPr/>
-        </p:nvPicPr>
-        <p:blipFill>
-          <a:blip r:embed="rId3"/>
-          <a:stretch>
-            <a:fillRect/>
-          </a:stretch>
-        </p:blipFill>
-        <p:spPr>
-          <a:xfrm>
-            <a:off x="2257918" y="1675778"/>
-            <a:ext cx="7347978" cy="4129646"/>
-          </a:xfrm>
-          <a:prstGeom prst="rect">
-            <a:avLst/>
-          </a:prstGeom>
-        </p:spPr>
-      </p:pic>
-    </p:spTree>
-    <p:extLst>
-      <p:ext uri="{BB962C8B-B14F-4D97-AF65-F5344CB8AC3E}">
-        <p14:creationId xmlns:p14="http://schemas.microsoft.com/office/powerpoint/2010/main" val="3787234214"/>
-      </p:ext>
-    </p:extLst>
-  </p:cSld>
-  <p:clrMapOvr>
-    <a:masterClrMapping/>
-  </p:clrMapOvr>
-</p:sld>
-</file>
-
-<file path=ppt/slides/slide14.xml><?xml version="1.0" encoding="utf-8"?>
-<p:sld xmlns:a="http://schemas.openxmlformats.org/drawingml/2006/main" xmlns:r="http://schemas.openxmlformats.org/officeDocument/2006/relationships" xmlns:p="http://schemas.openxmlformats.org/presentationml/2006/main">
-  <p:cSld>
-    <p:spTree>
-      <p:nvGrpSpPr>
-        <p:cNvPr id="1" name=""/>
-        <p:cNvGrpSpPr/>
-        <p:nvPr/>
-      </p:nvGrpSpPr>
-      <p:grpSpPr>
-        <a:xfrm>
-          <a:off x="0" y="0"/>
-          <a:ext cx="0" cy="0"/>
-          <a:chOff x="0" y="0"/>
-          <a:chExt cx="0" cy="0"/>
-        </a:xfrm>
-      </p:grpSpPr>
-      <p:sp>
-        <p:nvSpPr>
-          <p:cNvPr id="2" name="제목 1">
-            <a:extLst>
-              <a:ext uri="{FF2B5EF4-FFF2-40B4-BE49-F238E27FC236}">
-                <a16:creationId xmlns:a16="http://schemas.microsoft.com/office/drawing/2014/main" id="{14B968F6-F352-46FC-A5A6-CFB98315AB18}"/>
-              </a:ext>
-            </a:extLst>
-          </p:cNvPr>
-          <p:cNvSpPr>
-            <a:spLocks noGrp="1"/>
-          </p:cNvSpPr>
-          <p:nvPr>
-            <p:ph type="title"/>
-          </p:nvPr>
-        </p:nvSpPr>
-        <p:spPr/>
-        <p:txBody>
-          <a:bodyPr>
-            <a:normAutofit/>
-          </a:bodyPr>
-          <a:lstStyle/>
-          <a:p>
-            <a:r>
-              <a:rPr lang="ko-KR" altLang="en-US" sz="4800" dirty="0"/>
-              <a:t>데모 시연</a:t>
-            </a:r>
-          </a:p>
-        </p:txBody>
-      </p:sp>
-      <p:sp>
-        <p:nvSpPr>
-          <p:cNvPr id="3" name="내용 개체 틀 2">
-            <a:extLst>
-              <a:ext uri="{FF2B5EF4-FFF2-40B4-BE49-F238E27FC236}">
-                <a16:creationId xmlns:a16="http://schemas.microsoft.com/office/drawing/2014/main" id="{4AB9E6B9-1EF7-4E06-835D-B97CA1D089A5}"/>
-              </a:ext>
-            </a:extLst>
-          </p:cNvPr>
-          <p:cNvSpPr>
-            <a:spLocks noGrp="1"/>
-          </p:cNvSpPr>
-          <p:nvPr>
-            <p:ph idx="1"/>
-          </p:nvPr>
-        </p:nvSpPr>
-        <p:spPr/>
-        <p:txBody>
-          <a:bodyPr/>
-          <a:lstStyle/>
-          <a:p>
-            <a:endParaRPr lang="ko-KR" altLang="en-US" dirty="0"/>
-          </a:p>
-        </p:txBody>
-      </p:sp>
-    </p:spTree>
-    <p:extLst>
-      <p:ext uri="{BB962C8B-B14F-4D97-AF65-F5344CB8AC3E}">
-        <p14:creationId xmlns:p14="http://schemas.microsoft.com/office/powerpoint/2010/main" val="1248903595"/>
-      </p:ext>
-    </p:extLst>
-  </p:cSld>
-  <p:clrMapOvr>
-    <a:masterClrMapping/>
-  </p:clrMapOvr>
-</p:sld>
-</file>
-
-<file path=ppt/slides/slide2.xml><?xml version="1.0" encoding="utf-8"?>
-<p:sld xmlns:a="http://schemas.openxmlformats.org/drawingml/2006/main" xmlns:r="http://schemas.openxmlformats.org/officeDocument/2006/relationships" xmlns:p="http://schemas.openxmlformats.org/presentationml/2006/main">
-  <p:cSld>
-    <p:spTree>
-      <p:nvGrpSpPr>
-        <p:cNvPr id="1" name=""/>
-        <p:cNvGrpSpPr/>
-        <p:nvPr/>
-      </p:nvGrpSpPr>
-      <p:grpSpPr>
-        <a:xfrm>
-          <a:off x="0" y="0"/>
-          <a:ext cx="0" cy="0"/>
-          <a:chOff x="0" y="0"/>
-          <a:chExt cx="0" cy="0"/>
-        </a:xfrm>
-      </p:grpSpPr>
-      <p:sp>
-        <p:nvSpPr>
-          <p:cNvPr id="2" name="제목 1">
-            <a:extLst>
-              <a:ext uri="{FF2B5EF4-FFF2-40B4-BE49-F238E27FC236}">
-                <a16:creationId xmlns:a16="http://schemas.microsoft.com/office/drawing/2014/main" id="{9E1A6116-406B-40F1-9CF9-65DB1F74DC48}"/>
-              </a:ext>
-            </a:extLst>
-          </p:cNvPr>
-          <p:cNvSpPr>
-            <a:spLocks noGrp="1"/>
-          </p:cNvSpPr>
-          <p:nvPr>
-            <p:ph type="title"/>
-          </p:nvPr>
-        </p:nvSpPr>
-        <p:spPr/>
-        <p:txBody>
-          <a:bodyPr>
-            <a:normAutofit/>
-          </a:bodyPr>
-          <a:lstStyle/>
-          <a:p>
-            <a:r>
-              <a:rPr lang="ko-KR" altLang="en-US" sz="4800" dirty="0"/>
-              <a:t>목차</a:t>
-            </a:r>
-          </a:p>
-        </p:txBody>
-      </p:sp>
-      <p:sp>
-        <p:nvSpPr>
-          <p:cNvPr id="3" name="내용 개체 틀 2">
-            <a:extLst>
-              <a:ext uri="{FF2B5EF4-FFF2-40B4-BE49-F238E27FC236}">
-                <a16:creationId xmlns:a16="http://schemas.microsoft.com/office/drawing/2014/main" id="{2AFF8ED2-D499-4CF2-A545-ED2742D0599B}"/>
-              </a:ext>
-            </a:extLst>
-          </p:cNvPr>
-          <p:cNvSpPr>
-            <a:spLocks noGrp="1"/>
-          </p:cNvSpPr>
-          <p:nvPr>
-            <p:ph idx="1"/>
-          </p:nvPr>
-        </p:nvSpPr>
-        <p:spPr>
-          <a:xfrm>
-            <a:off x="1130270" y="2798786"/>
-            <a:ext cx="4965730" cy="3294576"/>
-          </a:xfrm>
-        </p:spPr>
-        <p:txBody>
-          <a:bodyPr/>
-          <a:lstStyle/>
-          <a:p>
-            <a:pPr marL="457200" indent="-457200">
-              <a:buAutoNum type="arabicPeriod"/>
-            </a:pPr>
-            <a:r>
-              <a:rPr lang="ko-KR" altLang="en-US" dirty="0"/>
-              <a:t>개요</a:t>
-            </a:r>
-            <a:endParaRPr lang="en-US" altLang="ko-KR" dirty="0"/>
-          </a:p>
-          <a:p>
-            <a:pPr marL="457200" indent="-457200">
-              <a:buAutoNum type="arabicPeriod"/>
-            </a:pPr>
-            <a:r>
-              <a:rPr lang="ko-KR" altLang="en-US" dirty="0"/>
-              <a:t>게임조작</a:t>
-            </a:r>
-            <a:endParaRPr lang="en-US" altLang="ko-KR" dirty="0"/>
-          </a:p>
-          <a:p>
-            <a:pPr marL="457200" indent="-457200">
-              <a:buAutoNum type="arabicPeriod"/>
-            </a:pPr>
-            <a:r>
-              <a:rPr lang="ko-KR" altLang="en-US" dirty="0"/>
-              <a:t>기술요소와 중점 연구 분야</a:t>
-            </a:r>
-            <a:endParaRPr lang="en-US" altLang="ko-KR" dirty="0"/>
-          </a:p>
-          <a:p>
-            <a:pPr marL="457200" indent="-457200">
-              <a:buAutoNum type="arabicPeriod"/>
-            </a:pPr>
-            <a:r>
-              <a:rPr lang="ko-KR" altLang="en-US" dirty="0"/>
-              <a:t>구성원 역할 분담</a:t>
-            </a:r>
-          </a:p>
-        </p:txBody>
-      </p:sp>
-      <p:sp>
-        <p:nvSpPr>
-          <p:cNvPr id="4" name="내용 개체 틀 2">
-            <a:extLst>
-              <a:ext uri="{FF2B5EF4-FFF2-40B4-BE49-F238E27FC236}">
-                <a16:creationId xmlns:a16="http://schemas.microsoft.com/office/drawing/2014/main" id="{DD0618E0-5026-448C-AD3F-528B33110E29}"/>
-              </a:ext>
-            </a:extLst>
-          </p:cNvPr>
-          <p:cNvSpPr txBox="1">
-            <a:spLocks/>
-          </p:cNvSpPr>
-          <p:nvPr/>
-        </p:nvSpPr>
-        <p:spPr>
-          <a:xfrm>
-            <a:off x="5931907" y="2798786"/>
-            <a:ext cx="4965730" cy="3294576"/>
-          </a:xfrm>
-          <a:prstGeom prst="rect">
-            <a:avLst/>
-          </a:prstGeom>
-        </p:spPr>
-        <p:txBody>
-          <a:bodyPr vert="horz" lIns="91440" tIns="45720" rIns="91440" bIns="45720" rtlCol="0" anchor="t">
-            <a:normAutofit/>
-          </a:bodyPr>
-          <a:lstStyle>
-            <a:lvl1pPr marL="228600" indent="-228600" algn="l" defTabSz="914400" rtl="0" eaLnBrk="1" latinLnBrk="1" hangingPunct="1">
-              <a:lnSpc>
-                <a:spcPct val="120000"/>
-              </a:lnSpc>
-              <a:spcBef>
-                <a:spcPts val="1000"/>
-              </a:spcBef>
-              <a:buClr>
-                <a:schemeClr val="accent1"/>
-              </a:buClr>
-              <a:buSzPct val="100000"/>
-              <a:buFont typeface="Arial" panose="020B0604020202020204" pitchFamily="34" charset="0"/>
-              <a:buChar char="•"/>
-              <a:defRPr sz="2000" kern="1200">
-                <a:solidFill>
-                  <a:schemeClr val="tx1"/>
-                </a:solidFill>
-                <a:effectLst/>
-                <a:latin typeface="+mn-lt"/>
-                <a:ea typeface="+mn-ea"/>
-                <a:cs typeface="+mn-cs"/>
-              </a:defRPr>
-            </a:lvl1pPr>
-            <a:lvl2pPr marL="685800" indent="-228600" algn="l" defTabSz="914400" rtl="0" eaLnBrk="1" latinLnBrk="1" hangingPunct="1">
-              <a:lnSpc>
-                <a:spcPct val="120000"/>
-              </a:lnSpc>
-              <a:spcBef>
-                <a:spcPts val="500"/>
-              </a:spcBef>
-              <a:buClr>
-                <a:schemeClr val="accent1"/>
-              </a:buClr>
-              <a:buSzPct val="100000"/>
-              <a:buFont typeface="Arial" panose="020B0604020202020204" pitchFamily="34" charset="0"/>
-              <a:buChar char="•"/>
-              <a:defRPr sz="1800" kern="1200" cap="none" baseline="0">
-                <a:solidFill>
-                  <a:schemeClr val="tx1"/>
-                </a:solidFill>
-                <a:effectLst/>
-                <a:latin typeface="+mn-lt"/>
-                <a:ea typeface="+mn-ea"/>
-                <a:cs typeface="+mn-cs"/>
-              </a:defRPr>
-            </a:lvl2pPr>
-            <a:lvl3pPr marL="1143000" indent="-228600" algn="l" defTabSz="914400" rtl="0" eaLnBrk="1" latinLnBrk="1" hangingPunct="1">
-              <a:lnSpc>
-                <a:spcPct val="120000"/>
-              </a:lnSpc>
-              <a:spcBef>
-                <a:spcPts val="500"/>
-              </a:spcBef>
-              <a:buClr>
-                <a:schemeClr val="accent1"/>
-              </a:buClr>
-              <a:buSzPct val="100000"/>
-              <a:buFont typeface="Arial" panose="020B0604020202020204" pitchFamily="34" charset="0"/>
-              <a:buChar char="•"/>
-              <a:defRPr sz="1600" kern="1200">
-                <a:solidFill>
-                  <a:schemeClr val="tx1"/>
-                </a:solidFill>
-                <a:effectLst/>
-                <a:latin typeface="+mn-lt"/>
-                <a:ea typeface="+mn-ea"/>
-                <a:cs typeface="+mn-cs"/>
-              </a:defRPr>
-            </a:lvl3pPr>
-            <a:lvl4pPr marL="1600200" indent="-228600" algn="l" defTabSz="914400" rtl="0" eaLnBrk="1" latinLnBrk="1" hangingPunct="1">
-              <a:lnSpc>
-                <a:spcPct val="120000"/>
-              </a:lnSpc>
-              <a:spcBef>
-                <a:spcPts val="500"/>
-              </a:spcBef>
-              <a:buClr>
-                <a:schemeClr val="accent1"/>
-              </a:buClr>
-              <a:buSzPct val="100000"/>
-              <a:buFont typeface="Arial" panose="020B0604020202020204" pitchFamily="34" charset="0"/>
-              <a:buChar char="•"/>
-              <a:defRPr sz="1400" kern="1200" cap="none" baseline="0">
-                <a:solidFill>
-                  <a:schemeClr val="tx1"/>
-                </a:solidFill>
-                <a:effectLst/>
-                <a:latin typeface="+mn-lt"/>
-                <a:ea typeface="+mn-ea"/>
-                <a:cs typeface="+mn-cs"/>
-              </a:defRPr>
-            </a:lvl4pPr>
-            <a:lvl5pPr marL="2057400" indent="-228600" algn="l" defTabSz="914400" rtl="0" eaLnBrk="1" latinLnBrk="1" hangingPunct="1">
-              <a:lnSpc>
-                <a:spcPct val="120000"/>
-              </a:lnSpc>
-              <a:spcBef>
-                <a:spcPts val="500"/>
-              </a:spcBef>
-              <a:buClr>
-                <a:schemeClr val="accent1"/>
-              </a:buClr>
-              <a:buSzPct val="100000"/>
-              <a:buFont typeface="Arial" panose="020B0604020202020204" pitchFamily="34" charset="0"/>
-              <a:buChar char="•"/>
-              <a:defRPr sz="1200" kern="1200">
-                <a:solidFill>
-                  <a:schemeClr val="tx1"/>
-                </a:solidFill>
-                <a:effectLst/>
-                <a:latin typeface="+mn-lt"/>
-                <a:ea typeface="+mn-ea"/>
-                <a:cs typeface="+mn-cs"/>
-              </a:defRPr>
-            </a:lvl5pPr>
-            <a:lvl6pPr marL="2514600" indent="-228600" algn="l" defTabSz="914400" rtl="0" eaLnBrk="1" latinLnBrk="1" hangingPunct="1">
-              <a:lnSpc>
-                <a:spcPct val="120000"/>
-              </a:lnSpc>
-              <a:spcBef>
-                <a:spcPts val="500"/>
-              </a:spcBef>
-              <a:buClr>
-                <a:schemeClr val="accent1"/>
-              </a:buClr>
-              <a:buSzPct val="100000"/>
-              <a:buFont typeface="Arial" panose="020B0604020202020204" pitchFamily="34" charset="0"/>
-              <a:buChar char="•"/>
-              <a:defRPr sz="1200" kern="1200">
-                <a:solidFill>
-                  <a:schemeClr val="tx1"/>
-                </a:solidFill>
-                <a:effectLst/>
-                <a:latin typeface="+mn-lt"/>
-                <a:ea typeface="+mn-ea"/>
-                <a:cs typeface="+mn-cs"/>
-              </a:defRPr>
-            </a:lvl6pPr>
-            <a:lvl7pPr marL="2971800" indent="-228600" algn="l" defTabSz="914400" rtl="0" eaLnBrk="1" latinLnBrk="1" hangingPunct="1">
-              <a:lnSpc>
-                <a:spcPct val="120000"/>
-              </a:lnSpc>
-              <a:spcBef>
-                <a:spcPts val="500"/>
-              </a:spcBef>
-              <a:buClr>
-                <a:schemeClr val="accent1"/>
-              </a:buClr>
-              <a:buSzPct val="100000"/>
-              <a:buFont typeface="Arial" panose="020B0604020202020204" pitchFamily="34" charset="0"/>
-              <a:buChar char="•"/>
-              <a:defRPr sz="1200" kern="1200">
-                <a:solidFill>
-                  <a:schemeClr val="tx1"/>
-                </a:solidFill>
-                <a:effectLst/>
-                <a:latin typeface="+mn-lt"/>
-                <a:ea typeface="+mn-ea"/>
-                <a:cs typeface="+mn-cs"/>
-              </a:defRPr>
-            </a:lvl7pPr>
-            <a:lvl8pPr marL="3429000" indent="-228600" algn="l" defTabSz="914400" rtl="0" eaLnBrk="1" latinLnBrk="1" hangingPunct="1">
-              <a:lnSpc>
-                <a:spcPct val="120000"/>
-              </a:lnSpc>
-              <a:spcBef>
-                <a:spcPts val="500"/>
-              </a:spcBef>
-              <a:buClr>
-                <a:schemeClr val="accent1"/>
-              </a:buClr>
-              <a:buSzPct val="100000"/>
-              <a:buFont typeface="Arial" panose="020B0604020202020204" pitchFamily="34" charset="0"/>
-              <a:buChar char="•"/>
-              <a:defRPr sz="1200" kern="1200" baseline="0">
-                <a:solidFill>
-                  <a:schemeClr val="tx1"/>
-                </a:solidFill>
-                <a:effectLst/>
-                <a:latin typeface="+mn-lt"/>
-                <a:ea typeface="+mn-ea"/>
-                <a:cs typeface="+mn-cs"/>
-              </a:defRPr>
-            </a:lvl8pPr>
-            <a:lvl9pPr marL="3886200" indent="-228600" algn="l" defTabSz="914400" rtl="0" eaLnBrk="1" latinLnBrk="1" hangingPunct="1">
-              <a:lnSpc>
-                <a:spcPct val="120000"/>
-              </a:lnSpc>
-              <a:spcBef>
-                <a:spcPts val="500"/>
-              </a:spcBef>
-              <a:buClr>
-                <a:schemeClr val="accent1"/>
-              </a:buClr>
-              <a:buSzPct val="100000"/>
-              <a:buFont typeface="Arial" panose="020B0604020202020204" pitchFamily="34" charset="0"/>
-              <a:buChar char="•"/>
-              <a:defRPr sz="1200" kern="1200" baseline="0">
-                <a:solidFill>
-                  <a:schemeClr val="tx1"/>
-                </a:solidFill>
-                <a:effectLst/>
-                <a:latin typeface="+mn-lt"/>
-                <a:ea typeface="+mn-ea"/>
-                <a:cs typeface="+mn-cs"/>
-              </a:defRPr>
-            </a:lvl9pPr>
-          </a:lstStyle>
-          <a:p>
-            <a:pPr marL="457200" indent="-457200">
-              <a:buFont typeface="+mj-lt"/>
-              <a:buAutoNum type="arabicPeriod" startAt="5"/>
-            </a:pPr>
-            <a:r>
-              <a:rPr lang="ko-KR" altLang="en-US" dirty="0"/>
-              <a:t>개발내용</a:t>
-            </a:r>
-            <a:endParaRPr lang="en-US" altLang="ko-KR" dirty="0"/>
-          </a:p>
-          <a:p>
-            <a:pPr marL="457200" indent="-457200">
-              <a:buFont typeface="+mj-lt"/>
-              <a:buAutoNum type="arabicPeriod" startAt="5"/>
-            </a:pPr>
-            <a:r>
-              <a:rPr lang="ko-KR" altLang="en-US" dirty="0"/>
-              <a:t>문제점 및 보완책</a:t>
-            </a:r>
-            <a:endParaRPr lang="en-US" altLang="ko-KR" dirty="0"/>
-          </a:p>
-          <a:p>
-            <a:pPr marL="457200" indent="-457200">
-              <a:buFont typeface="+mj-lt"/>
-              <a:buAutoNum type="arabicPeriod" startAt="5"/>
-            </a:pPr>
-            <a:r>
-              <a:rPr lang="ko-KR" altLang="en-US" dirty="0"/>
-              <a:t>향후 개발 일정</a:t>
-            </a:r>
-            <a:endParaRPr lang="en-US" altLang="ko-KR" dirty="0"/>
-          </a:p>
-          <a:p>
-            <a:pPr marL="457200" indent="-457200">
-              <a:buFont typeface="+mj-lt"/>
-              <a:buAutoNum type="arabicPeriod" startAt="5"/>
-            </a:pPr>
-            <a:r>
-              <a:rPr lang="ko-KR" altLang="en-US" dirty="0"/>
-              <a:t>데모 시연</a:t>
-            </a:r>
-          </a:p>
-        </p:txBody>
-      </p:sp>
-    </p:spTree>
-    <p:extLst>
-      <p:ext uri="{BB962C8B-B14F-4D97-AF65-F5344CB8AC3E}">
-        <p14:creationId xmlns:p14="http://schemas.microsoft.com/office/powerpoint/2010/main" val="608788834"/>
-      </p:ext>
-    </p:extLst>
-  </p:cSld>
-  <p:clrMapOvr>
-    <a:masterClrMapping/>
-  </p:clrMapOvr>
-</p:sld>
-</file>
-
-<file path=ppt/slides/slide3.xml><?xml version="1.0" encoding="utf-8"?>
-<p:sld xmlns:a="http://schemas.openxmlformats.org/drawingml/2006/main" xmlns:r="http://schemas.openxmlformats.org/officeDocument/2006/relationships" xmlns:p="http://schemas.openxmlformats.org/presentationml/2006/main">
-  <p:cSld>
-    <p:spTree>
-      <p:nvGrpSpPr>
-        <p:cNvPr id="1" name=""/>
-        <p:cNvGrpSpPr/>
-        <p:nvPr/>
-      </p:nvGrpSpPr>
-      <p:grpSpPr>
-        <a:xfrm>
-          <a:off x="0" y="0"/>
-          <a:ext cx="0" cy="0"/>
-          <a:chOff x="0" y="0"/>
-          <a:chExt cx="0" cy="0"/>
-        </a:xfrm>
-      </p:grpSpPr>
-      <p:sp>
-        <p:nvSpPr>
-          <p:cNvPr id="2" name="제목 1">
-            <a:extLst>
-              <a:ext uri="{FF2B5EF4-FFF2-40B4-BE49-F238E27FC236}">
-                <a16:creationId xmlns:a16="http://schemas.microsoft.com/office/drawing/2014/main" id="{83CAA821-8512-471F-9F78-3A8A381382CC}"/>
-              </a:ext>
-            </a:extLst>
-          </p:cNvPr>
-          <p:cNvSpPr>
-            <a:spLocks noGrp="1"/>
-          </p:cNvSpPr>
-          <p:nvPr>
-            <p:ph type="title"/>
-          </p:nvPr>
-        </p:nvSpPr>
-        <p:spPr/>
-        <p:txBody>
-          <a:bodyPr>
-            <a:normAutofit/>
-          </a:bodyPr>
-          <a:lstStyle/>
-          <a:p>
-            <a:r>
-              <a:rPr lang="ko-KR" altLang="en-US" sz="4800" dirty="0"/>
-              <a:t>개요</a:t>
-            </a:r>
-            <a:r>
-              <a:rPr lang="en-US" altLang="ko-KR" sz="2400" dirty="0"/>
-              <a:t>(</a:t>
-            </a:r>
-            <a:r>
-              <a:rPr lang="ko-KR" altLang="en-US" sz="2400" dirty="0"/>
-              <a:t>게임 소개</a:t>
-            </a:r>
-            <a:r>
-              <a:rPr lang="en-US" altLang="ko-KR" sz="2400" dirty="0"/>
-              <a:t>)</a:t>
-            </a:r>
-            <a:endParaRPr lang="ko-KR" altLang="en-US" sz="4800" dirty="0"/>
-          </a:p>
-        </p:txBody>
-      </p:sp>
-      <p:sp>
-        <p:nvSpPr>
-          <p:cNvPr id="3" name="내용 개체 틀 2">
-            <a:extLst>
-              <a:ext uri="{FF2B5EF4-FFF2-40B4-BE49-F238E27FC236}">
-                <a16:creationId xmlns:a16="http://schemas.microsoft.com/office/drawing/2014/main" id="{8219E1B8-E693-4266-AD1C-8F9779CC7938}"/>
-              </a:ext>
-            </a:extLst>
-          </p:cNvPr>
-          <p:cNvSpPr>
-            <a:spLocks noGrp="1"/>
-          </p:cNvSpPr>
-          <p:nvPr>
-            <p:ph idx="1"/>
-          </p:nvPr>
-        </p:nvSpPr>
-        <p:spPr/>
-        <p:txBody>
-          <a:bodyPr/>
-          <a:lstStyle/>
-          <a:p>
-            <a:r>
-              <a:rPr lang="en-US" altLang="ko-KR" dirty="0"/>
-              <a:t>SSU</a:t>
-            </a:r>
-            <a:r>
-              <a:rPr lang="ko-KR" altLang="en-US" dirty="0"/>
-              <a:t> </a:t>
-            </a:r>
-            <a:r>
-              <a:rPr lang="en-US" altLang="ko-KR" dirty="0"/>
-              <a:t>:</a:t>
-            </a:r>
-            <a:r>
-              <a:rPr lang="ko-KR" altLang="en-US" dirty="0"/>
-              <a:t> </a:t>
-            </a:r>
-            <a:r>
-              <a:rPr lang="en-US" altLang="ko-KR" dirty="0"/>
-              <a:t>Solar</a:t>
-            </a:r>
-            <a:r>
-              <a:rPr lang="ko-KR" altLang="en-US" dirty="0"/>
-              <a:t> </a:t>
-            </a:r>
-            <a:r>
-              <a:rPr lang="en-US" altLang="ko-KR" dirty="0"/>
-              <a:t>System</a:t>
-            </a:r>
-            <a:r>
-              <a:rPr lang="ko-KR" altLang="en-US" dirty="0"/>
-              <a:t> </a:t>
-            </a:r>
-            <a:r>
-              <a:rPr lang="en-US" altLang="ko-KR" dirty="0"/>
-              <a:t>Universe</a:t>
-            </a:r>
-          </a:p>
-          <a:p>
-            <a:r>
-              <a:rPr lang="ko-KR" altLang="en-US" dirty="0"/>
-              <a:t>장르 </a:t>
-            </a:r>
-            <a:r>
-              <a:rPr lang="en-US" altLang="ko-KR" dirty="0"/>
-              <a:t>: MMORPG</a:t>
-            </a:r>
-          </a:p>
-          <a:p>
-            <a:r>
-              <a:rPr lang="ko-KR" altLang="en-US" dirty="0"/>
-              <a:t>오픈월드에서 몬스터를 잡아 경험치를 얻고 레이드</a:t>
-            </a:r>
-            <a:r>
-              <a:rPr lang="en-US" altLang="ko-KR" dirty="0"/>
-              <a:t>(</a:t>
-            </a:r>
-            <a:r>
-              <a:rPr lang="ko-KR" altLang="en-US" dirty="0"/>
-              <a:t>보스</a:t>
-            </a:r>
-            <a:r>
-              <a:rPr lang="en-US" altLang="ko-KR" dirty="0"/>
-              <a:t>)</a:t>
-            </a:r>
-            <a:r>
-              <a:rPr lang="ko-KR" altLang="en-US" dirty="0"/>
-              <a:t>를 공략한다</a:t>
-            </a:r>
-            <a:r>
-              <a:rPr lang="en-US" altLang="ko-KR" dirty="0"/>
-              <a:t>.</a:t>
-            </a:r>
-          </a:p>
-          <a:p>
-            <a:r>
-              <a:rPr lang="ko-KR" altLang="en-US" dirty="0" err="1"/>
-              <a:t>유저간의</a:t>
-            </a:r>
-            <a:r>
-              <a:rPr lang="ko-KR" altLang="en-US" dirty="0"/>
-              <a:t> 대전을 통하여 재미를 느낄 수 있도록 한다</a:t>
-            </a:r>
-            <a:endParaRPr lang="en-US" altLang="ko-KR" dirty="0"/>
-          </a:p>
-          <a:p>
-            <a:r>
-              <a:rPr lang="ko-KR" altLang="en-US" dirty="0"/>
-              <a:t>속성별 상성 효과</a:t>
-            </a:r>
-          </a:p>
-        </p:txBody>
-      </p:sp>
-    </p:spTree>
-    <p:extLst>
-      <p:ext uri="{BB962C8B-B14F-4D97-AF65-F5344CB8AC3E}">
-        <p14:creationId xmlns:p14="http://schemas.microsoft.com/office/powerpoint/2010/main" val="3455349120"/>
-      </p:ext>
-    </p:extLst>
-  </p:cSld>
-  <p:clrMapOvr>
-    <a:masterClrMapping/>
-  </p:clrMapOvr>
-</p:sld>
-</file>
-
-<file path=ppt/slides/slide4.xml><?xml version="1.0" encoding="utf-8"?>
-<p:sld xmlns:a="http://schemas.openxmlformats.org/drawingml/2006/main" xmlns:r="http://schemas.openxmlformats.org/officeDocument/2006/relationships" xmlns:p="http://schemas.openxmlformats.org/presentationml/2006/main">
-  <p:cSld>
-    <p:spTree>
-      <p:nvGrpSpPr>
-        <p:cNvPr id="1" name=""/>
-        <p:cNvGrpSpPr/>
-        <p:nvPr/>
-      </p:nvGrpSpPr>
-      <p:grpSpPr>
-        <a:xfrm>
-          <a:off x="0" y="0"/>
-          <a:ext cx="0" cy="0"/>
-          <a:chOff x="0" y="0"/>
-          <a:chExt cx="0" cy="0"/>
-        </a:xfrm>
-      </p:grpSpPr>
-      <p:sp>
-        <p:nvSpPr>
-          <p:cNvPr id="2" name="제목 1">
-            <a:extLst>
-              <a:ext uri="{FF2B5EF4-FFF2-40B4-BE49-F238E27FC236}">
-                <a16:creationId xmlns:a16="http://schemas.microsoft.com/office/drawing/2014/main" id="{DAC74A96-AB27-48E7-823D-485D75EA6D59}"/>
-              </a:ext>
-            </a:extLst>
-          </p:cNvPr>
-          <p:cNvSpPr>
-            <a:spLocks noGrp="1"/>
-          </p:cNvSpPr>
-          <p:nvPr>
-            <p:ph type="title"/>
-          </p:nvPr>
-        </p:nvSpPr>
-        <p:spPr/>
-        <p:txBody>
-          <a:bodyPr/>
-          <a:lstStyle/>
-          <a:p>
-            <a:r>
-              <a:rPr lang="ko-KR" altLang="en-US" sz="4800" dirty="0"/>
-              <a:t>개요</a:t>
-            </a:r>
-            <a:r>
-              <a:rPr lang="en-US" altLang="ko-KR" sz="2400" dirty="0"/>
-              <a:t>(</a:t>
-            </a:r>
-            <a:r>
-              <a:rPr lang="ko-KR" altLang="en-US" sz="2400" dirty="0"/>
-              <a:t>게임 흐름</a:t>
-            </a:r>
-            <a:r>
-              <a:rPr lang="en-US" altLang="ko-KR" sz="2400" dirty="0"/>
-              <a:t>)</a:t>
-            </a:r>
-            <a:endParaRPr lang="ko-KR" altLang="en-US" sz="2400" dirty="0"/>
-          </a:p>
-        </p:txBody>
-      </p:sp>
-      <p:sp>
-        <p:nvSpPr>
-          <p:cNvPr id="4" name="사각형: 둥근 모서리 3">
-            <a:extLst>
-              <a:ext uri="{FF2B5EF4-FFF2-40B4-BE49-F238E27FC236}">
-                <a16:creationId xmlns:a16="http://schemas.microsoft.com/office/drawing/2014/main" id="{E69D4A78-7A33-4F79-BE23-1D66911DBC08}"/>
-              </a:ext>
-            </a:extLst>
-          </p:cNvPr>
-          <p:cNvSpPr/>
-          <p:nvPr/>
-        </p:nvSpPr>
-        <p:spPr>
-          <a:xfrm>
-            <a:off x="966652" y="3466482"/>
-            <a:ext cx="1175657" cy="461554"/>
-          </a:xfrm>
-          <a:prstGeom prst="roundRect">
-            <a:avLst/>
-          </a:prstGeom>
-        </p:spPr>
-        <p:style>
-          <a:lnRef idx="2">
-            <a:schemeClr val="accent1"/>
-          </a:lnRef>
-          <a:fillRef idx="1">
-            <a:schemeClr val="lt1"/>
-          </a:fillRef>
-          <a:effectRef idx="0">
-            <a:schemeClr val="accent1"/>
-          </a:effectRef>
-          <a:fontRef idx="minor">
-            <a:schemeClr val="dk1"/>
-          </a:fontRef>
-        </p:style>
-        <p:txBody>
-          <a:bodyPr rtlCol="0" anchor="ctr"/>
-          <a:lstStyle/>
-          <a:p>
-            <a:pPr algn="ctr"/>
-            <a:r>
-              <a:rPr lang="ko-KR" altLang="en-US" dirty="0"/>
-              <a:t>게임시작</a:t>
-            </a:r>
-          </a:p>
-        </p:txBody>
-      </p:sp>
-      <p:sp>
-        <p:nvSpPr>
-          <p:cNvPr id="5" name="화살표: 오른쪽 4">
-            <a:extLst>
-              <a:ext uri="{FF2B5EF4-FFF2-40B4-BE49-F238E27FC236}">
-                <a16:creationId xmlns:a16="http://schemas.microsoft.com/office/drawing/2014/main" id="{1E1391AF-51EC-4A84-A00A-84354C1FAA2B}"/>
-              </a:ext>
-            </a:extLst>
-          </p:cNvPr>
-          <p:cNvSpPr/>
-          <p:nvPr/>
-        </p:nvSpPr>
-        <p:spPr>
-          <a:xfrm>
-            <a:off x="2203269" y="3592756"/>
-            <a:ext cx="374469" cy="209006"/>
-          </a:xfrm>
-          <a:prstGeom prst="rightArrow">
-            <a:avLst/>
-          </a:prstGeom>
-        </p:spPr>
-        <p:style>
-          <a:lnRef idx="2">
-            <a:schemeClr val="accent1">
-              <a:shade val="50000"/>
-            </a:schemeClr>
-          </a:lnRef>
-          <a:fillRef idx="1">
-            <a:schemeClr val="accent1"/>
-          </a:fillRef>
-          <a:effectRef idx="0">
-            <a:schemeClr val="accent1"/>
-          </a:effectRef>
-          <a:fontRef idx="minor">
-            <a:schemeClr val="lt1"/>
-          </a:fontRef>
-        </p:style>
-        <p:txBody>
-          <a:bodyPr rtlCol="0" anchor="ctr"/>
-          <a:lstStyle/>
-          <a:p>
-            <a:pPr algn="ctr"/>
-            <a:endParaRPr lang="ko-KR" altLang="en-US"/>
-          </a:p>
-        </p:txBody>
-      </p:sp>
-      <p:sp>
-        <p:nvSpPr>
-          <p:cNvPr id="7" name="사각형: 둥근 모서리 6">
-            <a:extLst>
-              <a:ext uri="{FF2B5EF4-FFF2-40B4-BE49-F238E27FC236}">
-                <a16:creationId xmlns:a16="http://schemas.microsoft.com/office/drawing/2014/main" id="{436E810B-1CA7-41AB-933A-645590F797D2}"/>
-              </a:ext>
-            </a:extLst>
-          </p:cNvPr>
-          <p:cNvSpPr/>
-          <p:nvPr/>
-        </p:nvSpPr>
-        <p:spPr>
-          <a:xfrm>
-            <a:off x="2638698" y="3466482"/>
-            <a:ext cx="1175657" cy="461554"/>
-          </a:xfrm>
-          <a:prstGeom prst="roundRect">
-            <a:avLst/>
-          </a:prstGeom>
-        </p:spPr>
-        <p:style>
-          <a:lnRef idx="2">
-            <a:schemeClr val="accent1"/>
-          </a:lnRef>
-          <a:fillRef idx="1">
-            <a:schemeClr val="lt1"/>
-          </a:fillRef>
-          <a:effectRef idx="0">
-            <a:schemeClr val="accent1"/>
-          </a:effectRef>
-          <a:fontRef idx="minor">
-            <a:schemeClr val="dk1"/>
-          </a:fontRef>
-        </p:style>
-        <p:txBody>
-          <a:bodyPr rtlCol="0" anchor="ctr"/>
-          <a:lstStyle/>
-          <a:p>
-            <a:pPr algn="ctr"/>
-            <a:r>
-              <a:rPr lang="ko-KR" altLang="en-US" dirty="0"/>
-              <a:t>로그인</a:t>
-            </a:r>
-          </a:p>
-        </p:txBody>
-      </p:sp>
-      <p:sp>
-        <p:nvSpPr>
-          <p:cNvPr id="8" name="화살표: 오른쪽 7">
-            <a:extLst>
-              <a:ext uri="{FF2B5EF4-FFF2-40B4-BE49-F238E27FC236}">
-                <a16:creationId xmlns:a16="http://schemas.microsoft.com/office/drawing/2014/main" id="{48EF71ED-C76B-42AB-AD57-32A0A8B870AD}"/>
-              </a:ext>
-            </a:extLst>
-          </p:cNvPr>
-          <p:cNvSpPr/>
-          <p:nvPr/>
-        </p:nvSpPr>
-        <p:spPr>
-          <a:xfrm>
-            <a:off x="3875315" y="3592756"/>
-            <a:ext cx="374469" cy="209006"/>
-          </a:xfrm>
-          <a:prstGeom prst="rightArrow">
-            <a:avLst/>
-          </a:prstGeom>
-        </p:spPr>
-        <p:style>
-          <a:lnRef idx="2">
-            <a:schemeClr val="accent1">
-              <a:shade val="50000"/>
-            </a:schemeClr>
-          </a:lnRef>
-          <a:fillRef idx="1">
-            <a:schemeClr val="accent1"/>
-          </a:fillRef>
-          <a:effectRef idx="0">
-            <a:schemeClr val="accent1"/>
-          </a:effectRef>
-          <a:fontRef idx="minor">
-            <a:schemeClr val="lt1"/>
-          </a:fontRef>
-        </p:style>
-        <p:txBody>
-          <a:bodyPr rtlCol="0" anchor="ctr"/>
-          <a:lstStyle/>
-          <a:p>
-            <a:pPr algn="ctr"/>
-            <a:endParaRPr lang="ko-KR" altLang="en-US"/>
-          </a:p>
-        </p:txBody>
-      </p:sp>
-      <p:sp>
-        <p:nvSpPr>
-          <p:cNvPr id="9" name="사각형: 둥근 모서리 8">
-            <a:extLst>
-              <a:ext uri="{FF2B5EF4-FFF2-40B4-BE49-F238E27FC236}">
-                <a16:creationId xmlns:a16="http://schemas.microsoft.com/office/drawing/2014/main" id="{EA916014-A228-4EBD-878E-AA0A5C0191A4}"/>
-              </a:ext>
-            </a:extLst>
-          </p:cNvPr>
-          <p:cNvSpPr/>
-          <p:nvPr/>
-        </p:nvSpPr>
-        <p:spPr>
-          <a:xfrm>
-            <a:off x="4310744" y="3466482"/>
-            <a:ext cx="1175657" cy="461554"/>
-          </a:xfrm>
-          <a:prstGeom prst="roundRect">
-            <a:avLst/>
-          </a:prstGeom>
-        </p:spPr>
-        <p:style>
-          <a:lnRef idx="2">
-            <a:schemeClr val="accent1"/>
-          </a:lnRef>
-          <a:fillRef idx="1">
-            <a:schemeClr val="lt1"/>
-          </a:fillRef>
-          <a:effectRef idx="0">
-            <a:schemeClr val="accent1"/>
-          </a:effectRef>
-          <a:fontRef idx="minor">
-            <a:schemeClr val="dk1"/>
-          </a:fontRef>
-        </p:style>
-        <p:txBody>
-          <a:bodyPr rtlCol="0" anchor="ctr"/>
-          <a:lstStyle/>
-          <a:p>
-            <a:pPr algn="ctr"/>
-            <a:r>
-              <a:rPr lang="ko-KR" altLang="en-US" dirty="0"/>
-              <a:t>오픈월드</a:t>
-            </a:r>
-          </a:p>
-        </p:txBody>
-      </p:sp>
-      <p:sp>
-        <p:nvSpPr>
-          <p:cNvPr id="10" name="화살표: 오른쪽 9">
-            <a:extLst>
-              <a:ext uri="{FF2B5EF4-FFF2-40B4-BE49-F238E27FC236}">
-                <a16:creationId xmlns:a16="http://schemas.microsoft.com/office/drawing/2014/main" id="{92A2C475-AEE2-4D17-B281-4BA0C7227905}"/>
-              </a:ext>
-            </a:extLst>
-          </p:cNvPr>
-          <p:cNvSpPr/>
-          <p:nvPr/>
-        </p:nvSpPr>
-        <p:spPr>
-          <a:xfrm>
-            <a:off x="4976949" y="2599565"/>
-            <a:ext cx="944881" cy="209006"/>
-          </a:xfrm>
-          <a:prstGeom prst="rightArrow">
-            <a:avLst/>
-          </a:prstGeom>
-        </p:spPr>
-        <p:style>
-          <a:lnRef idx="2">
-            <a:schemeClr val="accent1">
-              <a:shade val="50000"/>
-            </a:schemeClr>
-          </a:lnRef>
-          <a:fillRef idx="1">
-            <a:schemeClr val="accent1"/>
-          </a:fillRef>
-          <a:effectRef idx="0">
-            <a:schemeClr val="accent1"/>
-          </a:effectRef>
-          <a:fontRef idx="minor">
-            <a:schemeClr val="lt1"/>
-          </a:fontRef>
-        </p:style>
-        <p:txBody>
-          <a:bodyPr rtlCol="0" anchor="ctr"/>
-          <a:lstStyle/>
-          <a:p>
-            <a:pPr algn="ctr"/>
-            <a:endParaRPr lang="ko-KR" altLang="en-US"/>
-          </a:p>
-        </p:txBody>
-      </p:sp>
-      <p:sp>
-        <p:nvSpPr>
-          <p:cNvPr id="11" name="직사각형 10">
-            <a:extLst>
-              <a:ext uri="{FF2B5EF4-FFF2-40B4-BE49-F238E27FC236}">
-                <a16:creationId xmlns:a16="http://schemas.microsoft.com/office/drawing/2014/main" id="{0DC2F05F-160D-4413-934A-F9A55FBA6C94}"/>
-              </a:ext>
-            </a:extLst>
-          </p:cNvPr>
-          <p:cNvSpPr/>
-          <p:nvPr/>
-        </p:nvSpPr>
-        <p:spPr>
-          <a:xfrm>
-            <a:off x="4976949" y="2656584"/>
-            <a:ext cx="108857" cy="803366"/>
-          </a:xfrm>
-          <a:prstGeom prst="rect">
-            <a:avLst/>
-          </a:prstGeom>
-        </p:spPr>
-        <p:style>
-          <a:lnRef idx="2">
-            <a:schemeClr val="accent1">
-              <a:shade val="50000"/>
-            </a:schemeClr>
-          </a:lnRef>
-          <a:fillRef idx="1">
-            <a:schemeClr val="accent1"/>
-          </a:fillRef>
-          <a:effectRef idx="0">
-            <a:schemeClr val="accent1"/>
-          </a:effectRef>
-          <a:fontRef idx="minor">
-            <a:schemeClr val="lt1"/>
-          </a:fontRef>
-        </p:style>
-        <p:txBody>
-          <a:bodyPr rtlCol="0" anchor="ctr"/>
-          <a:lstStyle/>
-          <a:p>
-            <a:pPr algn="ctr"/>
-            <a:endParaRPr lang="ko-KR" altLang="en-US"/>
-          </a:p>
-        </p:txBody>
-      </p:sp>
-      <p:sp>
-        <p:nvSpPr>
-          <p:cNvPr id="12" name="사각형: 둥근 모서리 11">
-            <a:extLst>
-              <a:ext uri="{FF2B5EF4-FFF2-40B4-BE49-F238E27FC236}">
-                <a16:creationId xmlns:a16="http://schemas.microsoft.com/office/drawing/2014/main" id="{13B971CE-3204-41E8-9181-C2ABB1D27CAF}"/>
-              </a:ext>
-            </a:extLst>
-          </p:cNvPr>
-          <p:cNvSpPr/>
-          <p:nvPr/>
-        </p:nvSpPr>
-        <p:spPr>
-          <a:xfrm>
-            <a:off x="5982790" y="3447770"/>
-            <a:ext cx="1550125" cy="461554"/>
-          </a:xfrm>
-          <a:prstGeom prst="roundRect">
-            <a:avLst/>
-          </a:prstGeom>
-        </p:spPr>
-        <p:style>
-          <a:lnRef idx="2">
-            <a:schemeClr val="accent1"/>
-          </a:lnRef>
-          <a:fillRef idx="1">
-            <a:schemeClr val="lt1"/>
-          </a:fillRef>
-          <a:effectRef idx="0">
-            <a:schemeClr val="accent1"/>
-          </a:effectRef>
-          <a:fontRef idx="minor">
-            <a:schemeClr val="dk1"/>
-          </a:fontRef>
-        </p:style>
-        <p:txBody>
-          <a:bodyPr rtlCol="0" anchor="ctr"/>
-          <a:lstStyle/>
-          <a:p>
-            <a:pPr algn="ctr"/>
-            <a:r>
-              <a:rPr lang="ko-KR" altLang="en-US"/>
-              <a:t>몬스터 구역</a:t>
-            </a:r>
-            <a:endParaRPr lang="ko-KR" altLang="en-US" dirty="0"/>
-          </a:p>
-        </p:txBody>
-      </p:sp>
-      <p:sp>
-        <p:nvSpPr>
-          <p:cNvPr id="13" name="화살표: 오른쪽 12">
-            <a:extLst>
-              <a:ext uri="{FF2B5EF4-FFF2-40B4-BE49-F238E27FC236}">
-                <a16:creationId xmlns:a16="http://schemas.microsoft.com/office/drawing/2014/main" id="{F49C3444-33D6-42AB-8C93-CEA9C0D6F709}"/>
-              </a:ext>
-            </a:extLst>
-          </p:cNvPr>
-          <p:cNvSpPr/>
-          <p:nvPr/>
-        </p:nvSpPr>
-        <p:spPr>
-          <a:xfrm>
-            <a:off x="5547361" y="3574044"/>
-            <a:ext cx="374469" cy="209006"/>
-          </a:xfrm>
-          <a:prstGeom prst="rightArrow">
-            <a:avLst/>
-          </a:prstGeom>
-        </p:spPr>
-        <p:style>
-          <a:lnRef idx="2">
-            <a:schemeClr val="accent1">
-              <a:shade val="50000"/>
-            </a:schemeClr>
-          </a:lnRef>
-          <a:fillRef idx="1">
-            <a:schemeClr val="accent1"/>
-          </a:fillRef>
-          <a:effectRef idx="0">
-            <a:schemeClr val="accent1"/>
-          </a:effectRef>
-          <a:fontRef idx="minor">
-            <a:schemeClr val="lt1"/>
-          </a:fontRef>
-        </p:style>
-        <p:txBody>
-          <a:bodyPr rtlCol="0" anchor="ctr"/>
-          <a:lstStyle/>
-          <a:p>
-            <a:pPr algn="ctr"/>
-            <a:endParaRPr lang="ko-KR" altLang="en-US"/>
-          </a:p>
-        </p:txBody>
-      </p:sp>
-      <p:sp>
-        <p:nvSpPr>
-          <p:cNvPr id="14" name="사각형: 둥근 모서리 13">
-            <a:extLst>
-              <a:ext uri="{FF2B5EF4-FFF2-40B4-BE49-F238E27FC236}">
-                <a16:creationId xmlns:a16="http://schemas.microsoft.com/office/drawing/2014/main" id="{59ADB13A-36A3-44E6-A231-2A9291967018}"/>
-              </a:ext>
-            </a:extLst>
-          </p:cNvPr>
-          <p:cNvSpPr/>
-          <p:nvPr/>
-        </p:nvSpPr>
-        <p:spPr>
-          <a:xfrm>
-            <a:off x="5991499" y="2470233"/>
-            <a:ext cx="1175657" cy="461554"/>
-          </a:xfrm>
-          <a:prstGeom prst="roundRect">
-            <a:avLst/>
-          </a:prstGeom>
-        </p:spPr>
-        <p:style>
-          <a:lnRef idx="2">
-            <a:schemeClr val="accent1"/>
-          </a:lnRef>
-          <a:fillRef idx="1">
-            <a:schemeClr val="lt1"/>
-          </a:fillRef>
-          <a:effectRef idx="0">
-            <a:schemeClr val="accent1"/>
-          </a:effectRef>
-          <a:fontRef idx="minor">
-            <a:schemeClr val="dk1"/>
-          </a:fontRef>
-        </p:style>
-        <p:txBody>
-          <a:bodyPr rtlCol="0" anchor="ctr"/>
-          <a:lstStyle/>
-          <a:p>
-            <a:pPr algn="ctr"/>
-            <a:r>
-              <a:rPr lang="ko-KR" altLang="en-US" dirty="0" err="1"/>
-              <a:t>파티창</a:t>
-            </a:r>
-            <a:endParaRPr lang="ko-KR" altLang="en-US" dirty="0"/>
-          </a:p>
-        </p:txBody>
-      </p:sp>
-      <p:sp>
-        <p:nvSpPr>
-          <p:cNvPr id="15" name="화살표: 오른쪽 14">
-            <a:extLst>
-              <a:ext uri="{FF2B5EF4-FFF2-40B4-BE49-F238E27FC236}">
-                <a16:creationId xmlns:a16="http://schemas.microsoft.com/office/drawing/2014/main" id="{F3472CD5-9A53-483A-95A2-5AD4C96ACC14}"/>
-              </a:ext>
-            </a:extLst>
-          </p:cNvPr>
-          <p:cNvSpPr/>
-          <p:nvPr/>
-        </p:nvSpPr>
-        <p:spPr>
-          <a:xfrm>
-            <a:off x="7236825" y="2620455"/>
-            <a:ext cx="731519" cy="209006"/>
-          </a:xfrm>
-          <a:prstGeom prst="rightArrow">
-            <a:avLst/>
-          </a:prstGeom>
-        </p:spPr>
-        <p:style>
-          <a:lnRef idx="2">
-            <a:schemeClr val="accent1">
-              <a:shade val="50000"/>
-            </a:schemeClr>
-          </a:lnRef>
-          <a:fillRef idx="1">
-            <a:schemeClr val="accent1"/>
-          </a:fillRef>
-          <a:effectRef idx="0">
-            <a:schemeClr val="accent1"/>
-          </a:effectRef>
-          <a:fontRef idx="minor">
-            <a:schemeClr val="lt1"/>
-          </a:fontRef>
-        </p:style>
-        <p:txBody>
-          <a:bodyPr rtlCol="0" anchor="ctr"/>
-          <a:lstStyle/>
-          <a:p>
-            <a:pPr algn="ctr"/>
-            <a:endParaRPr lang="ko-KR" altLang="en-US"/>
-          </a:p>
-        </p:txBody>
-      </p:sp>
-      <p:sp>
-        <p:nvSpPr>
-          <p:cNvPr id="16" name="사각형: 둥근 모서리 15">
-            <a:extLst>
-              <a:ext uri="{FF2B5EF4-FFF2-40B4-BE49-F238E27FC236}">
-                <a16:creationId xmlns:a16="http://schemas.microsoft.com/office/drawing/2014/main" id="{C47B748E-CE99-48A7-897B-A9BA1BDE72EF}"/>
-              </a:ext>
-            </a:extLst>
-          </p:cNvPr>
-          <p:cNvSpPr/>
-          <p:nvPr/>
-        </p:nvSpPr>
-        <p:spPr>
-          <a:xfrm>
-            <a:off x="8072849" y="2460877"/>
-            <a:ext cx="1454329" cy="461554"/>
-          </a:xfrm>
-          <a:prstGeom prst="roundRect">
-            <a:avLst/>
-          </a:prstGeom>
-        </p:spPr>
-        <p:style>
-          <a:lnRef idx="2">
-            <a:schemeClr val="accent1"/>
-          </a:lnRef>
-          <a:fillRef idx="1">
-            <a:schemeClr val="lt1"/>
-          </a:fillRef>
-          <a:effectRef idx="0">
-            <a:schemeClr val="accent1"/>
-          </a:effectRef>
-          <a:fontRef idx="minor">
-            <a:schemeClr val="dk1"/>
-          </a:fontRef>
-        </p:style>
-        <p:txBody>
-          <a:bodyPr rtlCol="0" anchor="ctr"/>
-          <a:lstStyle/>
-          <a:p>
-            <a:pPr algn="ctr"/>
-            <a:r>
-              <a:rPr lang="ko-KR" altLang="en-US"/>
-              <a:t>레이드 입장</a:t>
-            </a:r>
-            <a:endParaRPr lang="ko-KR" altLang="en-US" dirty="0"/>
-          </a:p>
-        </p:txBody>
-      </p:sp>
-      <p:sp>
-        <p:nvSpPr>
-          <p:cNvPr id="17" name="화살표: 오른쪽 16">
-            <a:extLst>
-              <a:ext uri="{FF2B5EF4-FFF2-40B4-BE49-F238E27FC236}">
-                <a16:creationId xmlns:a16="http://schemas.microsoft.com/office/drawing/2014/main" id="{7E8B0CD4-A64F-421D-8D3F-9D433D17A24E}"/>
-              </a:ext>
-            </a:extLst>
-          </p:cNvPr>
-          <p:cNvSpPr/>
-          <p:nvPr/>
-        </p:nvSpPr>
-        <p:spPr>
-          <a:xfrm>
-            <a:off x="4976949" y="4585947"/>
-            <a:ext cx="944881" cy="209006"/>
-          </a:xfrm>
-          <a:prstGeom prst="rightArrow">
-            <a:avLst/>
-          </a:prstGeom>
-        </p:spPr>
-        <p:style>
-          <a:lnRef idx="2">
-            <a:schemeClr val="accent1">
-              <a:shade val="50000"/>
-            </a:schemeClr>
-          </a:lnRef>
-          <a:fillRef idx="1">
-            <a:schemeClr val="accent1"/>
-          </a:fillRef>
-          <a:effectRef idx="0">
-            <a:schemeClr val="accent1"/>
-          </a:effectRef>
-          <a:fontRef idx="minor">
-            <a:schemeClr val="lt1"/>
-          </a:fontRef>
-        </p:style>
-        <p:txBody>
-          <a:bodyPr rtlCol="0" anchor="ctr"/>
-          <a:lstStyle/>
-          <a:p>
-            <a:pPr algn="ctr"/>
-            <a:endParaRPr lang="ko-KR" altLang="en-US"/>
-          </a:p>
-        </p:txBody>
-      </p:sp>
-      <p:sp>
-        <p:nvSpPr>
-          <p:cNvPr id="18" name="직사각형 17">
-            <a:extLst>
-              <a:ext uri="{FF2B5EF4-FFF2-40B4-BE49-F238E27FC236}">
-                <a16:creationId xmlns:a16="http://schemas.microsoft.com/office/drawing/2014/main" id="{907DB3C0-3225-4A5C-A996-076356B11928}"/>
-              </a:ext>
-            </a:extLst>
-          </p:cNvPr>
-          <p:cNvSpPr/>
-          <p:nvPr/>
-        </p:nvSpPr>
-        <p:spPr>
-          <a:xfrm>
-            <a:off x="4976949" y="3932391"/>
-            <a:ext cx="108857" cy="803366"/>
-          </a:xfrm>
-          <a:prstGeom prst="rect">
-            <a:avLst/>
-          </a:prstGeom>
-        </p:spPr>
-        <p:style>
-          <a:lnRef idx="2">
-            <a:schemeClr val="accent1">
-              <a:shade val="50000"/>
-            </a:schemeClr>
-          </a:lnRef>
-          <a:fillRef idx="1">
-            <a:schemeClr val="accent1"/>
-          </a:fillRef>
-          <a:effectRef idx="0">
-            <a:schemeClr val="accent1"/>
-          </a:effectRef>
-          <a:fontRef idx="minor">
-            <a:schemeClr val="lt1"/>
-          </a:fontRef>
-        </p:style>
-        <p:txBody>
-          <a:bodyPr rtlCol="0" anchor="ctr"/>
-          <a:lstStyle/>
-          <a:p>
-            <a:pPr algn="ctr"/>
-            <a:endParaRPr lang="ko-KR" altLang="en-US"/>
-          </a:p>
-        </p:txBody>
-      </p:sp>
-      <p:sp>
-        <p:nvSpPr>
-          <p:cNvPr id="19" name="사각형: 둥근 모서리 18">
-            <a:extLst>
-              <a:ext uri="{FF2B5EF4-FFF2-40B4-BE49-F238E27FC236}">
-                <a16:creationId xmlns:a16="http://schemas.microsoft.com/office/drawing/2014/main" id="{38F36313-B3C0-4DE0-AADF-7BA200183C8C}"/>
-              </a:ext>
-            </a:extLst>
-          </p:cNvPr>
-          <p:cNvSpPr/>
-          <p:nvPr/>
-        </p:nvSpPr>
-        <p:spPr>
-          <a:xfrm>
-            <a:off x="6000206" y="4459673"/>
-            <a:ext cx="1550125" cy="461554"/>
-          </a:xfrm>
-          <a:prstGeom prst="roundRect">
-            <a:avLst/>
-          </a:prstGeom>
-        </p:spPr>
-        <p:style>
-          <a:lnRef idx="2">
-            <a:schemeClr val="accent1"/>
-          </a:lnRef>
-          <a:fillRef idx="1">
-            <a:schemeClr val="lt1"/>
-          </a:fillRef>
-          <a:effectRef idx="0">
-            <a:schemeClr val="accent1"/>
-          </a:effectRef>
-          <a:fontRef idx="minor">
-            <a:schemeClr val="dk1"/>
-          </a:fontRef>
-        </p:style>
-        <p:txBody>
-          <a:bodyPr rtlCol="0" anchor="ctr"/>
-          <a:lstStyle/>
-          <a:p>
-            <a:pPr algn="ctr"/>
-            <a:r>
-              <a:rPr lang="en-US" altLang="ko-KR" dirty="0"/>
-              <a:t>PvP</a:t>
-            </a:r>
-            <a:r>
-              <a:rPr lang="ko-KR" altLang="en-US" dirty="0"/>
-              <a:t>구역</a:t>
-            </a:r>
-          </a:p>
-        </p:txBody>
-      </p:sp>
-      <p:sp>
-        <p:nvSpPr>
-          <p:cNvPr id="20" name="화살표: 오른쪽 19">
-            <a:extLst>
-              <a:ext uri="{FF2B5EF4-FFF2-40B4-BE49-F238E27FC236}">
-                <a16:creationId xmlns:a16="http://schemas.microsoft.com/office/drawing/2014/main" id="{30FEDACD-1CBB-48CF-A85D-641498B0FC8C}"/>
-              </a:ext>
-            </a:extLst>
-          </p:cNvPr>
-          <p:cNvSpPr/>
-          <p:nvPr/>
-        </p:nvSpPr>
-        <p:spPr>
-          <a:xfrm>
-            <a:off x="7593875" y="3574044"/>
-            <a:ext cx="374469" cy="209006"/>
-          </a:xfrm>
-          <a:prstGeom prst="rightArrow">
-            <a:avLst/>
-          </a:prstGeom>
-        </p:spPr>
-        <p:style>
-          <a:lnRef idx="2">
-            <a:schemeClr val="accent1">
-              <a:shade val="50000"/>
-            </a:schemeClr>
-          </a:lnRef>
-          <a:fillRef idx="1">
-            <a:schemeClr val="accent1"/>
-          </a:fillRef>
-          <a:effectRef idx="0">
-            <a:schemeClr val="accent1"/>
-          </a:effectRef>
-          <a:fontRef idx="minor">
-            <a:schemeClr val="lt1"/>
-          </a:fontRef>
-        </p:style>
-        <p:txBody>
-          <a:bodyPr rtlCol="0" anchor="ctr"/>
-          <a:lstStyle/>
-          <a:p>
-            <a:pPr algn="ctr"/>
-            <a:endParaRPr lang="ko-KR" altLang="en-US"/>
-          </a:p>
-        </p:txBody>
-      </p:sp>
-      <p:sp>
-        <p:nvSpPr>
-          <p:cNvPr id="21" name="사각형: 둥근 모서리 20">
-            <a:extLst>
-              <a:ext uri="{FF2B5EF4-FFF2-40B4-BE49-F238E27FC236}">
-                <a16:creationId xmlns:a16="http://schemas.microsoft.com/office/drawing/2014/main" id="{D558F2A5-38D0-46F8-9B12-8F92DFA85D99}"/>
-              </a:ext>
-            </a:extLst>
-          </p:cNvPr>
-          <p:cNvSpPr/>
-          <p:nvPr/>
-        </p:nvSpPr>
-        <p:spPr>
-          <a:xfrm>
-            <a:off x="8024950" y="3426733"/>
-            <a:ext cx="1550125" cy="547344"/>
-          </a:xfrm>
-          <a:prstGeom prst="roundRect">
-            <a:avLst/>
-          </a:prstGeom>
-        </p:spPr>
-        <p:style>
-          <a:lnRef idx="2">
-            <a:schemeClr val="accent1"/>
-          </a:lnRef>
-          <a:fillRef idx="1">
-            <a:schemeClr val="lt1"/>
-          </a:fillRef>
-          <a:effectRef idx="0">
-            <a:schemeClr val="accent1"/>
-          </a:effectRef>
-          <a:fontRef idx="minor">
-            <a:schemeClr val="dk1"/>
-          </a:fontRef>
-        </p:style>
-        <p:txBody>
-          <a:bodyPr rtlCol="0" anchor="ctr"/>
-          <a:lstStyle/>
-          <a:p>
-            <a:pPr algn="ctr"/>
-            <a:r>
-              <a:rPr lang="ko-KR" altLang="en-US" dirty="0"/>
-              <a:t>몬스터 공격</a:t>
-            </a:r>
-            <a:r>
-              <a:rPr lang="en-US" altLang="ko-KR" dirty="0"/>
-              <a:t>/</a:t>
-            </a:r>
-            <a:r>
-              <a:rPr lang="ko-KR" altLang="en-US" dirty="0"/>
-              <a:t>사망</a:t>
-            </a:r>
-          </a:p>
-        </p:txBody>
-      </p:sp>
-      <p:sp>
-        <p:nvSpPr>
-          <p:cNvPr id="24" name="사각형: 둥근 모서리 23">
-            <a:extLst>
-              <a:ext uri="{FF2B5EF4-FFF2-40B4-BE49-F238E27FC236}">
-                <a16:creationId xmlns:a16="http://schemas.microsoft.com/office/drawing/2014/main" id="{37F30C85-0E75-40EE-923D-5BDC1DDFEDE6}"/>
-              </a:ext>
-            </a:extLst>
-          </p:cNvPr>
-          <p:cNvSpPr/>
-          <p:nvPr/>
-        </p:nvSpPr>
-        <p:spPr>
-          <a:xfrm>
-            <a:off x="8024949" y="4416778"/>
-            <a:ext cx="1550125" cy="547344"/>
-          </a:xfrm>
-          <a:prstGeom prst="roundRect">
-            <a:avLst/>
-          </a:prstGeom>
-        </p:spPr>
-        <p:style>
-          <a:lnRef idx="2">
-            <a:schemeClr val="accent1"/>
-          </a:lnRef>
-          <a:fillRef idx="1">
-            <a:schemeClr val="lt1"/>
-          </a:fillRef>
-          <a:effectRef idx="0">
-            <a:schemeClr val="accent1"/>
-          </a:effectRef>
-          <a:fontRef idx="minor">
-            <a:schemeClr val="dk1"/>
-          </a:fontRef>
-        </p:style>
-        <p:txBody>
-          <a:bodyPr rtlCol="0" anchor="ctr"/>
-          <a:lstStyle/>
-          <a:p>
-            <a:pPr algn="ctr"/>
-            <a:r>
-              <a:rPr lang="ko-KR" altLang="en-US" dirty="0"/>
-              <a:t>플레이어 공격</a:t>
-            </a:r>
-            <a:r>
-              <a:rPr lang="en-US" altLang="ko-KR" dirty="0"/>
-              <a:t>/</a:t>
-            </a:r>
-            <a:r>
-              <a:rPr lang="ko-KR" altLang="en-US" dirty="0"/>
-              <a:t>사망</a:t>
-            </a:r>
-          </a:p>
-        </p:txBody>
-      </p:sp>
-      <p:sp>
-        <p:nvSpPr>
-          <p:cNvPr id="25" name="화살표: 오른쪽 24">
-            <a:extLst>
-              <a:ext uri="{FF2B5EF4-FFF2-40B4-BE49-F238E27FC236}">
-                <a16:creationId xmlns:a16="http://schemas.microsoft.com/office/drawing/2014/main" id="{9F4FD785-0351-4501-A9F4-75E4BD6B07AF}"/>
-              </a:ext>
-            </a:extLst>
-          </p:cNvPr>
-          <p:cNvSpPr/>
-          <p:nvPr/>
-        </p:nvSpPr>
-        <p:spPr>
-          <a:xfrm>
-            <a:off x="7593874" y="4585947"/>
-            <a:ext cx="374469" cy="209006"/>
-          </a:xfrm>
-          <a:prstGeom prst="rightArrow">
-            <a:avLst/>
-          </a:prstGeom>
-        </p:spPr>
-        <p:style>
-          <a:lnRef idx="2">
-            <a:schemeClr val="accent1">
-              <a:shade val="50000"/>
-            </a:schemeClr>
-          </a:lnRef>
-          <a:fillRef idx="1">
-            <a:schemeClr val="accent1"/>
-          </a:fillRef>
-          <a:effectRef idx="0">
-            <a:schemeClr val="accent1"/>
-          </a:effectRef>
-          <a:fontRef idx="minor">
-            <a:schemeClr val="lt1"/>
-          </a:fontRef>
-        </p:style>
-        <p:txBody>
-          <a:bodyPr rtlCol="0" anchor="ctr"/>
-          <a:lstStyle/>
-          <a:p>
-            <a:pPr algn="ctr"/>
-            <a:endParaRPr lang="ko-KR" altLang="en-US"/>
-          </a:p>
-        </p:txBody>
-      </p:sp>
-      <p:sp>
-        <p:nvSpPr>
-          <p:cNvPr id="26" name="화살표: 오른쪽 25">
-            <a:extLst>
-              <a:ext uri="{FF2B5EF4-FFF2-40B4-BE49-F238E27FC236}">
-                <a16:creationId xmlns:a16="http://schemas.microsoft.com/office/drawing/2014/main" id="{EF68AE96-4CC8-49FD-ACDF-89B8C35E6427}"/>
-              </a:ext>
-            </a:extLst>
-          </p:cNvPr>
-          <p:cNvSpPr/>
-          <p:nvPr/>
-        </p:nvSpPr>
-        <p:spPr>
-          <a:xfrm>
-            <a:off x="9631683" y="2608922"/>
-            <a:ext cx="374469" cy="209006"/>
-          </a:xfrm>
-          <a:prstGeom prst="rightArrow">
-            <a:avLst/>
-          </a:prstGeom>
-        </p:spPr>
-        <p:style>
-          <a:lnRef idx="2">
-            <a:schemeClr val="accent1">
-              <a:shade val="50000"/>
-            </a:schemeClr>
-          </a:lnRef>
-          <a:fillRef idx="1">
-            <a:schemeClr val="accent1"/>
-          </a:fillRef>
-          <a:effectRef idx="0">
-            <a:schemeClr val="accent1"/>
-          </a:effectRef>
-          <a:fontRef idx="minor">
-            <a:schemeClr val="lt1"/>
-          </a:fontRef>
-        </p:style>
-        <p:txBody>
-          <a:bodyPr rtlCol="0" anchor="ctr"/>
-          <a:lstStyle/>
-          <a:p>
-            <a:pPr algn="ctr"/>
-            <a:endParaRPr lang="ko-KR" altLang="en-US"/>
-          </a:p>
-        </p:txBody>
-      </p:sp>
-      <p:sp>
-        <p:nvSpPr>
-          <p:cNvPr id="27" name="화살표: 오른쪽 26">
-            <a:extLst>
-              <a:ext uri="{FF2B5EF4-FFF2-40B4-BE49-F238E27FC236}">
-                <a16:creationId xmlns:a16="http://schemas.microsoft.com/office/drawing/2014/main" id="{77C4630F-CD17-4A4E-A568-EE88B8941DE6}"/>
-              </a:ext>
-            </a:extLst>
-          </p:cNvPr>
-          <p:cNvSpPr/>
-          <p:nvPr/>
-        </p:nvSpPr>
-        <p:spPr>
-          <a:xfrm rot="2117557">
-            <a:off x="7593873" y="4046897"/>
-            <a:ext cx="374469" cy="209006"/>
-          </a:xfrm>
-          <a:prstGeom prst="rightArrow">
-            <a:avLst/>
-          </a:prstGeom>
-        </p:spPr>
-        <p:style>
-          <a:lnRef idx="2">
-            <a:schemeClr val="accent1">
-              <a:shade val="50000"/>
-            </a:schemeClr>
-          </a:lnRef>
-          <a:fillRef idx="1">
-            <a:schemeClr val="accent1"/>
-          </a:fillRef>
-          <a:effectRef idx="0">
-            <a:schemeClr val="accent1"/>
-          </a:effectRef>
-          <a:fontRef idx="minor">
-            <a:schemeClr val="lt1"/>
-          </a:fontRef>
-        </p:style>
-        <p:txBody>
-          <a:bodyPr rtlCol="0" anchor="ctr"/>
-          <a:lstStyle/>
-          <a:p>
-            <a:pPr algn="ctr"/>
-            <a:endParaRPr lang="ko-KR" altLang="en-US"/>
-          </a:p>
-        </p:txBody>
-      </p:sp>
-      <p:sp>
-        <p:nvSpPr>
-          <p:cNvPr id="28" name="사각형: 둥근 모서리 27">
-            <a:extLst>
-              <a:ext uri="{FF2B5EF4-FFF2-40B4-BE49-F238E27FC236}">
-                <a16:creationId xmlns:a16="http://schemas.microsoft.com/office/drawing/2014/main" id="{99C9DF93-2BFD-449E-8715-66EA18F7C389}"/>
-              </a:ext>
-            </a:extLst>
-          </p:cNvPr>
-          <p:cNvSpPr/>
-          <p:nvPr/>
-        </p:nvSpPr>
-        <p:spPr>
-          <a:xfrm>
-            <a:off x="10075818" y="2482648"/>
-            <a:ext cx="1454329" cy="461554"/>
-          </a:xfrm>
-          <a:prstGeom prst="roundRect">
-            <a:avLst/>
-          </a:prstGeom>
-        </p:spPr>
-        <p:style>
-          <a:lnRef idx="2">
-            <a:schemeClr val="accent1"/>
-          </a:lnRef>
-          <a:fillRef idx="1">
-            <a:schemeClr val="lt1"/>
-          </a:fillRef>
-          <a:effectRef idx="0">
-            <a:schemeClr val="accent1"/>
-          </a:effectRef>
-          <a:fontRef idx="minor">
-            <a:schemeClr val="dk1"/>
-          </a:fontRef>
-        </p:style>
-        <p:txBody>
-          <a:bodyPr rtlCol="0" anchor="ctr"/>
-          <a:lstStyle/>
-          <a:p>
-            <a:pPr algn="ctr"/>
-            <a:r>
-              <a:rPr lang="ko-KR" altLang="en-US" dirty="0"/>
-              <a:t>레이드 종료</a:t>
-            </a:r>
-          </a:p>
-        </p:txBody>
-      </p:sp>
-      <p:sp>
-        <p:nvSpPr>
-          <p:cNvPr id="29" name="직사각형 28">
-            <a:extLst>
-              <a:ext uri="{FF2B5EF4-FFF2-40B4-BE49-F238E27FC236}">
-                <a16:creationId xmlns:a16="http://schemas.microsoft.com/office/drawing/2014/main" id="{863B7E83-2BBE-49E8-86C8-75EECDEA8C22}"/>
-              </a:ext>
-            </a:extLst>
-          </p:cNvPr>
-          <p:cNvSpPr/>
-          <p:nvPr/>
-        </p:nvSpPr>
-        <p:spPr>
-          <a:xfrm>
-            <a:off x="10781212" y="2002147"/>
-            <a:ext cx="76198" cy="461554"/>
-          </a:xfrm>
-          <a:prstGeom prst="rect">
-            <a:avLst/>
-          </a:prstGeom>
-        </p:spPr>
-        <p:style>
-          <a:lnRef idx="2">
-            <a:schemeClr val="accent1">
-              <a:shade val="50000"/>
-            </a:schemeClr>
-          </a:lnRef>
-          <a:fillRef idx="1">
-            <a:schemeClr val="accent1"/>
-          </a:fillRef>
-          <a:effectRef idx="0">
-            <a:schemeClr val="accent1"/>
-          </a:effectRef>
-          <a:fontRef idx="minor">
-            <a:schemeClr val="lt1"/>
-          </a:fontRef>
-        </p:style>
-        <p:txBody>
-          <a:bodyPr rtlCol="0" anchor="ctr"/>
-          <a:lstStyle/>
-          <a:p>
-            <a:pPr algn="ctr"/>
-            <a:endParaRPr lang="ko-KR" altLang="en-US"/>
-          </a:p>
-        </p:txBody>
-      </p:sp>
-      <p:sp>
-        <p:nvSpPr>
-          <p:cNvPr id="30" name="직사각형 29">
-            <a:extLst>
-              <a:ext uri="{FF2B5EF4-FFF2-40B4-BE49-F238E27FC236}">
-                <a16:creationId xmlns:a16="http://schemas.microsoft.com/office/drawing/2014/main" id="{C7F6EF79-68E5-459A-B21D-77F79B25B733}"/>
-              </a:ext>
-            </a:extLst>
-          </p:cNvPr>
-          <p:cNvSpPr/>
-          <p:nvPr/>
-        </p:nvSpPr>
-        <p:spPr>
-          <a:xfrm rot="5400000">
-            <a:off x="7687492" y="-1117316"/>
-            <a:ext cx="45719" cy="6294118"/>
-          </a:xfrm>
-          <a:prstGeom prst="rect">
-            <a:avLst/>
-          </a:prstGeom>
-        </p:spPr>
-        <p:style>
-          <a:lnRef idx="2">
-            <a:schemeClr val="accent1">
-              <a:shade val="50000"/>
-            </a:schemeClr>
-          </a:lnRef>
-          <a:fillRef idx="1">
-            <a:schemeClr val="accent1"/>
-          </a:fillRef>
-          <a:effectRef idx="0">
-            <a:schemeClr val="accent1"/>
-          </a:effectRef>
-          <a:fontRef idx="minor">
-            <a:schemeClr val="lt1"/>
-          </a:fontRef>
-        </p:style>
-        <p:txBody>
-          <a:bodyPr rtlCol="0" anchor="ctr"/>
-          <a:lstStyle/>
-          <a:p>
-            <a:pPr algn="ctr"/>
-            <a:endParaRPr lang="ko-KR" altLang="en-US"/>
-          </a:p>
-        </p:txBody>
-      </p:sp>
-      <p:sp>
-        <p:nvSpPr>
-          <p:cNvPr id="31" name="화살표: 오른쪽 30">
-            <a:extLst>
-              <a:ext uri="{FF2B5EF4-FFF2-40B4-BE49-F238E27FC236}">
-                <a16:creationId xmlns:a16="http://schemas.microsoft.com/office/drawing/2014/main" id="{7D0D2466-9446-4A28-8E48-17A448B24BD0}"/>
-              </a:ext>
-            </a:extLst>
-          </p:cNvPr>
-          <p:cNvSpPr/>
-          <p:nvPr/>
-        </p:nvSpPr>
-        <p:spPr>
-          <a:xfrm rot="5400000">
-            <a:off x="3883566" y="2632181"/>
-            <a:ext cx="1459600" cy="209006"/>
-          </a:xfrm>
-          <a:prstGeom prst="rightArrow">
-            <a:avLst/>
-          </a:prstGeom>
-        </p:spPr>
-        <p:style>
-          <a:lnRef idx="2">
-            <a:schemeClr val="accent1">
-              <a:shade val="50000"/>
-            </a:schemeClr>
-          </a:lnRef>
-          <a:fillRef idx="1">
-            <a:schemeClr val="accent1"/>
-          </a:fillRef>
-          <a:effectRef idx="0">
-            <a:schemeClr val="accent1"/>
-          </a:effectRef>
-          <a:fontRef idx="minor">
-            <a:schemeClr val="lt1"/>
-          </a:fontRef>
-        </p:style>
-        <p:txBody>
-          <a:bodyPr rtlCol="0" anchor="ctr"/>
-          <a:lstStyle/>
-          <a:p>
-            <a:pPr algn="ctr"/>
-            <a:endParaRPr lang="ko-KR" altLang="en-US"/>
-          </a:p>
-        </p:txBody>
-      </p:sp>
-      <p:sp>
-        <p:nvSpPr>
-          <p:cNvPr id="23" name="직사각형 22">
-            <a:extLst>
-              <a:ext uri="{FF2B5EF4-FFF2-40B4-BE49-F238E27FC236}">
-                <a16:creationId xmlns:a16="http://schemas.microsoft.com/office/drawing/2014/main" id="{EB756433-4C2A-460B-8203-284FFEA81CB3}"/>
-              </a:ext>
-            </a:extLst>
-          </p:cNvPr>
-          <p:cNvSpPr/>
-          <p:nvPr/>
-        </p:nvSpPr>
-        <p:spPr>
-          <a:xfrm>
-            <a:off x="4249783" y="2270818"/>
-            <a:ext cx="5381900" cy="1864047"/>
-          </a:xfrm>
-          <a:prstGeom prst="rect">
-            <a:avLst/>
-          </a:prstGeom>
-          <a:noFill/>
-          <a:ln w="38100" cap="flat" cmpd="sng" algn="ctr">
-            <a:solidFill>
-              <a:srgbClr val="FF0000"/>
-            </a:solidFill>
-            <a:prstDash val="solid"/>
-            <a:round/>
-            <a:headEnd type="none" w="med" len="med"/>
-            <a:tailEnd type="none" w="med" len="med"/>
-          </a:ln>
-        </p:spPr>
-        <p:style>
-          <a:lnRef idx="0">
-            <a:scrgbClr r="0" g="0" b="0"/>
-          </a:lnRef>
-          <a:fillRef idx="0">
-            <a:scrgbClr r="0" g="0" b="0"/>
-          </a:fillRef>
-          <a:effectRef idx="0">
-            <a:scrgbClr r="0" g="0" b="0"/>
-          </a:effectRef>
-          <a:fontRef idx="minor">
-            <a:schemeClr val="accent6"/>
-          </a:fontRef>
-        </p:style>
-        <p:txBody>
-          <a:bodyPr rtlCol="0" anchor="ctr"/>
-          <a:lstStyle/>
-          <a:p>
-            <a:pPr algn="ctr"/>
-            <a:endParaRPr lang="ko-KR" altLang="en-US"/>
-          </a:p>
-        </p:txBody>
-      </p:sp>
-    </p:spTree>
-    <p:extLst>
-      <p:ext uri="{BB962C8B-B14F-4D97-AF65-F5344CB8AC3E}">
-        <p14:creationId xmlns:p14="http://schemas.microsoft.com/office/powerpoint/2010/main" val="4210833510"/>
-      </p:ext>
-    </p:extLst>
-  </p:cSld>
-  <p:clrMapOvr>
-    <a:masterClrMapping/>
-  </p:clrMapOvr>
-</p:sld>
-</file>
-
-<file path=ppt/slides/slide5.xml><?xml version="1.0" encoding="utf-8"?>
-<p:sld xmlns:a="http://schemas.openxmlformats.org/drawingml/2006/main" xmlns:r="http://schemas.openxmlformats.org/officeDocument/2006/relationships" xmlns:p="http://schemas.openxmlformats.org/presentationml/2006/main">
-  <p:cSld>
-    <p:spTree>
-      <p:nvGrpSpPr>
-        <p:cNvPr id="1" name=""/>
-        <p:cNvGrpSpPr/>
-        <p:nvPr/>
-      </p:nvGrpSpPr>
-      <p:grpSpPr>
-        <a:xfrm>
-          <a:off x="0" y="0"/>
-          <a:ext cx="0" cy="0"/>
-          <a:chOff x="0" y="0"/>
-          <a:chExt cx="0" cy="0"/>
-        </a:xfrm>
-      </p:grpSpPr>
-      <p:sp>
-        <p:nvSpPr>
-          <p:cNvPr id="2" name="제목 1">
-            <a:extLst>
-              <a:ext uri="{FF2B5EF4-FFF2-40B4-BE49-F238E27FC236}">
-                <a16:creationId xmlns:a16="http://schemas.microsoft.com/office/drawing/2014/main" id="{9ACAAB46-A8E3-49F2-935F-0021E1A82F1E}"/>
-              </a:ext>
-            </a:extLst>
-          </p:cNvPr>
-          <p:cNvSpPr>
-            <a:spLocks noGrp="1"/>
-          </p:cNvSpPr>
-          <p:nvPr>
-            <p:ph type="title"/>
-          </p:nvPr>
-        </p:nvSpPr>
-        <p:spPr/>
-        <p:txBody>
-          <a:bodyPr>
-            <a:normAutofit/>
-          </a:bodyPr>
-          <a:lstStyle/>
-          <a:p>
-            <a:r>
-              <a:rPr lang="ko-KR" altLang="en-US" sz="4800" dirty="0"/>
-              <a:t>조작법</a:t>
-            </a:r>
-          </a:p>
-        </p:txBody>
-      </p:sp>
-      <p:grpSp>
-        <p:nvGrpSpPr>
-          <p:cNvPr id="4" name="그룹 1003">
-            <a:extLst>
-              <a:ext uri="{FF2B5EF4-FFF2-40B4-BE49-F238E27FC236}">
-                <a16:creationId xmlns:a16="http://schemas.microsoft.com/office/drawing/2014/main" id="{1F2E2BBD-5A48-4ED6-8116-C16394D10DEE}"/>
-              </a:ext>
-            </a:extLst>
-          </p:cNvPr>
-          <p:cNvGrpSpPr/>
-          <p:nvPr/>
-        </p:nvGrpSpPr>
-        <p:grpSpPr>
-          <a:xfrm>
-            <a:off x="1449692" y="2724241"/>
-            <a:ext cx="2609118" cy="834185"/>
-            <a:chOff x="2089838" y="3284969"/>
-            <a:chExt cx="3950638" cy="1272689"/>
-          </a:xfrm>
-        </p:grpSpPr>
-        <p:pic>
-          <p:nvPicPr>
-            <p:cNvPr id="5" name="Object 9">
-              <a:extLst>
-                <a:ext uri="{FF2B5EF4-FFF2-40B4-BE49-F238E27FC236}">
-                  <a16:creationId xmlns:a16="http://schemas.microsoft.com/office/drawing/2014/main" id="{7198F07A-EBA4-485F-8BE6-E9A7BF2A4A46}"/>
-                </a:ext>
-              </a:extLst>
-            </p:cNvPr>
-            <p:cNvPicPr>
-              <a:picLocks noChangeAspect="1"/>
-            </p:cNvPicPr>
-            <p:nvPr/>
-          </p:nvPicPr>
-          <p:blipFill>
-            <a:blip r:embed="rId2" cstate="print"/>
-            <a:stretch>
-              <a:fillRect/>
-            </a:stretch>
-          </p:blipFill>
-          <p:spPr>
-            <a:xfrm>
-              <a:off x="2089838" y="3284969"/>
-              <a:ext cx="3950638" cy="1272689"/>
-            </a:xfrm>
-            <a:prstGeom prst="rect">
-              <a:avLst/>
-            </a:prstGeom>
-          </p:spPr>
-        </p:pic>
-      </p:grpSp>
-      <p:grpSp>
-        <p:nvGrpSpPr>
-          <p:cNvPr id="6" name="그룹 1002">
-            <a:extLst>
-              <a:ext uri="{FF2B5EF4-FFF2-40B4-BE49-F238E27FC236}">
-                <a16:creationId xmlns:a16="http://schemas.microsoft.com/office/drawing/2014/main" id="{A55F0EF7-E0DC-4235-A849-094452F1C677}"/>
-              </a:ext>
-            </a:extLst>
-          </p:cNvPr>
-          <p:cNvGrpSpPr/>
-          <p:nvPr/>
-        </p:nvGrpSpPr>
-        <p:grpSpPr>
-          <a:xfrm>
-            <a:off x="2330320" y="2002559"/>
-            <a:ext cx="847863" cy="731714"/>
-            <a:chOff x="3423254" y="2206711"/>
-            <a:chExt cx="1283805" cy="1116353"/>
-          </a:xfrm>
-        </p:grpSpPr>
-        <p:pic>
-          <p:nvPicPr>
-            <p:cNvPr id="7" name="Object 6">
-              <a:extLst>
-                <a:ext uri="{FF2B5EF4-FFF2-40B4-BE49-F238E27FC236}">
-                  <a16:creationId xmlns:a16="http://schemas.microsoft.com/office/drawing/2014/main" id="{F4466979-EC34-446A-A808-F93088E5B198}"/>
-                </a:ext>
-              </a:extLst>
-            </p:cNvPr>
-            <p:cNvPicPr>
-              <a:picLocks noChangeAspect="1"/>
-            </p:cNvPicPr>
-            <p:nvPr/>
-          </p:nvPicPr>
-          <p:blipFill>
-            <a:blip r:embed="rId3" cstate="print"/>
-            <a:stretch>
-              <a:fillRect/>
-            </a:stretch>
-          </p:blipFill>
-          <p:spPr>
-            <a:xfrm>
-              <a:off x="3423254" y="2206711"/>
-              <a:ext cx="1283805" cy="1116353"/>
-            </a:xfrm>
-            <a:prstGeom prst="rect">
-              <a:avLst/>
-            </a:prstGeom>
-          </p:spPr>
-        </p:pic>
-      </p:grpSp>
-      <p:grpSp>
-        <p:nvGrpSpPr>
-          <p:cNvPr id="8" name="그룹 1004">
-            <a:extLst>
-              <a:ext uri="{FF2B5EF4-FFF2-40B4-BE49-F238E27FC236}">
-                <a16:creationId xmlns:a16="http://schemas.microsoft.com/office/drawing/2014/main" id="{AFE9F026-55F2-4EED-99C0-FE24B9E48F0F}"/>
-              </a:ext>
-            </a:extLst>
-          </p:cNvPr>
-          <p:cNvGrpSpPr/>
-          <p:nvPr/>
-        </p:nvGrpSpPr>
-        <p:grpSpPr>
-          <a:xfrm>
-            <a:off x="1130270" y="4543926"/>
-            <a:ext cx="6754272" cy="850874"/>
-            <a:chOff x="2051743" y="6380952"/>
-            <a:chExt cx="10045271" cy="1281285"/>
-          </a:xfrm>
-        </p:grpSpPr>
-        <p:pic>
-          <p:nvPicPr>
-            <p:cNvPr id="9" name="Object 13">
-              <a:extLst>
-                <a:ext uri="{FF2B5EF4-FFF2-40B4-BE49-F238E27FC236}">
-                  <a16:creationId xmlns:a16="http://schemas.microsoft.com/office/drawing/2014/main" id="{1EF03028-A232-46A2-B455-AC5C090EED5D}"/>
-                </a:ext>
-              </a:extLst>
-            </p:cNvPr>
-            <p:cNvPicPr>
-              <a:picLocks noChangeAspect="1"/>
-            </p:cNvPicPr>
-            <p:nvPr/>
-          </p:nvPicPr>
-          <p:blipFill>
-            <a:blip r:embed="rId4" cstate="print"/>
-            <a:stretch>
-              <a:fillRect/>
-            </a:stretch>
-          </p:blipFill>
-          <p:spPr>
-            <a:xfrm>
-              <a:off x="2051743" y="6380952"/>
-              <a:ext cx="10045271" cy="1281285"/>
-            </a:xfrm>
-            <a:prstGeom prst="rect">
-              <a:avLst/>
-            </a:prstGeom>
-          </p:spPr>
-        </p:pic>
-      </p:grpSp>
-      <p:grpSp>
-        <p:nvGrpSpPr>
-          <p:cNvPr id="10" name="그룹 1001">
-            <a:extLst>
-              <a:ext uri="{FF2B5EF4-FFF2-40B4-BE49-F238E27FC236}">
-                <a16:creationId xmlns:a16="http://schemas.microsoft.com/office/drawing/2014/main" id="{F506C09B-25DD-4478-94C9-D5367D9BB7B9}"/>
-              </a:ext>
-            </a:extLst>
-          </p:cNvPr>
-          <p:cNvGrpSpPr/>
-          <p:nvPr/>
-        </p:nvGrpSpPr>
-        <p:grpSpPr>
-          <a:xfrm>
-            <a:off x="9180204" y="1800387"/>
-            <a:ext cx="1893992" cy="2177679"/>
-            <a:chOff x="11740194" y="2679618"/>
-            <a:chExt cx="6564568" cy="6564568"/>
-          </a:xfrm>
-        </p:grpSpPr>
-        <p:pic>
-          <p:nvPicPr>
-            <p:cNvPr id="11" name="Object 3">
-              <a:extLst>
-                <a:ext uri="{FF2B5EF4-FFF2-40B4-BE49-F238E27FC236}">
-                  <a16:creationId xmlns:a16="http://schemas.microsoft.com/office/drawing/2014/main" id="{B109F772-0433-4F98-8032-6E43A6699B39}"/>
-                </a:ext>
-              </a:extLst>
-            </p:cNvPr>
-            <p:cNvPicPr>
-              <a:picLocks noChangeAspect="1"/>
-            </p:cNvPicPr>
-            <p:nvPr/>
-          </p:nvPicPr>
-          <p:blipFill>
-            <a:blip r:embed="rId5" cstate="print"/>
-            <a:stretch>
-              <a:fillRect/>
-            </a:stretch>
-          </p:blipFill>
-          <p:spPr>
-            <a:xfrm>
-              <a:off x="11740194" y="2679618"/>
-              <a:ext cx="6564568" cy="6564568"/>
-            </a:xfrm>
-            <a:prstGeom prst="rect">
-              <a:avLst/>
-            </a:prstGeom>
-          </p:spPr>
-        </p:pic>
-      </p:grpSp>
-      <p:pic>
-        <p:nvPicPr>
-          <p:cNvPr id="12" name="Object 11">
-            <a:extLst>
-              <a:ext uri="{FF2B5EF4-FFF2-40B4-BE49-F238E27FC236}">
-                <a16:creationId xmlns:a16="http://schemas.microsoft.com/office/drawing/2014/main" id="{9CF32A98-F757-47C1-9E20-C639CE188B6D}"/>
-              </a:ext>
-            </a:extLst>
-          </p:cNvPr>
-          <p:cNvPicPr>
-            <a:picLocks noChangeAspect="1"/>
-          </p:cNvPicPr>
-          <p:nvPr/>
-        </p:nvPicPr>
-        <p:blipFill>
-          <a:blip r:embed="rId6" cstate="print"/>
-          <a:stretch>
-            <a:fillRect/>
-          </a:stretch>
-        </p:blipFill>
-        <p:spPr>
-          <a:xfrm>
-            <a:off x="1130270" y="1717452"/>
-            <a:ext cx="859399" cy="531149"/>
-          </a:xfrm>
-          <a:prstGeom prst="rect">
-            <a:avLst/>
-          </a:prstGeom>
-        </p:spPr>
-      </p:pic>
-      <p:pic>
-        <p:nvPicPr>
-          <p:cNvPr id="13" name="Object 15">
-            <a:extLst>
-              <a:ext uri="{FF2B5EF4-FFF2-40B4-BE49-F238E27FC236}">
-                <a16:creationId xmlns:a16="http://schemas.microsoft.com/office/drawing/2014/main" id="{7524578E-B571-4520-B090-AA3EAF7868A9}"/>
-              </a:ext>
-            </a:extLst>
-          </p:cNvPr>
-          <p:cNvPicPr>
-            <a:picLocks noChangeAspect="1"/>
-          </p:cNvPicPr>
-          <p:nvPr/>
-        </p:nvPicPr>
-        <p:blipFill rotWithShape="1">
-          <a:blip r:embed="rId7" cstate="print"/>
-          <a:srcRect r="71950"/>
-          <a:stretch/>
-        </p:blipFill>
-        <p:spPr>
-          <a:xfrm>
-            <a:off x="1130270" y="4078251"/>
-            <a:ext cx="533067" cy="531149"/>
-          </a:xfrm>
-          <a:prstGeom prst="rect">
-            <a:avLst/>
-          </a:prstGeom>
-        </p:spPr>
-      </p:pic>
-      <p:pic>
-        <p:nvPicPr>
-          <p:cNvPr id="15" name="Object 20">
-            <a:extLst>
-              <a:ext uri="{FF2B5EF4-FFF2-40B4-BE49-F238E27FC236}">
-                <a16:creationId xmlns:a16="http://schemas.microsoft.com/office/drawing/2014/main" id="{9C01B875-13C0-469D-9092-0CA378B3C260}"/>
-              </a:ext>
-            </a:extLst>
-          </p:cNvPr>
-          <p:cNvPicPr>
-            <a:picLocks noChangeAspect="1"/>
-          </p:cNvPicPr>
-          <p:nvPr/>
-        </p:nvPicPr>
-        <p:blipFill>
-          <a:blip r:embed="rId8" cstate="print"/>
-          <a:stretch>
-            <a:fillRect/>
-          </a:stretch>
-        </p:blipFill>
-        <p:spPr>
-          <a:xfrm>
-            <a:off x="8934296" y="1738147"/>
-            <a:ext cx="2385807" cy="497458"/>
-          </a:xfrm>
-          <a:prstGeom prst="rect">
-            <a:avLst/>
-          </a:prstGeom>
-        </p:spPr>
-      </p:pic>
-      <p:pic>
-        <p:nvPicPr>
-          <p:cNvPr id="17" name="그림 16">
-            <a:extLst>
-              <a:ext uri="{FF2B5EF4-FFF2-40B4-BE49-F238E27FC236}">
-                <a16:creationId xmlns:a16="http://schemas.microsoft.com/office/drawing/2014/main" id="{07C52829-F772-4CDF-B075-195432D3DE9C}"/>
-              </a:ext>
-            </a:extLst>
-          </p:cNvPr>
-          <p:cNvPicPr>
-            <a:picLocks noChangeAspect="1"/>
-          </p:cNvPicPr>
-          <p:nvPr/>
-        </p:nvPicPr>
-        <p:blipFill>
-          <a:blip r:embed="rId9"/>
-          <a:stretch>
-            <a:fillRect/>
-          </a:stretch>
-        </p:blipFill>
-        <p:spPr>
-          <a:xfrm>
-            <a:off x="9866765" y="4515852"/>
-            <a:ext cx="801948" cy="877130"/>
-          </a:xfrm>
-          <a:prstGeom prst="rect">
-            <a:avLst/>
-          </a:prstGeom>
-        </p:spPr>
-      </p:pic>
-      <p:pic>
-        <p:nvPicPr>
-          <p:cNvPr id="19" name="그림 18">
-            <a:extLst>
-              <a:ext uri="{FF2B5EF4-FFF2-40B4-BE49-F238E27FC236}">
-                <a16:creationId xmlns:a16="http://schemas.microsoft.com/office/drawing/2014/main" id="{10832A4C-E0FE-453F-9838-4DD4BC54F684}"/>
-              </a:ext>
-            </a:extLst>
-          </p:cNvPr>
-          <p:cNvPicPr>
-            <a:picLocks noChangeAspect="1"/>
-          </p:cNvPicPr>
-          <p:nvPr/>
-        </p:nvPicPr>
-        <p:blipFill>
-          <a:blip r:embed="rId10"/>
-          <a:stretch>
-            <a:fillRect/>
-          </a:stretch>
-        </p:blipFill>
-        <p:spPr>
-          <a:xfrm>
-            <a:off x="4762557" y="2735481"/>
-            <a:ext cx="3713900" cy="877130"/>
-          </a:xfrm>
-          <a:prstGeom prst="rect">
-            <a:avLst/>
-          </a:prstGeom>
-        </p:spPr>
-      </p:pic>
-      <p:sp>
-        <p:nvSpPr>
-          <p:cNvPr id="20" name="TextBox 19">
-            <a:extLst>
-              <a:ext uri="{FF2B5EF4-FFF2-40B4-BE49-F238E27FC236}">
-                <a16:creationId xmlns:a16="http://schemas.microsoft.com/office/drawing/2014/main" id="{886718DB-2904-4988-AFFA-44BF8757C967}"/>
-              </a:ext>
-            </a:extLst>
-          </p:cNvPr>
-          <p:cNvSpPr txBox="1"/>
-          <p:nvPr/>
-        </p:nvSpPr>
-        <p:spPr>
-          <a:xfrm>
-            <a:off x="4762557" y="1800387"/>
-            <a:ext cx="1333443" cy="400110"/>
-          </a:xfrm>
-          <a:prstGeom prst="rect">
-            <a:avLst/>
-          </a:prstGeom>
-          <a:noFill/>
-        </p:spPr>
-        <p:txBody>
-          <a:bodyPr wrap="square" rtlCol="0">
-            <a:spAutoFit/>
-          </a:bodyPr>
-          <a:lstStyle/>
-          <a:p>
-            <a:r>
-              <a:rPr lang="ko-KR" altLang="en-US" sz="2000" b="1" dirty="0">
-                <a:latin typeface="+mn-ea"/>
-                <a:cs typeface="Aharoni" panose="02010803020104030203" pitchFamily="2" charset="-79"/>
-              </a:rPr>
-              <a:t>일반 공격</a:t>
-            </a:r>
-          </a:p>
-        </p:txBody>
-      </p:sp>
-      <p:sp>
-        <p:nvSpPr>
-          <p:cNvPr id="22" name="TextBox 21">
-            <a:extLst>
-              <a:ext uri="{FF2B5EF4-FFF2-40B4-BE49-F238E27FC236}">
-                <a16:creationId xmlns:a16="http://schemas.microsoft.com/office/drawing/2014/main" id="{7A7D3074-CE13-4E5F-8326-D6A2E03CF582}"/>
-              </a:ext>
-            </a:extLst>
-          </p:cNvPr>
-          <p:cNvSpPr txBox="1"/>
-          <p:nvPr/>
-        </p:nvSpPr>
-        <p:spPr>
-          <a:xfrm>
-            <a:off x="8934296" y="4115742"/>
-            <a:ext cx="1333443" cy="400110"/>
-          </a:xfrm>
-          <a:prstGeom prst="rect">
-            <a:avLst/>
-          </a:prstGeom>
-          <a:noFill/>
-        </p:spPr>
-        <p:txBody>
-          <a:bodyPr wrap="square" rtlCol="0">
-            <a:spAutoFit/>
-          </a:bodyPr>
-          <a:lstStyle/>
-          <a:p>
-            <a:r>
-              <a:rPr lang="ko-KR" altLang="en-US" sz="2000" b="1">
-                <a:latin typeface="+mn-ea"/>
-                <a:cs typeface="Aharoni" panose="02010803020104030203" pitchFamily="2" charset="-79"/>
-              </a:rPr>
-              <a:t>파티 창</a:t>
-            </a:r>
-            <a:endParaRPr lang="ko-KR" altLang="en-US" sz="2000" b="1" dirty="0">
-              <a:latin typeface="+mn-ea"/>
-              <a:cs typeface="Aharoni" panose="02010803020104030203" pitchFamily="2" charset="-79"/>
-            </a:endParaRPr>
-          </a:p>
-        </p:txBody>
-      </p:sp>
-    </p:spTree>
-    <p:extLst>
-      <p:ext uri="{BB962C8B-B14F-4D97-AF65-F5344CB8AC3E}">
-        <p14:creationId xmlns:p14="http://schemas.microsoft.com/office/powerpoint/2010/main" val="3467245660"/>
-      </p:ext>
-    </p:extLst>
-  </p:cSld>
-  <p:clrMapOvr>
-    <a:masterClrMapping/>
-  </p:clrMapOvr>
-</p:sld>
-</file>
-
-<file path=ppt/slides/slide6.xml><?xml version="1.0" encoding="utf-8"?>
-<p:sld xmlns:a="http://schemas.openxmlformats.org/drawingml/2006/main" xmlns:r="http://schemas.openxmlformats.org/officeDocument/2006/relationships" xmlns:p="http://schemas.openxmlformats.org/presentationml/2006/main">
-  <p:cSld>
-    <p:spTree>
-      <p:nvGrpSpPr>
-        <p:cNvPr id="1" name=""/>
-        <p:cNvGrpSpPr/>
-        <p:nvPr/>
-      </p:nvGrpSpPr>
-      <p:grpSpPr>
-        <a:xfrm>
-          <a:off x="0" y="0"/>
-          <a:ext cx="0" cy="0"/>
-          <a:chOff x="0" y="0"/>
-          <a:chExt cx="0" cy="0"/>
-        </a:xfrm>
-      </p:grpSpPr>
-      <p:sp>
-        <p:nvSpPr>
-          <p:cNvPr id="2" name="제목 1">
-            <a:extLst>
-              <a:ext uri="{FF2B5EF4-FFF2-40B4-BE49-F238E27FC236}">
                 <a16:creationId xmlns:a16="http://schemas.microsoft.com/office/drawing/2014/main" id="{19B29804-BBCA-4418-A762-52EDA6CAD763}"/>
               </a:ext>
             </a:extLst>
@@ -7551,7 +4161,7 @@
 </p:sld>
 </file>
 
-<file path=ppt/slides/slide7.xml><?xml version="1.0" encoding="utf-8"?>
+<file path=ppt/slides/slide11.xml><?xml version="1.0" encoding="utf-8"?>
 <p:sld xmlns:a="http://schemas.openxmlformats.org/drawingml/2006/main" xmlns:r="http://schemas.openxmlformats.org/officeDocument/2006/relationships" xmlns:p="http://schemas.openxmlformats.org/presentationml/2006/main">
   <p:cSld>
     <p:spTree>
@@ -8176,7 +4786,7 @@
 </p:sld>
 </file>
 
-<file path=ppt/slides/slide8.xml><?xml version="1.0" encoding="utf-8"?>
+<file path=ppt/slides/slide12.xml><?xml version="1.0" encoding="utf-8"?>
 <p:sld xmlns:a="http://schemas.openxmlformats.org/drawingml/2006/main" xmlns:r="http://schemas.openxmlformats.org/officeDocument/2006/relationships" xmlns:p="http://schemas.openxmlformats.org/presentationml/2006/main">
   <p:cSld>
     <p:spTree>
@@ -8198,6 +4808,1526 @@
           <p:cNvPr id="2" name="제목 1">
             <a:extLst>
               <a:ext uri="{FF2B5EF4-FFF2-40B4-BE49-F238E27FC236}">
+                <a16:creationId xmlns:a16="http://schemas.microsoft.com/office/drawing/2014/main" id="{240B2911-B0C6-4FDE-9F38-6451BC3E4922}"/>
+              </a:ext>
+            </a:extLst>
+          </p:cNvPr>
+          <p:cNvSpPr>
+            <a:spLocks noGrp="1"/>
+          </p:cNvSpPr>
+          <p:nvPr>
+            <p:ph type="title"/>
+          </p:nvPr>
+        </p:nvSpPr>
+        <p:spPr/>
+        <p:txBody>
+          <a:bodyPr>
+            <a:normAutofit/>
+          </a:bodyPr>
+          <a:lstStyle/>
+          <a:p>
+            <a:r>
+              <a:rPr lang="ko-KR" altLang="en-US" sz="4800" dirty="0"/>
+              <a:t>문제점 및 보완책</a:t>
+            </a:r>
+          </a:p>
+        </p:txBody>
+      </p:sp>
+      <p:sp>
+        <p:nvSpPr>
+          <p:cNvPr id="3" name="내용 개체 틀 2">
+            <a:extLst>
+              <a:ext uri="{FF2B5EF4-FFF2-40B4-BE49-F238E27FC236}">
+                <a16:creationId xmlns:a16="http://schemas.microsoft.com/office/drawing/2014/main" id="{E6780943-578E-448D-890B-E86B6EC400DE}"/>
+              </a:ext>
+            </a:extLst>
+          </p:cNvPr>
+          <p:cNvSpPr>
+            <a:spLocks noGrp="1"/>
+          </p:cNvSpPr>
+          <p:nvPr>
+            <p:ph idx="1"/>
+          </p:nvPr>
+        </p:nvSpPr>
+        <p:spPr>
+          <a:xfrm>
+            <a:off x="1130270" y="2171769"/>
+            <a:ext cx="9603275" cy="3819728"/>
+          </a:xfrm>
+        </p:spPr>
+        <p:txBody>
+          <a:bodyPr>
+            <a:normAutofit/>
+          </a:bodyPr>
+          <a:lstStyle/>
+          <a:p>
+            <a:r>
+              <a:rPr lang="ko-KR" altLang="en-US" dirty="0"/>
+              <a:t>너무 단조로운 데미지</a:t>
+            </a:r>
+          </a:p>
+          <a:p>
+            <a:pPr marL="0" indent="0">
+              <a:buNone/>
+            </a:pPr>
+            <a:r>
+              <a:rPr lang="en-US" altLang="ko-KR" dirty="0"/>
+              <a:t>	=&gt; </a:t>
+            </a:r>
+            <a:r>
+              <a:rPr lang="ko-KR" altLang="en-US" dirty="0"/>
+              <a:t>데미지에 치명타 적용</a:t>
+            </a:r>
+            <a:endParaRPr lang="en-US" altLang="ko-KR" dirty="0"/>
+          </a:p>
+          <a:p>
+            <a:r>
+              <a:rPr lang="ko-KR" altLang="en-US" dirty="0" err="1"/>
+              <a:t>동접</a:t>
+            </a:r>
+            <a:r>
+              <a:rPr lang="ko-KR" altLang="en-US" dirty="0"/>
+              <a:t> 테스트를 해보지 않아 최대 </a:t>
+            </a:r>
+            <a:r>
+              <a:rPr lang="ko-KR" altLang="en-US" dirty="0" err="1"/>
+              <a:t>동접</a:t>
+            </a:r>
+            <a:r>
+              <a:rPr lang="ko-KR" altLang="en-US" dirty="0"/>
+              <a:t> 확인을 못함</a:t>
+            </a:r>
+            <a:endParaRPr lang="en-US" altLang="ko-KR" dirty="0"/>
+          </a:p>
+          <a:p>
+            <a:pPr marL="0" indent="0">
+              <a:buNone/>
+            </a:pPr>
+            <a:r>
+              <a:rPr lang="en-US" altLang="ko-KR" dirty="0"/>
+              <a:t>	=&gt; 6</a:t>
+            </a:r>
+            <a:r>
+              <a:rPr lang="ko-KR" altLang="en-US" dirty="0"/>
+              <a:t>월에 </a:t>
+            </a:r>
+            <a:r>
+              <a:rPr lang="ko-KR" altLang="en-US" dirty="0" err="1"/>
+              <a:t>동접</a:t>
+            </a:r>
+            <a:r>
+              <a:rPr lang="ko-KR" altLang="en-US" dirty="0"/>
+              <a:t> 테스트용 프로그램 제작 및 최적화</a:t>
+            </a:r>
+            <a:endParaRPr lang="en-US" altLang="ko-KR" dirty="0"/>
+          </a:p>
+          <a:p>
+            <a:r>
+              <a:rPr lang="ko-KR" altLang="en-US" dirty="0"/>
+              <a:t>클라이언트의 메모리 과도한 사용</a:t>
+            </a:r>
+            <a:endParaRPr lang="en-US" altLang="ko-KR" dirty="0"/>
+          </a:p>
+          <a:p>
+            <a:pPr marL="0" indent="0">
+              <a:buNone/>
+            </a:pPr>
+            <a:r>
+              <a:rPr lang="en-US" altLang="ko-KR" dirty="0"/>
+              <a:t>	=&gt; </a:t>
+            </a:r>
+            <a:r>
+              <a:rPr lang="ko-KR" altLang="en-US" dirty="0"/>
+              <a:t>자료구조 활용해 메모리 관리</a:t>
+            </a:r>
+            <a:r>
+              <a:rPr lang="en-US" altLang="ko-KR" dirty="0"/>
+              <a:t>, </a:t>
+            </a:r>
+            <a:r>
+              <a:rPr lang="ko-KR" altLang="en-US" dirty="0"/>
+              <a:t>오브젝트를 </a:t>
+            </a:r>
+            <a:r>
+              <a:rPr lang="ko-KR" altLang="en-US" dirty="0" err="1"/>
+              <a:t>인스턴싱하여</a:t>
+            </a:r>
+            <a:r>
+              <a:rPr lang="ko-KR" altLang="en-US" dirty="0"/>
+              <a:t> 관리 </a:t>
+            </a:r>
+            <a:endParaRPr lang="en-US" altLang="ko-KR" dirty="0"/>
+          </a:p>
+          <a:p>
+            <a:endParaRPr lang="en-US" altLang="ko-KR" dirty="0"/>
+          </a:p>
+        </p:txBody>
+      </p:sp>
+    </p:spTree>
+    <p:extLst>
+      <p:ext uri="{BB962C8B-B14F-4D97-AF65-F5344CB8AC3E}">
+        <p14:creationId xmlns:p14="http://schemas.microsoft.com/office/powerpoint/2010/main" val="70206867"/>
+      </p:ext>
+    </p:extLst>
+  </p:cSld>
+  <p:clrMapOvr>
+    <a:masterClrMapping/>
+  </p:clrMapOvr>
+</p:sld>
+</file>
+
+<file path=ppt/slides/slide13.xml><?xml version="1.0" encoding="utf-8"?>
+<p:sld xmlns:a="http://schemas.openxmlformats.org/drawingml/2006/main" xmlns:r="http://schemas.openxmlformats.org/officeDocument/2006/relationships" xmlns:p="http://schemas.openxmlformats.org/presentationml/2006/main">
+  <p:cSld>
+    <p:spTree>
+      <p:nvGrpSpPr>
+        <p:cNvPr id="1" name=""/>
+        <p:cNvGrpSpPr/>
+        <p:nvPr/>
+      </p:nvGrpSpPr>
+      <p:grpSpPr>
+        <a:xfrm>
+          <a:off x="0" y="0"/>
+          <a:ext cx="0" cy="0"/>
+          <a:chOff x="0" y="0"/>
+          <a:chExt cx="0" cy="0"/>
+        </a:xfrm>
+      </p:grpSpPr>
+      <p:sp>
+        <p:nvSpPr>
+          <p:cNvPr id="2" name="제목 1">
+            <a:extLst>
+              <a:ext uri="{FF2B5EF4-FFF2-40B4-BE49-F238E27FC236}">
+                <a16:creationId xmlns:a16="http://schemas.microsoft.com/office/drawing/2014/main" id="{8E31107D-ACFB-4AEC-9615-450C0CB0A231}"/>
+              </a:ext>
+            </a:extLst>
+          </p:cNvPr>
+          <p:cNvSpPr>
+            <a:spLocks noGrp="1"/>
+          </p:cNvSpPr>
+          <p:nvPr>
+            <p:ph type="title"/>
+          </p:nvPr>
+        </p:nvSpPr>
+        <p:spPr/>
+        <p:txBody>
+          <a:bodyPr>
+            <a:normAutofit/>
+          </a:bodyPr>
+          <a:lstStyle/>
+          <a:p>
+            <a:r>
+              <a:rPr lang="ko-KR" altLang="en-US" sz="4800" dirty="0"/>
+              <a:t>향후 개발일정</a:t>
+            </a:r>
+            <a:r>
+              <a:rPr lang="en-US" altLang="ko-KR" sz="2400" dirty="0"/>
+              <a:t>(</a:t>
+            </a:r>
+            <a:r>
+              <a:rPr lang="ko-KR" altLang="en-US" sz="2400" dirty="0"/>
+              <a:t>클라</a:t>
+            </a:r>
+            <a:r>
+              <a:rPr lang="en-US" altLang="ko-KR" sz="2400" dirty="0"/>
+              <a:t>)</a:t>
+            </a:r>
+            <a:endParaRPr lang="ko-KR" altLang="en-US" sz="2400" dirty="0"/>
+          </a:p>
+        </p:txBody>
+      </p:sp>
+      <p:sp>
+        <p:nvSpPr>
+          <p:cNvPr id="3" name="내용 개체 틀 2">
+            <a:extLst>
+              <a:ext uri="{FF2B5EF4-FFF2-40B4-BE49-F238E27FC236}">
+                <a16:creationId xmlns:a16="http://schemas.microsoft.com/office/drawing/2014/main" id="{04048C10-1EAE-4658-9B7D-BFBD7014F05E}"/>
+              </a:ext>
+            </a:extLst>
+          </p:cNvPr>
+          <p:cNvSpPr>
+            <a:spLocks noGrp="1"/>
+          </p:cNvSpPr>
+          <p:nvPr>
+            <p:ph idx="1"/>
+          </p:nvPr>
+        </p:nvSpPr>
+        <p:spPr/>
+        <p:txBody>
+          <a:bodyPr/>
+          <a:lstStyle/>
+          <a:p>
+            <a:endParaRPr lang="ko-KR" altLang="en-US"/>
+          </a:p>
+        </p:txBody>
+      </p:sp>
+      <p:pic>
+        <p:nvPicPr>
+          <p:cNvPr id="9" name="그림 8">
+            <a:extLst>
+              <a:ext uri="{FF2B5EF4-FFF2-40B4-BE49-F238E27FC236}">
+                <a16:creationId xmlns:a16="http://schemas.microsoft.com/office/drawing/2014/main" id="{437497D9-ECA7-4A06-9F5F-6DE5CA2EDED3}"/>
+              </a:ext>
+            </a:extLst>
+          </p:cNvPr>
+          <p:cNvPicPr>
+            <a:picLocks noChangeAspect="1"/>
+          </p:cNvPicPr>
+          <p:nvPr/>
+        </p:nvPicPr>
+        <p:blipFill>
+          <a:blip r:embed="rId2"/>
+          <a:stretch>
+            <a:fillRect/>
+          </a:stretch>
+        </p:blipFill>
+        <p:spPr>
+          <a:xfrm>
+            <a:off x="2280492" y="1776510"/>
+            <a:ext cx="6808090" cy="3859704"/>
+          </a:xfrm>
+          <a:prstGeom prst="rect">
+            <a:avLst/>
+          </a:prstGeom>
+        </p:spPr>
+      </p:pic>
+      <p:pic>
+        <p:nvPicPr>
+          <p:cNvPr id="11" name="그림 10">
+            <a:extLst>
+              <a:ext uri="{FF2B5EF4-FFF2-40B4-BE49-F238E27FC236}">
+                <a16:creationId xmlns:a16="http://schemas.microsoft.com/office/drawing/2014/main" id="{AFE369F0-7B8C-4C12-ABEF-A2F8B2AB80B6}"/>
+              </a:ext>
+            </a:extLst>
+          </p:cNvPr>
+          <p:cNvPicPr>
+            <a:picLocks noChangeAspect="1"/>
+          </p:cNvPicPr>
+          <p:nvPr/>
+        </p:nvPicPr>
+        <p:blipFill>
+          <a:blip r:embed="rId3"/>
+          <a:stretch>
+            <a:fillRect/>
+          </a:stretch>
+        </p:blipFill>
+        <p:spPr>
+          <a:xfrm>
+            <a:off x="2280492" y="5805424"/>
+            <a:ext cx="3247766" cy="393083"/>
+          </a:xfrm>
+          <a:prstGeom prst="rect">
+            <a:avLst/>
+          </a:prstGeom>
+        </p:spPr>
+      </p:pic>
+    </p:spTree>
+    <p:extLst>
+      <p:ext uri="{BB962C8B-B14F-4D97-AF65-F5344CB8AC3E}">
+        <p14:creationId xmlns:p14="http://schemas.microsoft.com/office/powerpoint/2010/main" val="3526608456"/>
+      </p:ext>
+    </p:extLst>
+  </p:cSld>
+  <p:clrMapOvr>
+    <a:masterClrMapping/>
+  </p:clrMapOvr>
+</p:sld>
+</file>
+
+<file path=ppt/slides/slide14.xml><?xml version="1.0" encoding="utf-8"?>
+<p:sld xmlns:a="http://schemas.openxmlformats.org/drawingml/2006/main" xmlns:r="http://schemas.openxmlformats.org/officeDocument/2006/relationships" xmlns:p="http://schemas.openxmlformats.org/presentationml/2006/main">
+  <p:cSld>
+    <p:spTree>
+      <p:nvGrpSpPr>
+        <p:cNvPr id="1" name=""/>
+        <p:cNvGrpSpPr/>
+        <p:nvPr/>
+      </p:nvGrpSpPr>
+      <p:grpSpPr>
+        <a:xfrm>
+          <a:off x="0" y="0"/>
+          <a:ext cx="0" cy="0"/>
+          <a:chOff x="0" y="0"/>
+          <a:chExt cx="0" cy="0"/>
+        </a:xfrm>
+      </p:grpSpPr>
+      <p:sp>
+        <p:nvSpPr>
+          <p:cNvPr id="2" name="제목 1">
+            <a:extLst>
+              <a:ext uri="{FF2B5EF4-FFF2-40B4-BE49-F238E27FC236}">
+                <a16:creationId xmlns:a16="http://schemas.microsoft.com/office/drawing/2014/main" id="{8E31107D-ACFB-4AEC-9615-450C0CB0A231}"/>
+              </a:ext>
+            </a:extLst>
+          </p:cNvPr>
+          <p:cNvSpPr>
+            <a:spLocks noGrp="1"/>
+          </p:cNvSpPr>
+          <p:nvPr>
+            <p:ph type="title"/>
+          </p:nvPr>
+        </p:nvSpPr>
+        <p:spPr/>
+        <p:txBody>
+          <a:bodyPr>
+            <a:normAutofit/>
+          </a:bodyPr>
+          <a:lstStyle/>
+          <a:p>
+            <a:r>
+              <a:rPr lang="ko-KR" altLang="en-US" sz="4800" dirty="0"/>
+              <a:t>향후 개발일정</a:t>
+            </a:r>
+            <a:r>
+              <a:rPr lang="en-US" altLang="ko-KR" sz="2400" dirty="0"/>
+              <a:t>(</a:t>
+            </a:r>
+            <a:r>
+              <a:rPr lang="ko-KR" altLang="en-US" sz="2400" dirty="0"/>
+              <a:t>서버</a:t>
+            </a:r>
+            <a:r>
+              <a:rPr lang="en-US" altLang="ko-KR" sz="2400" dirty="0"/>
+              <a:t>)</a:t>
+            </a:r>
+            <a:endParaRPr lang="ko-KR" altLang="en-US" sz="2400" dirty="0"/>
+          </a:p>
+        </p:txBody>
+      </p:sp>
+      <p:sp>
+        <p:nvSpPr>
+          <p:cNvPr id="8" name="내용 개체 틀 7">
+            <a:extLst>
+              <a:ext uri="{FF2B5EF4-FFF2-40B4-BE49-F238E27FC236}">
+                <a16:creationId xmlns:a16="http://schemas.microsoft.com/office/drawing/2014/main" id="{59267543-02DC-4797-9215-158B35724A05}"/>
+              </a:ext>
+            </a:extLst>
+          </p:cNvPr>
+          <p:cNvSpPr>
+            <a:spLocks noGrp="1"/>
+          </p:cNvSpPr>
+          <p:nvPr>
+            <p:ph idx="1"/>
+          </p:nvPr>
+        </p:nvSpPr>
+        <p:spPr/>
+        <p:txBody>
+          <a:bodyPr/>
+          <a:lstStyle/>
+          <a:p>
+            <a:endParaRPr lang="ko-KR" altLang="en-US"/>
+          </a:p>
+        </p:txBody>
+      </p:sp>
+      <p:pic>
+        <p:nvPicPr>
+          <p:cNvPr id="11" name="그림 10">
+            <a:extLst>
+              <a:ext uri="{FF2B5EF4-FFF2-40B4-BE49-F238E27FC236}">
+                <a16:creationId xmlns:a16="http://schemas.microsoft.com/office/drawing/2014/main" id="{42224D4C-6029-460D-8652-4761C759E458}"/>
+              </a:ext>
+            </a:extLst>
+          </p:cNvPr>
+          <p:cNvPicPr>
+            <a:picLocks noChangeAspect="1"/>
+          </p:cNvPicPr>
+          <p:nvPr/>
+        </p:nvPicPr>
+        <p:blipFill>
+          <a:blip r:embed="rId2"/>
+          <a:stretch>
+            <a:fillRect/>
+          </a:stretch>
+        </p:blipFill>
+        <p:spPr>
+          <a:xfrm>
+            <a:off x="2280492" y="5805424"/>
+            <a:ext cx="3247766" cy="393083"/>
+          </a:xfrm>
+          <a:prstGeom prst="rect">
+            <a:avLst/>
+          </a:prstGeom>
+        </p:spPr>
+      </p:pic>
+      <p:pic>
+        <p:nvPicPr>
+          <p:cNvPr id="13" name="그림 12">
+            <a:extLst>
+              <a:ext uri="{FF2B5EF4-FFF2-40B4-BE49-F238E27FC236}">
+                <a16:creationId xmlns:a16="http://schemas.microsoft.com/office/drawing/2014/main" id="{248CCA8A-4071-4658-9E69-4DABF50804A3}"/>
+              </a:ext>
+            </a:extLst>
+          </p:cNvPr>
+          <p:cNvPicPr>
+            <a:picLocks noChangeAspect="1"/>
+          </p:cNvPicPr>
+          <p:nvPr/>
+        </p:nvPicPr>
+        <p:blipFill>
+          <a:blip r:embed="rId3"/>
+          <a:stretch>
+            <a:fillRect/>
+          </a:stretch>
+        </p:blipFill>
+        <p:spPr>
+          <a:xfrm>
+            <a:off x="2257918" y="1675778"/>
+            <a:ext cx="7347978" cy="4129646"/>
+          </a:xfrm>
+          <a:prstGeom prst="rect">
+            <a:avLst/>
+          </a:prstGeom>
+        </p:spPr>
+      </p:pic>
+    </p:spTree>
+    <p:extLst>
+      <p:ext uri="{BB962C8B-B14F-4D97-AF65-F5344CB8AC3E}">
+        <p14:creationId xmlns:p14="http://schemas.microsoft.com/office/powerpoint/2010/main" val="3787234214"/>
+      </p:ext>
+    </p:extLst>
+  </p:cSld>
+  <p:clrMapOvr>
+    <a:masterClrMapping/>
+  </p:clrMapOvr>
+</p:sld>
+</file>
+
+<file path=ppt/slides/slide15.xml><?xml version="1.0" encoding="utf-8"?>
+<p:sld xmlns:a="http://schemas.openxmlformats.org/drawingml/2006/main" xmlns:r="http://schemas.openxmlformats.org/officeDocument/2006/relationships" xmlns:p="http://schemas.openxmlformats.org/presentationml/2006/main">
+  <p:cSld>
+    <p:spTree>
+      <p:nvGrpSpPr>
+        <p:cNvPr id="1" name=""/>
+        <p:cNvGrpSpPr/>
+        <p:nvPr/>
+      </p:nvGrpSpPr>
+      <p:grpSpPr>
+        <a:xfrm>
+          <a:off x="0" y="0"/>
+          <a:ext cx="0" cy="0"/>
+          <a:chOff x="0" y="0"/>
+          <a:chExt cx="0" cy="0"/>
+        </a:xfrm>
+      </p:grpSpPr>
+      <p:sp>
+        <p:nvSpPr>
+          <p:cNvPr id="2" name="제목 1">
+            <a:extLst>
+              <a:ext uri="{FF2B5EF4-FFF2-40B4-BE49-F238E27FC236}">
+                <a16:creationId xmlns:a16="http://schemas.microsoft.com/office/drawing/2014/main" id="{14B968F6-F352-46FC-A5A6-CFB98315AB18}"/>
+              </a:ext>
+            </a:extLst>
+          </p:cNvPr>
+          <p:cNvSpPr>
+            <a:spLocks noGrp="1"/>
+          </p:cNvSpPr>
+          <p:nvPr>
+            <p:ph type="title"/>
+          </p:nvPr>
+        </p:nvSpPr>
+        <p:spPr/>
+        <p:txBody>
+          <a:bodyPr>
+            <a:normAutofit/>
+          </a:bodyPr>
+          <a:lstStyle/>
+          <a:p>
+            <a:r>
+              <a:rPr lang="ko-KR" altLang="en-US" sz="4800" dirty="0"/>
+              <a:t>데모 시연</a:t>
+            </a:r>
+          </a:p>
+        </p:txBody>
+      </p:sp>
+      <p:sp>
+        <p:nvSpPr>
+          <p:cNvPr id="3" name="내용 개체 틀 2">
+            <a:extLst>
+              <a:ext uri="{FF2B5EF4-FFF2-40B4-BE49-F238E27FC236}">
+                <a16:creationId xmlns:a16="http://schemas.microsoft.com/office/drawing/2014/main" id="{4AB9E6B9-1EF7-4E06-835D-B97CA1D089A5}"/>
+              </a:ext>
+            </a:extLst>
+          </p:cNvPr>
+          <p:cNvSpPr>
+            <a:spLocks noGrp="1"/>
+          </p:cNvSpPr>
+          <p:nvPr>
+            <p:ph idx="1"/>
+          </p:nvPr>
+        </p:nvSpPr>
+        <p:spPr/>
+        <p:txBody>
+          <a:bodyPr/>
+          <a:lstStyle/>
+          <a:p>
+            <a:endParaRPr lang="ko-KR" altLang="en-US" dirty="0"/>
+          </a:p>
+        </p:txBody>
+      </p:sp>
+    </p:spTree>
+    <p:extLst>
+      <p:ext uri="{BB962C8B-B14F-4D97-AF65-F5344CB8AC3E}">
+        <p14:creationId xmlns:p14="http://schemas.microsoft.com/office/powerpoint/2010/main" val="1248903595"/>
+      </p:ext>
+    </p:extLst>
+  </p:cSld>
+  <p:clrMapOvr>
+    <a:masterClrMapping/>
+  </p:clrMapOvr>
+</p:sld>
+</file>
+
+<file path=ppt/slides/slide2.xml><?xml version="1.0" encoding="utf-8"?>
+<p:sld xmlns:a="http://schemas.openxmlformats.org/drawingml/2006/main" xmlns:r="http://schemas.openxmlformats.org/officeDocument/2006/relationships" xmlns:p="http://schemas.openxmlformats.org/presentationml/2006/main">
+  <p:cSld>
+    <p:spTree>
+      <p:nvGrpSpPr>
+        <p:cNvPr id="1" name=""/>
+        <p:cNvGrpSpPr/>
+        <p:nvPr/>
+      </p:nvGrpSpPr>
+      <p:grpSpPr>
+        <a:xfrm>
+          <a:off x="0" y="0"/>
+          <a:ext cx="0" cy="0"/>
+          <a:chOff x="0" y="0"/>
+          <a:chExt cx="0" cy="0"/>
+        </a:xfrm>
+      </p:grpSpPr>
+      <p:sp>
+        <p:nvSpPr>
+          <p:cNvPr id="2" name="제목 1">
+            <a:extLst>
+              <a:ext uri="{FF2B5EF4-FFF2-40B4-BE49-F238E27FC236}">
+                <a16:creationId xmlns:a16="http://schemas.microsoft.com/office/drawing/2014/main" id="{9E1A6116-406B-40F1-9CF9-65DB1F74DC48}"/>
+              </a:ext>
+            </a:extLst>
+          </p:cNvPr>
+          <p:cNvSpPr>
+            <a:spLocks noGrp="1"/>
+          </p:cNvSpPr>
+          <p:nvPr>
+            <p:ph type="title"/>
+          </p:nvPr>
+        </p:nvSpPr>
+        <p:spPr/>
+        <p:txBody>
+          <a:bodyPr>
+            <a:normAutofit/>
+          </a:bodyPr>
+          <a:lstStyle/>
+          <a:p>
+            <a:r>
+              <a:rPr lang="ko-KR" altLang="en-US" sz="4800" dirty="0"/>
+              <a:t>목차</a:t>
+            </a:r>
+          </a:p>
+        </p:txBody>
+      </p:sp>
+      <p:sp>
+        <p:nvSpPr>
+          <p:cNvPr id="3" name="내용 개체 틀 2">
+            <a:extLst>
+              <a:ext uri="{FF2B5EF4-FFF2-40B4-BE49-F238E27FC236}">
+                <a16:creationId xmlns:a16="http://schemas.microsoft.com/office/drawing/2014/main" id="{2AFF8ED2-D499-4CF2-A545-ED2742D0599B}"/>
+              </a:ext>
+            </a:extLst>
+          </p:cNvPr>
+          <p:cNvSpPr>
+            <a:spLocks noGrp="1"/>
+          </p:cNvSpPr>
+          <p:nvPr>
+            <p:ph idx="1"/>
+          </p:nvPr>
+        </p:nvSpPr>
+        <p:spPr>
+          <a:xfrm>
+            <a:off x="1130270" y="2329944"/>
+            <a:ext cx="4965730" cy="3147829"/>
+          </a:xfrm>
+        </p:spPr>
+        <p:txBody>
+          <a:bodyPr>
+            <a:normAutofit/>
+          </a:bodyPr>
+          <a:lstStyle/>
+          <a:p>
+            <a:pPr marL="457200" indent="-457200">
+              <a:buAutoNum type="arabicPeriod"/>
+            </a:pPr>
+            <a:r>
+              <a:rPr lang="ko-KR" altLang="en-US" dirty="0"/>
+              <a:t>지적 받은 내용 및 해결 </a:t>
+            </a:r>
+            <a:endParaRPr lang="en-US" altLang="ko-KR" dirty="0"/>
+          </a:p>
+          <a:p>
+            <a:pPr marL="457200" indent="-457200">
+              <a:buFont typeface="Arial" panose="020B0604020202020204" pitchFamily="34" charset="0"/>
+              <a:buAutoNum type="arabicPeriod"/>
+            </a:pPr>
+            <a:r>
+              <a:rPr lang="ko-KR" altLang="en-US" dirty="0"/>
+              <a:t>개발내용</a:t>
+            </a:r>
+            <a:r>
+              <a:rPr lang="en-US" altLang="ko-KR" dirty="0"/>
+              <a:t>(</a:t>
+            </a:r>
+            <a:r>
+              <a:rPr lang="ko-KR" altLang="en-US" dirty="0"/>
+              <a:t>컨텐츠</a:t>
+            </a:r>
+            <a:r>
+              <a:rPr lang="en-US" altLang="ko-KR" dirty="0"/>
+              <a:t>)</a:t>
+            </a:r>
+          </a:p>
+          <a:p>
+            <a:pPr marL="457200" indent="-457200">
+              <a:buAutoNum type="arabicPeriod"/>
+            </a:pPr>
+            <a:r>
+              <a:rPr lang="ko-KR" altLang="en-US" dirty="0"/>
+              <a:t>개요</a:t>
+            </a:r>
+            <a:endParaRPr lang="en-US" altLang="ko-KR" dirty="0"/>
+          </a:p>
+          <a:p>
+            <a:pPr marL="457200" indent="-457200">
+              <a:buAutoNum type="arabicPeriod"/>
+            </a:pPr>
+            <a:r>
+              <a:rPr lang="ko-KR" altLang="en-US" dirty="0"/>
+              <a:t>게임조작</a:t>
+            </a:r>
+            <a:endParaRPr lang="en-US" altLang="ko-KR" dirty="0"/>
+          </a:p>
+          <a:p>
+            <a:pPr marL="457200" indent="-457200">
+              <a:buAutoNum type="arabicPeriod"/>
+            </a:pPr>
+            <a:r>
+              <a:rPr lang="ko-KR" altLang="en-US" dirty="0"/>
+              <a:t>기술요소와 중점 연구 분야</a:t>
+            </a:r>
+          </a:p>
+        </p:txBody>
+      </p:sp>
+      <p:sp>
+        <p:nvSpPr>
+          <p:cNvPr id="4" name="내용 개체 틀 2">
+            <a:extLst>
+              <a:ext uri="{FF2B5EF4-FFF2-40B4-BE49-F238E27FC236}">
+                <a16:creationId xmlns:a16="http://schemas.microsoft.com/office/drawing/2014/main" id="{DD0618E0-5026-448C-AD3F-528B33110E29}"/>
+              </a:ext>
+            </a:extLst>
+          </p:cNvPr>
+          <p:cNvSpPr txBox="1">
+            <a:spLocks/>
+          </p:cNvSpPr>
+          <p:nvPr/>
+        </p:nvSpPr>
+        <p:spPr>
+          <a:xfrm>
+            <a:off x="5931907" y="2329944"/>
+            <a:ext cx="4965730" cy="2327506"/>
+          </a:xfrm>
+          <a:prstGeom prst="rect">
+            <a:avLst/>
+          </a:prstGeom>
+        </p:spPr>
+        <p:txBody>
+          <a:bodyPr vert="horz" lIns="91440" tIns="45720" rIns="91440" bIns="45720" rtlCol="0" anchor="t">
+            <a:normAutofit/>
+          </a:bodyPr>
+          <a:lstStyle>
+            <a:lvl1pPr marL="228600" indent="-228600" algn="l" defTabSz="914400" rtl="0" eaLnBrk="1" latinLnBrk="1" hangingPunct="1">
+              <a:lnSpc>
+                <a:spcPct val="120000"/>
+              </a:lnSpc>
+              <a:spcBef>
+                <a:spcPts val="1000"/>
+              </a:spcBef>
+              <a:buClr>
+                <a:schemeClr val="accent1"/>
+              </a:buClr>
+              <a:buSzPct val="100000"/>
+              <a:buFont typeface="Arial" panose="020B0604020202020204" pitchFamily="34" charset="0"/>
+              <a:buChar char="•"/>
+              <a:defRPr sz="2000" kern="1200">
+                <a:solidFill>
+                  <a:schemeClr val="tx1"/>
+                </a:solidFill>
+                <a:effectLst/>
+                <a:latin typeface="+mn-lt"/>
+                <a:ea typeface="+mn-ea"/>
+                <a:cs typeface="+mn-cs"/>
+              </a:defRPr>
+            </a:lvl1pPr>
+            <a:lvl2pPr marL="685800" indent="-228600" algn="l" defTabSz="914400" rtl="0" eaLnBrk="1" latinLnBrk="1" hangingPunct="1">
+              <a:lnSpc>
+                <a:spcPct val="120000"/>
+              </a:lnSpc>
+              <a:spcBef>
+                <a:spcPts val="500"/>
+              </a:spcBef>
+              <a:buClr>
+                <a:schemeClr val="accent1"/>
+              </a:buClr>
+              <a:buSzPct val="100000"/>
+              <a:buFont typeface="Arial" panose="020B0604020202020204" pitchFamily="34" charset="0"/>
+              <a:buChar char="•"/>
+              <a:defRPr sz="1800" kern="1200" cap="none" baseline="0">
+                <a:solidFill>
+                  <a:schemeClr val="tx1"/>
+                </a:solidFill>
+                <a:effectLst/>
+                <a:latin typeface="+mn-lt"/>
+                <a:ea typeface="+mn-ea"/>
+                <a:cs typeface="+mn-cs"/>
+              </a:defRPr>
+            </a:lvl2pPr>
+            <a:lvl3pPr marL="1143000" indent="-228600" algn="l" defTabSz="914400" rtl="0" eaLnBrk="1" latinLnBrk="1" hangingPunct="1">
+              <a:lnSpc>
+                <a:spcPct val="120000"/>
+              </a:lnSpc>
+              <a:spcBef>
+                <a:spcPts val="500"/>
+              </a:spcBef>
+              <a:buClr>
+                <a:schemeClr val="accent1"/>
+              </a:buClr>
+              <a:buSzPct val="100000"/>
+              <a:buFont typeface="Arial" panose="020B0604020202020204" pitchFamily="34" charset="0"/>
+              <a:buChar char="•"/>
+              <a:defRPr sz="1600" kern="1200">
+                <a:solidFill>
+                  <a:schemeClr val="tx1"/>
+                </a:solidFill>
+                <a:effectLst/>
+                <a:latin typeface="+mn-lt"/>
+                <a:ea typeface="+mn-ea"/>
+                <a:cs typeface="+mn-cs"/>
+              </a:defRPr>
+            </a:lvl3pPr>
+            <a:lvl4pPr marL="1600200" indent="-228600" algn="l" defTabSz="914400" rtl="0" eaLnBrk="1" latinLnBrk="1" hangingPunct="1">
+              <a:lnSpc>
+                <a:spcPct val="120000"/>
+              </a:lnSpc>
+              <a:spcBef>
+                <a:spcPts val="500"/>
+              </a:spcBef>
+              <a:buClr>
+                <a:schemeClr val="accent1"/>
+              </a:buClr>
+              <a:buSzPct val="100000"/>
+              <a:buFont typeface="Arial" panose="020B0604020202020204" pitchFamily="34" charset="0"/>
+              <a:buChar char="•"/>
+              <a:defRPr sz="1400" kern="1200" cap="none" baseline="0">
+                <a:solidFill>
+                  <a:schemeClr val="tx1"/>
+                </a:solidFill>
+                <a:effectLst/>
+                <a:latin typeface="+mn-lt"/>
+                <a:ea typeface="+mn-ea"/>
+                <a:cs typeface="+mn-cs"/>
+              </a:defRPr>
+            </a:lvl4pPr>
+            <a:lvl5pPr marL="2057400" indent="-228600" algn="l" defTabSz="914400" rtl="0" eaLnBrk="1" latinLnBrk="1" hangingPunct="1">
+              <a:lnSpc>
+                <a:spcPct val="120000"/>
+              </a:lnSpc>
+              <a:spcBef>
+                <a:spcPts val="500"/>
+              </a:spcBef>
+              <a:buClr>
+                <a:schemeClr val="accent1"/>
+              </a:buClr>
+              <a:buSzPct val="100000"/>
+              <a:buFont typeface="Arial" panose="020B0604020202020204" pitchFamily="34" charset="0"/>
+              <a:buChar char="•"/>
+              <a:defRPr sz="1200" kern="1200">
+                <a:solidFill>
+                  <a:schemeClr val="tx1"/>
+                </a:solidFill>
+                <a:effectLst/>
+                <a:latin typeface="+mn-lt"/>
+                <a:ea typeface="+mn-ea"/>
+                <a:cs typeface="+mn-cs"/>
+              </a:defRPr>
+            </a:lvl5pPr>
+            <a:lvl6pPr marL="2514600" indent="-228600" algn="l" defTabSz="914400" rtl="0" eaLnBrk="1" latinLnBrk="1" hangingPunct="1">
+              <a:lnSpc>
+                <a:spcPct val="120000"/>
+              </a:lnSpc>
+              <a:spcBef>
+                <a:spcPts val="500"/>
+              </a:spcBef>
+              <a:buClr>
+                <a:schemeClr val="accent1"/>
+              </a:buClr>
+              <a:buSzPct val="100000"/>
+              <a:buFont typeface="Arial" panose="020B0604020202020204" pitchFamily="34" charset="0"/>
+              <a:buChar char="•"/>
+              <a:defRPr sz="1200" kern="1200">
+                <a:solidFill>
+                  <a:schemeClr val="tx1"/>
+                </a:solidFill>
+                <a:effectLst/>
+                <a:latin typeface="+mn-lt"/>
+                <a:ea typeface="+mn-ea"/>
+                <a:cs typeface="+mn-cs"/>
+              </a:defRPr>
+            </a:lvl6pPr>
+            <a:lvl7pPr marL="2971800" indent="-228600" algn="l" defTabSz="914400" rtl="0" eaLnBrk="1" latinLnBrk="1" hangingPunct="1">
+              <a:lnSpc>
+                <a:spcPct val="120000"/>
+              </a:lnSpc>
+              <a:spcBef>
+                <a:spcPts val="500"/>
+              </a:spcBef>
+              <a:buClr>
+                <a:schemeClr val="accent1"/>
+              </a:buClr>
+              <a:buSzPct val="100000"/>
+              <a:buFont typeface="Arial" panose="020B0604020202020204" pitchFamily="34" charset="0"/>
+              <a:buChar char="•"/>
+              <a:defRPr sz="1200" kern="1200">
+                <a:solidFill>
+                  <a:schemeClr val="tx1"/>
+                </a:solidFill>
+                <a:effectLst/>
+                <a:latin typeface="+mn-lt"/>
+                <a:ea typeface="+mn-ea"/>
+                <a:cs typeface="+mn-cs"/>
+              </a:defRPr>
+            </a:lvl7pPr>
+            <a:lvl8pPr marL="3429000" indent="-228600" algn="l" defTabSz="914400" rtl="0" eaLnBrk="1" latinLnBrk="1" hangingPunct="1">
+              <a:lnSpc>
+                <a:spcPct val="120000"/>
+              </a:lnSpc>
+              <a:spcBef>
+                <a:spcPts val="500"/>
+              </a:spcBef>
+              <a:buClr>
+                <a:schemeClr val="accent1"/>
+              </a:buClr>
+              <a:buSzPct val="100000"/>
+              <a:buFont typeface="Arial" panose="020B0604020202020204" pitchFamily="34" charset="0"/>
+              <a:buChar char="•"/>
+              <a:defRPr sz="1200" kern="1200" baseline="0">
+                <a:solidFill>
+                  <a:schemeClr val="tx1"/>
+                </a:solidFill>
+                <a:effectLst/>
+                <a:latin typeface="+mn-lt"/>
+                <a:ea typeface="+mn-ea"/>
+                <a:cs typeface="+mn-cs"/>
+              </a:defRPr>
+            </a:lvl8pPr>
+            <a:lvl9pPr marL="3886200" indent="-228600" algn="l" defTabSz="914400" rtl="0" eaLnBrk="1" latinLnBrk="1" hangingPunct="1">
+              <a:lnSpc>
+                <a:spcPct val="120000"/>
+              </a:lnSpc>
+              <a:spcBef>
+                <a:spcPts val="500"/>
+              </a:spcBef>
+              <a:buClr>
+                <a:schemeClr val="accent1"/>
+              </a:buClr>
+              <a:buSzPct val="100000"/>
+              <a:buFont typeface="Arial" panose="020B0604020202020204" pitchFamily="34" charset="0"/>
+              <a:buChar char="•"/>
+              <a:defRPr sz="1200" kern="1200" baseline="0">
+                <a:solidFill>
+                  <a:schemeClr val="tx1"/>
+                </a:solidFill>
+                <a:effectLst/>
+                <a:latin typeface="+mn-lt"/>
+                <a:ea typeface="+mn-ea"/>
+                <a:cs typeface="+mn-cs"/>
+              </a:defRPr>
+            </a:lvl9pPr>
+          </a:lstStyle>
+          <a:p>
+            <a:pPr marL="457200" indent="-457200">
+              <a:buFont typeface="+mj-lt"/>
+              <a:buAutoNum type="arabicPeriod" startAt="6"/>
+            </a:pPr>
+            <a:r>
+              <a:rPr lang="ko-KR" altLang="en-US" dirty="0"/>
+              <a:t>구성원 역할 분담</a:t>
+            </a:r>
+            <a:endParaRPr lang="en-US" altLang="ko-KR" dirty="0"/>
+          </a:p>
+          <a:p>
+            <a:pPr marL="457200" indent="-457200">
+              <a:buFont typeface="+mj-lt"/>
+              <a:buAutoNum type="arabicPeriod" startAt="6"/>
+            </a:pPr>
+            <a:r>
+              <a:rPr lang="ko-KR" altLang="en-US" dirty="0"/>
+              <a:t>문제점 및 보완책</a:t>
+            </a:r>
+            <a:endParaRPr lang="en-US" altLang="ko-KR" dirty="0"/>
+          </a:p>
+          <a:p>
+            <a:pPr marL="457200" indent="-457200">
+              <a:buFont typeface="+mj-lt"/>
+              <a:buAutoNum type="arabicPeriod" startAt="6"/>
+            </a:pPr>
+            <a:r>
+              <a:rPr lang="ko-KR" altLang="en-US" dirty="0"/>
+              <a:t>향후 개발 일정</a:t>
+            </a:r>
+            <a:endParaRPr lang="en-US" altLang="ko-KR" dirty="0"/>
+          </a:p>
+          <a:p>
+            <a:pPr marL="457200" indent="-457200">
+              <a:buFont typeface="+mj-lt"/>
+              <a:buAutoNum type="arabicPeriod" startAt="6"/>
+            </a:pPr>
+            <a:r>
+              <a:rPr lang="ko-KR" altLang="en-US" dirty="0"/>
+              <a:t>데모 시연</a:t>
+            </a:r>
+          </a:p>
+        </p:txBody>
+      </p:sp>
+    </p:spTree>
+    <p:extLst>
+      <p:ext uri="{BB962C8B-B14F-4D97-AF65-F5344CB8AC3E}">
+        <p14:creationId xmlns:p14="http://schemas.microsoft.com/office/powerpoint/2010/main" val="608788834"/>
+      </p:ext>
+    </p:extLst>
+  </p:cSld>
+  <p:clrMapOvr>
+    <a:masterClrMapping/>
+  </p:clrMapOvr>
+</p:sld>
+</file>
+
+<file path=ppt/slides/slide3.xml><?xml version="1.0" encoding="utf-8"?>
+<p:sld xmlns:a="http://schemas.openxmlformats.org/drawingml/2006/main" xmlns:r="http://schemas.openxmlformats.org/officeDocument/2006/relationships" xmlns:p="http://schemas.openxmlformats.org/presentationml/2006/main">
+  <p:cSld>
+    <p:spTree>
+      <p:nvGrpSpPr>
+        <p:cNvPr id="1" name=""/>
+        <p:cNvGrpSpPr/>
+        <p:nvPr/>
+      </p:nvGrpSpPr>
+      <p:grpSpPr>
+        <a:xfrm>
+          <a:off x="0" y="0"/>
+          <a:ext cx="0" cy="0"/>
+          <a:chOff x="0" y="0"/>
+          <a:chExt cx="0" cy="0"/>
+        </a:xfrm>
+      </p:grpSpPr>
+      <p:sp>
+        <p:nvSpPr>
+          <p:cNvPr id="2" name="제목 1">
+            <a:extLst>
+              <a:ext uri="{FF2B5EF4-FFF2-40B4-BE49-F238E27FC236}">
+                <a16:creationId xmlns:a16="http://schemas.microsoft.com/office/drawing/2014/main" id="{83CAA821-8512-471F-9F78-3A8A381382CC}"/>
+              </a:ext>
+            </a:extLst>
+          </p:cNvPr>
+          <p:cNvSpPr>
+            <a:spLocks noGrp="1"/>
+          </p:cNvSpPr>
+          <p:nvPr>
+            <p:ph type="title"/>
+          </p:nvPr>
+        </p:nvSpPr>
+        <p:spPr/>
+        <p:txBody>
+          <a:bodyPr>
+            <a:normAutofit/>
+          </a:bodyPr>
+          <a:lstStyle/>
+          <a:p>
+            <a:r>
+              <a:rPr lang="ko-KR" altLang="en-US" sz="3600" dirty="0"/>
+              <a:t>지적 받은 내용 및 해결 </a:t>
+            </a:r>
+            <a:endParaRPr lang="en-US" altLang="ko-KR" sz="3600" dirty="0"/>
+          </a:p>
+        </p:txBody>
+      </p:sp>
+      <p:sp>
+        <p:nvSpPr>
+          <p:cNvPr id="3" name="내용 개체 틀 2">
+            <a:extLst>
+              <a:ext uri="{FF2B5EF4-FFF2-40B4-BE49-F238E27FC236}">
+                <a16:creationId xmlns:a16="http://schemas.microsoft.com/office/drawing/2014/main" id="{8219E1B8-E693-4266-AD1C-8F9779CC7938}"/>
+              </a:ext>
+            </a:extLst>
+          </p:cNvPr>
+          <p:cNvSpPr>
+            <a:spLocks noGrp="1"/>
+          </p:cNvSpPr>
+          <p:nvPr>
+            <p:ph idx="1"/>
+          </p:nvPr>
+        </p:nvSpPr>
+        <p:spPr>
+          <a:xfrm>
+            <a:off x="388189" y="2171769"/>
+            <a:ext cx="5040703" cy="1257231"/>
+          </a:xfrm>
+        </p:spPr>
+        <p:style>
+          <a:lnRef idx="2">
+            <a:schemeClr val="dk1"/>
+          </a:lnRef>
+          <a:fillRef idx="1">
+            <a:schemeClr val="lt1"/>
+          </a:fillRef>
+          <a:effectRef idx="0">
+            <a:schemeClr val="dk1"/>
+          </a:effectRef>
+          <a:fontRef idx="minor">
+            <a:schemeClr val="dk1"/>
+          </a:fontRef>
+        </p:style>
+        <p:txBody>
+          <a:bodyPr>
+            <a:normAutofit fontScale="92500"/>
+          </a:bodyPr>
+          <a:lstStyle/>
+          <a:p>
+            <a:pPr marL="0" indent="0">
+              <a:buNone/>
+            </a:pPr>
+            <a:r>
+              <a:rPr lang="ko-KR" altLang="en-US" sz="1800" dirty="0"/>
+              <a:t>서버와 </a:t>
+            </a:r>
+            <a:r>
+              <a:rPr lang="ko-KR" altLang="en-US" sz="1800" dirty="0" err="1"/>
+              <a:t>클라이언트간의</a:t>
+            </a:r>
+            <a:r>
+              <a:rPr lang="ko-KR" altLang="en-US" sz="1800" dirty="0"/>
+              <a:t> 동기화가 이루어지지 않아</a:t>
+            </a:r>
+            <a:endParaRPr lang="en-US" altLang="ko-KR" sz="1800" dirty="0"/>
+          </a:p>
+          <a:p>
+            <a:pPr marL="0" indent="0">
+              <a:buNone/>
+            </a:pPr>
+            <a:r>
+              <a:rPr lang="ko-KR" altLang="en-US" sz="1800" dirty="0"/>
+              <a:t>모델이 없는 클라이언트로 발표하여 구현 내용을 보여드리지 못함</a:t>
+            </a:r>
+          </a:p>
+        </p:txBody>
+      </p:sp>
+      <p:sp>
+        <p:nvSpPr>
+          <p:cNvPr id="4" name="내용 개체 틀 2">
+            <a:extLst>
+              <a:ext uri="{FF2B5EF4-FFF2-40B4-BE49-F238E27FC236}">
+                <a16:creationId xmlns:a16="http://schemas.microsoft.com/office/drawing/2014/main" id="{2AEF1747-ABF9-2A2B-0E06-E9BFBB0A83F6}"/>
+              </a:ext>
+            </a:extLst>
+          </p:cNvPr>
+          <p:cNvSpPr txBox="1">
+            <a:spLocks/>
+          </p:cNvSpPr>
+          <p:nvPr/>
+        </p:nvSpPr>
+        <p:spPr>
+          <a:xfrm>
+            <a:off x="6763109" y="2171769"/>
+            <a:ext cx="5040702" cy="1257231"/>
+          </a:xfrm>
+          <a:prstGeom prst="rect">
+            <a:avLst/>
+          </a:prstGeom>
+        </p:spPr>
+        <p:style>
+          <a:lnRef idx="2">
+            <a:schemeClr val="dk1"/>
+          </a:lnRef>
+          <a:fillRef idx="1">
+            <a:schemeClr val="lt1"/>
+          </a:fillRef>
+          <a:effectRef idx="0">
+            <a:schemeClr val="dk1"/>
+          </a:effectRef>
+          <a:fontRef idx="minor">
+            <a:schemeClr val="dk1"/>
+          </a:fontRef>
+        </p:style>
+        <p:txBody>
+          <a:bodyPr vert="horz" lIns="91440" tIns="45720" rIns="91440" bIns="45720" rtlCol="0" anchor="t">
+            <a:normAutofit/>
+          </a:bodyPr>
+          <a:lstStyle>
+            <a:lvl1pPr marL="228600" indent="-228600" algn="l" defTabSz="914400" rtl="0" eaLnBrk="1" latinLnBrk="1" hangingPunct="1">
+              <a:lnSpc>
+                <a:spcPct val="120000"/>
+              </a:lnSpc>
+              <a:spcBef>
+                <a:spcPts val="1000"/>
+              </a:spcBef>
+              <a:buClr>
+                <a:schemeClr val="accent1"/>
+              </a:buClr>
+              <a:buSzPct val="100000"/>
+              <a:buFont typeface="Arial" panose="020B0604020202020204" pitchFamily="34" charset="0"/>
+              <a:buChar char="•"/>
+              <a:defRPr sz="2000" kern="1200">
+                <a:solidFill>
+                  <a:schemeClr val="tx1"/>
+                </a:solidFill>
+                <a:effectLst/>
+                <a:latin typeface="+mn-lt"/>
+                <a:ea typeface="+mn-ea"/>
+                <a:cs typeface="+mn-cs"/>
+              </a:defRPr>
+            </a:lvl1pPr>
+            <a:lvl2pPr marL="685800" indent="-228600" algn="l" defTabSz="914400" rtl="0" eaLnBrk="1" latinLnBrk="1" hangingPunct="1">
+              <a:lnSpc>
+                <a:spcPct val="120000"/>
+              </a:lnSpc>
+              <a:spcBef>
+                <a:spcPts val="500"/>
+              </a:spcBef>
+              <a:buClr>
+                <a:schemeClr val="accent1"/>
+              </a:buClr>
+              <a:buSzPct val="100000"/>
+              <a:buFont typeface="Arial" panose="020B0604020202020204" pitchFamily="34" charset="0"/>
+              <a:buChar char="•"/>
+              <a:defRPr sz="1800" kern="1200" cap="none" baseline="0">
+                <a:solidFill>
+                  <a:schemeClr val="tx1"/>
+                </a:solidFill>
+                <a:effectLst/>
+                <a:latin typeface="+mn-lt"/>
+                <a:ea typeface="+mn-ea"/>
+                <a:cs typeface="+mn-cs"/>
+              </a:defRPr>
+            </a:lvl2pPr>
+            <a:lvl3pPr marL="1143000" indent="-228600" algn="l" defTabSz="914400" rtl="0" eaLnBrk="1" latinLnBrk="1" hangingPunct="1">
+              <a:lnSpc>
+                <a:spcPct val="120000"/>
+              </a:lnSpc>
+              <a:spcBef>
+                <a:spcPts val="500"/>
+              </a:spcBef>
+              <a:buClr>
+                <a:schemeClr val="accent1"/>
+              </a:buClr>
+              <a:buSzPct val="100000"/>
+              <a:buFont typeface="Arial" panose="020B0604020202020204" pitchFamily="34" charset="0"/>
+              <a:buChar char="•"/>
+              <a:defRPr sz="1600" kern="1200">
+                <a:solidFill>
+                  <a:schemeClr val="tx1"/>
+                </a:solidFill>
+                <a:effectLst/>
+                <a:latin typeface="+mn-lt"/>
+                <a:ea typeface="+mn-ea"/>
+                <a:cs typeface="+mn-cs"/>
+              </a:defRPr>
+            </a:lvl3pPr>
+            <a:lvl4pPr marL="1600200" indent="-228600" algn="l" defTabSz="914400" rtl="0" eaLnBrk="1" latinLnBrk="1" hangingPunct="1">
+              <a:lnSpc>
+                <a:spcPct val="120000"/>
+              </a:lnSpc>
+              <a:spcBef>
+                <a:spcPts val="500"/>
+              </a:spcBef>
+              <a:buClr>
+                <a:schemeClr val="accent1"/>
+              </a:buClr>
+              <a:buSzPct val="100000"/>
+              <a:buFont typeface="Arial" panose="020B0604020202020204" pitchFamily="34" charset="0"/>
+              <a:buChar char="•"/>
+              <a:defRPr sz="1400" kern="1200" cap="none" baseline="0">
+                <a:solidFill>
+                  <a:schemeClr val="tx1"/>
+                </a:solidFill>
+                <a:effectLst/>
+                <a:latin typeface="+mn-lt"/>
+                <a:ea typeface="+mn-ea"/>
+                <a:cs typeface="+mn-cs"/>
+              </a:defRPr>
+            </a:lvl4pPr>
+            <a:lvl5pPr marL="2057400" indent="-228600" algn="l" defTabSz="914400" rtl="0" eaLnBrk="1" latinLnBrk="1" hangingPunct="1">
+              <a:lnSpc>
+                <a:spcPct val="120000"/>
+              </a:lnSpc>
+              <a:spcBef>
+                <a:spcPts val="500"/>
+              </a:spcBef>
+              <a:buClr>
+                <a:schemeClr val="accent1"/>
+              </a:buClr>
+              <a:buSzPct val="100000"/>
+              <a:buFont typeface="Arial" panose="020B0604020202020204" pitchFamily="34" charset="0"/>
+              <a:buChar char="•"/>
+              <a:defRPr sz="1200" kern="1200">
+                <a:solidFill>
+                  <a:schemeClr val="tx1"/>
+                </a:solidFill>
+                <a:effectLst/>
+                <a:latin typeface="+mn-lt"/>
+                <a:ea typeface="+mn-ea"/>
+                <a:cs typeface="+mn-cs"/>
+              </a:defRPr>
+            </a:lvl5pPr>
+            <a:lvl6pPr marL="2514600" indent="-228600" algn="l" defTabSz="914400" rtl="0" eaLnBrk="1" latinLnBrk="1" hangingPunct="1">
+              <a:lnSpc>
+                <a:spcPct val="120000"/>
+              </a:lnSpc>
+              <a:spcBef>
+                <a:spcPts val="500"/>
+              </a:spcBef>
+              <a:buClr>
+                <a:schemeClr val="accent1"/>
+              </a:buClr>
+              <a:buSzPct val="100000"/>
+              <a:buFont typeface="Arial" panose="020B0604020202020204" pitchFamily="34" charset="0"/>
+              <a:buChar char="•"/>
+              <a:defRPr sz="1200" kern="1200">
+                <a:solidFill>
+                  <a:schemeClr val="tx1"/>
+                </a:solidFill>
+                <a:effectLst/>
+                <a:latin typeface="+mn-lt"/>
+                <a:ea typeface="+mn-ea"/>
+                <a:cs typeface="+mn-cs"/>
+              </a:defRPr>
+            </a:lvl6pPr>
+            <a:lvl7pPr marL="2971800" indent="-228600" algn="l" defTabSz="914400" rtl="0" eaLnBrk="1" latinLnBrk="1" hangingPunct="1">
+              <a:lnSpc>
+                <a:spcPct val="120000"/>
+              </a:lnSpc>
+              <a:spcBef>
+                <a:spcPts val="500"/>
+              </a:spcBef>
+              <a:buClr>
+                <a:schemeClr val="accent1"/>
+              </a:buClr>
+              <a:buSzPct val="100000"/>
+              <a:buFont typeface="Arial" panose="020B0604020202020204" pitchFamily="34" charset="0"/>
+              <a:buChar char="•"/>
+              <a:defRPr sz="1200" kern="1200">
+                <a:solidFill>
+                  <a:schemeClr val="tx1"/>
+                </a:solidFill>
+                <a:effectLst/>
+                <a:latin typeface="+mn-lt"/>
+                <a:ea typeface="+mn-ea"/>
+                <a:cs typeface="+mn-cs"/>
+              </a:defRPr>
+            </a:lvl7pPr>
+            <a:lvl8pPr marL="3429000" indent="-228600" algn="l" defTabSz="914400" rtl="0" eaLnBrk="1" latinLnBrk="1" hangingPunct="1">
+              <a:lnSpc>
+                <a:spcPct val="120000"/>
+              </a:lnSpc>
+              <a:spcBef>
+                <a:spcPts val="500"/>
+              </a:spcBef>
+              <a:buClr>
+                <a:schemeClr val="accent1"/>
+              </a:buClr>
+              <a:buSzPct val="100000"/>
+              <a:buFont typeface="Arial" panose="020B0604020202020204" pitchFamily="34" charset="0"/>
+              <a:buChar char="•"/>
+              <a:defRPr sz="1200" kern="1200" baseline="0">
+                <a:solidFill>
+                  <a:schemeClr val="tx1"/>
+                </a:solidFill>
+                <a:effectLst/>
+                <a:latin typeface="+mn-lt"/>
+                <a:ea typeface="+mn-ea"/>
+                <a:cs typeface="+mn-cs"/>
+              </a:defRPr>
+            </a:lvl8pPr>
+            <a:lvl9pPr marL="3886200" indent="-228600" algn="l" defTabSz="914400" rtl="0" eaLnBrk="1" latinLnBrk="1" hangingPunct="1">
+              <a:lnSpc>
+                <a:spcPct val="120000"/>
+              </a:lnSpc>
+              <a:spcBef>
+                <a:spcPts val="500"/>
+              </a:spcBef>
+              <a:buClr>
+                <a:schemeClr val="accent1"/>
+              </a:buClr>
+              <a:buSzPct val="100000"/>
+              <a:buFont typeface="Arial" panose="020B0604020202020204" pitchFamily="34" charset="0"/>
+              <a:buChar char="•"/>
+              <a:defRPr sz="1200" kern="1200" baseline="0">
+                <a:solidFill>
+                  <a:schemeClr val="tx1"/>
+                </a:solidFill>
+                <a:effectLst/>
+                <a:latin typeface="+mn-lt"/>
+                <a:ea typeface="+mn-ea"/>
+                <a:cs typeface="+mn-cs"/>
+              </a:defRPr>
+            </a:lvl9pPr>
+          </a:lstStyle>
+          <a:p>
+            <a:pPr marL="0" indent="0">
+              <a:buNone/>
+            </a:pPr>
+            <a:r>
+              <a:rPr lang="ko-KR" altLang="en-US" sz="1800" dirty="0"/>
+              <a:t>모델이 있는 클라이언트와 서버 동기화</a:t>
+            </a:r>
+          </a:p>
+        </p:txBody>
+      </p:sp>
+      <p:sp>
+        <p:nvSpPr>
+          <p:cNvPr id="5" name="화살표: 오른쪽 4">
+            <a:extLst>
+              <a:ext uri="{FF2B5EF4-FFF2-40B4-BE49-F238E27FC236}">
+                <a16:creationId xmlns:a16="http://schemas.microsoft.com/office/drawing/2014/main" id="{41001275-2309-62AA-B061-55101388CAD6}"/>
+              </a:ext>
+            </a:extLst>
+          </p:cNvPr>
+          <p:cNvSpPr/>
+          <p:nvPr/>
+        </p:nvSpPr>
+        <p:spPr>
+          <a:xfrm>
+            <a:off x="5676181" y="3562709"/>
+            <a:ext cx="707366" cy="483080"/>
+          </a:xfrm>
+          <a:prstGeom prst="rightArrow">
+            <a:avLst/>
+          </a:prstGeom>
+        </p:spPr>
+        <p:style>
+          <a:lnRef idx="2">
+            <a:schemeClr val="accent1">
+              <a:shade val="50000"/>
+            </a:schemeClr>
+          </a:lnRef>
+          <a:fillRef idx="1">
+            <a:schemeClr val="accent1"/>
+          </a:fillRef>
+          <a:effectRef idx="0">
+            <a:schemeClr val="accent1"/>
+          </a:effectRef>
+          <a:fontRef idx="minor">
+            <a:schemeClr val="lt1"/>
+          </a:fontRef>
+        </p:style>
+        <p:txBody>
+          <a:bodyPr rtlCol="0" anchor="ctr"/>
+          <a:lstStyle/>
+          <a:p>
+            <a:pPr algn="ctr"/>
+            <a:endParaRPr lang="ko-KR" altLang="en-US"/>
+          </a:p>
+        </p:txBody>
+      </p:sp>
+      <p:pic>
+        <p:nvPicPr>
+          <p:cNvPr id="6" name="그림 5">
+            <a:extLst>
+              <a:ext uri="{FF2B5EF4-FFF2-40B4-BE49-F238E27FC236}">
+                <a16:creationId xmlns:a16="http://schemas.microsoft.com/office/drawing/2014/main" id="{F1454DBF-564C-0ABF-43C6-58A5F5433D66}"/>
+              </a:ext>
+            </a:extLst>
+          </p:cNvPr>
+          <p:cNvPicPr>
+            <a:picLocks noChangeAspect="1"/>
+          </p:cNvPicPr>
+          <p:nvPr/>
+        </p:nvPicPr>
+        <p:blipFill>
+          <a:blip r:embed="rId2"/>
+          <a:stretch>
+            <a:fillRect/>
+          </a:stretch>
+        </p:blipFill>
+        <p:spPr>
+          <a:xfrm>
+            <a:off x="1009291" y="3598210"/>
+            <a:ext cx="3795622" cy="3024793"/>
+          </a:xfrm>
+          <a:prstGeom prst="rect">
+            <a:avLst/>
+          </a:prstGeom>
+        </p:spPr>
+      </p:pic>
+      <p:pic>
+        <p:nvPicPr>
+          <p:cNvPr id="7" name="그림 6">
+            <a:extLst>
+              <a:ext uri="{FF2B5EF4-FFF2-40B4-BE49-F238E27FC236}">
+                <a16:creationId xmlns:a16="http://schemas.microsoft.com/office/drawing/2014/main" id="{C02352C4-6672-328E-A82C-A25976D3CE2B}"/>
+              </a:ext>
+            </a:extLst>
+          </p:cNvPr>
+          <p:cNvPicPr>
+            <a:picLocks noChangeAspect="1"/>
+          </p:cNvPicPr>
+          <p:nvPr/>
+        </p:nvPicPr>
+        <p:blipFill>
+          <a:blip r:embed="rId3"/>
+          <a:stretch>
+            <a:fillRect/>
+          </a:stretch>
+        </p:blipFill>
+        <p:spPr>
+          <a:xfrm>
+            <a:off x="7566803" y="3584366"/>
+            <a:ext cx="3433313" cy="3052479"/>
+          </a:xfrm>
+          <a:prstGeom prst="rect">
+            <a:avLst/>
+          </a:prstGeom>
+        </p:spPr>
+      </p:pic>
+    </p:spTree>
+    <p:extLst>
+      <p:ext uri="{BB962C8B-B14F-4D97-AF65-F5344CB8AC3E}">
+        <p14:creationId xmlns:p14="http://schemas.microsoft.com/office/powerpoint/2010/main" val="1810842552"/>
+      </p:ext>
+    </p:extLst>
+  </p:cSld>
+  <p:clrMapOvr>
+    <a:masterClrMapping/>
+  </p:clrMapOvr>
+</p:sld>
+</file>
+
+<file path=ppt/slides/slide4.xml><?xml version="1.0" encoding="utf-8"?>
+<p:sld xmlns:a="http://schemas.openxmlformats.org/drawingml/2006/main" xmlns:r="http://schemas.openxmlformats.org/officeDocument/2006/relationships" xmlns:p="http://schemas.openxmlformats.org/presentationml/2006/main">
+  <p:cSld>
+    <p:spTree>
+      <p:nvGrpSpPr>
+        <p:cNvPr id="1" name=""/>
+        <p:cNvGrpSpPr/>
+        <p:nvPr/>
+      </p:nvGrpSpPr>
+      <p:grpSpPr>
+        <a:xfrm>
+          <a:off x="0" y="0"/>
+          <a:ext cx="0" cy="0"/>
+          <a:chOff x="0" y="0"/>
+          <a:chExt cx="0" cy="0"/>
+        </a:xfrm>
+      </p:grpSpPr>
+      <p:sp>
+        <p:nvSpPr>
+          <p:cNvPr id="2" name="제목 1">
+            <a:extLst>
+              <a:ext uri="{FF2B5EF4-FFF2-40B4-BE49-F238E27FC236}">
                 <a16:creationId xmlns:a16="http://schemas.microsoft.com/office/drawing/2014/main" id="{6C59B69F-DC1E-421B-8CFA-0DB804078FD5}"/>
               </a:ext>
             </a:extLst>
@@ -8220,6 +6350,19 @@
               <a:rPr lang="ko-KR" altLang="en-US" sz="4800" dirty="0"/>
               <a:t>개발내용</a:t>
             </a:r>
+            <a:r>
+              <a:rPr lang="en-US" altLang="ko-KR" sz="3600" dirty="0"/>
+              <a:t> (</a:t>
+            </a:r>
+            <a:r>
+              <a:rPr lang="ko-KR" altLang="en-US" sz="3600" dirty="0"/>
+              <a:t>컨텐츠</a:t>
+            </a:r>
+            <a:r>
+              <a:rPr lang="en-US" altLang="ko-KR" sz="3600" dirty="0"/>
+              <a:t>)</a:t>
+            </a:r>
+            <a:endParaRPr lang="ko-KR" altLang="en-US" sz="4800" dirty="0"/>
           </a:p>
         </p:txBody>
       </p:sp>
@@ -8714,7 +6857,23 @@
             </a:r>
             <a:r>
               <a:rPr lang="ko-KR" altLang="en-US" dirty="0"/>
-              <a:t>* 알고리즘 </a:t>
+              <a:t>* 알고리즘</a:t>
+            </a:r>
+            <a:r>
+              <a:rPr lang="en-US" altLang="ko-KR" dirty="0"/>
+              <a:t>, </a:t>
+            </a:r>
+            <a:r>
+              <a:rPr lang="ko-KR" altLang="en-US" dirty="0"/>
+              <a:t>몬스터 </a:t>
+            </a:r>
+            <a:r>
+              <a:rPr lang="en-US" altLang="ko-KR" dirty="0"/>
+              <a:t>UI</a:t>
+            </a:r>
+            <a:r>
+              <a:rPr lang="ko-KR" altLang="en-US" dirty="0"/>
+              <a:t> </a:t>
             </a:r>
             <a:endParaRPr lang="en-US" altLang="ko-KR" dirty="0"/>
           </a:p>
@@ -8732,21 +6891,40 @@
             </a:r>
             <a:r>
               <a:rPr lang="en-US" altLang="ko-KR" dirty="0"/>
+              <a:t> : 4</a:t>
+            </a:r>
+            <a:r>
+              <a:rPr lang="ko-KR" altLang="en-US" dirty="0"/>
+              <a:t>개의 직업</a:t>
+            </a:r>
+            <a:r>
+              <a:rPr lang="en-US" altLang="ko-KR" dirty="0"/>
               <a:t>, </a:t>
             </a:r>
             <a:r>
               <a:rPr lang="ko-KR" altLang="en-US" dirty="0"/>
-              <a:t>몬스터 </a:t>
+              <a:t>직업 별</a:t>
+            </a:r>
+            <a:r>
+              <a:rPr lang="en-US" altLang="ko-KR" dirty="0"/>
+              <a:t> </a:t>
+            </a:r>
+            <a:r>
+              <a:rPr lang="ko-KR" altLang="en-US" dirty="0"/>
+              <a:t>스킬</a:t>
+            </a:r>
+            <a:r>
+              <a:rPr lang="en-US" altLang="ko-KR" dirty="0"/>
+              <a:t>, </a:t>
+            </a:r>
+            <a:r>
+              <a:rPr lang="ko-KR" altLang="en-US" dirty="0"/>
+              <a:t>플레이어 </a:t>
             </a:r>
             <a:r>
               <a:rPr lang="en-US" altLang="ko-KR" dirty="0"/>
               <a:t>UI</a:t>
             </a:r>
-          </a:p>
-          <a:p>
-            <a:pPr marL="0" indent="0">
-              <a:buNone/>
-            </a:pPr>
             <a:r>
               <a:rPr lang="ko-KR" altLang="en-US" dirty="0"/>
               <a:t> </a:t>
@@ -8788,6 +6966,2131 @@
     <p:extLst>
       <p:ext uri="{BB962C8B-B14F-4D97-AF65-F5344CB8AC3E}">
         <p14:creationId xmlns:p14="http://schemas.microsoft.com/office/powerpoint/2010/main" val="2985883031"/>
+      </p:ext>
+    </p:extLst>
+  </p:cSld>
+  <p:clrMapOvr>
+    <a:masterClrMapping/>
+  </p:clrMapOvr>
+</p:sld>
+</file>
+
+<file path=ppt/slides/slide5.xml><?xml version="1.0" encoding="utf-8"?>
+<p:sld xmlns:a="http://schemas.openxmlformats.org/drawingml/2006/main" xmlns:r="http://schemas.openxmlformats.org/officeDocument/2006/relationships" xmlns:p="http://schemas.openxmlformats.org/presentationml/2006/main">
+  <p:cSld>
+    <p:spTree>
+      <p:nvGrpSpPr>
+        <p:cNvPr id="1" name=""/>
+        <p:cNvGrpSpPr/>
+        <p:nvPr/>
+      </p:nvGrpSpPr>
+      <p:grpSpPr>
+        <a:xfrm>
+          <a:off x="0" y="0"/>
+          <a:ext cx="0" cy="0"/>
+          <a:chOff x="0" y="0"/>
+          <a:chExt cx="0" cy="0"/>
+        </a:xfrm>
+      </p:grpSpPr>
+      <p:sp>
+        <p:nvSpPr>
+          <p:cNvPr id="2" name="제목 1">
+            <a:extLst>
+              <a:ext uri="{FF2B5EF4-FFF2-40B4-BE49-F238E27FC236}">
+                <a16:creationId xmlns:a16="http://schemas.microsoft.com/office/drawing/2014/main" id="{6C59B69F-DC1E-421B-8CFA-0DB804078FD5}"/>
+              </a:ext>
+            </a:extLst>
+          </p:cNvPr>
+          <p:cNvSpPr>
+            <a:spLocks noGrp="1"/>
+          </p:cNvSpPr>
+          <p:nvPr>
+            <p:ph type="title"/>
+          </p:nvPr>
+        </p:nvSpPr>
+        <p:spPr/>
+        <p:txBody>
+          <a:bodyPr>
+            <a:normAutofit/>
+          </a:bodyPr>
+          <a:lstStyle/>
+          <a:p>
+            <a:r>
+              <a:rPr lang="ko-KR" altLang="en-US" sz="4800" dirty="0"/>
+              <a:t>개발내용</a:t>
+            </a:r>
+            <a:r>
+              <a:rPr lang="en-US" altLang="ko-KR" sz="3600" dirty="0"/>
+              <a:t> (</a:t>
+            </a:r>
+            <a:r>
+              <a:rPr lang="ko-KR" altLang="en-US" sz="3600" dirty="0"/>
+              <a:t>컨텐츠</a:t>
+            </a:r>
+            <a:r>
+              <a:rPr lang="en-US" altLang="ko-KR" sz="3600" dirty="0"/>
+              <a:t>)</a:t>
+            </a:r>
+            <a:endParaRPr lang="ko-KR" altLang="en-US" sz="4800" dirty="0"/>
+          </a:p>
+        </p:txBody>
+      </p:sp>
+      <p:sp>
+        <p:nvSpPr>
+          <p:cNvPr id="3" name="내용 개체 틀 2">
+            <a:extLst>
+              <a:ext uri="{FF2B5EF4-FFF2-40B4-BE49-F238E27FC236}">
+                <a16:creationId xmlns:a16="http://schemas.microsoft.com/office/drawing/2014/main" id="{9CD4F54B-85C3-4044-B42C-FE1CB2A76D6F}"/>
+              </a:ext>
+            </a:extLst>
+          </p:cNvPr>
+          <p:cNvSpPr>
+            <a:spLocks noGrp="1"/>
+          </p:cNvSpPr>
+          <p:nvPr>
+            <p:ph idx="1"/>
+          </p:nvPr>
+        </p:nvSpPr>
+        <p:spPr>
+          <a:xfrm>
+            <a:off x="1130270" y="2171769"/>
+            <a:ext cx="9603275" cy="414413"/>
+          </a:xfrm>
+        </p:spPr>
+        <p:txBody>
+          <a:bodyPr>
+            <a:normAutofit lnSpcReduction="10000"/>
+          </a:bodyPr>
+          <a:lstStyle/>
+          <a:p>
+            <a:r>
+              <a:rPr lang="ko-KR" altLang="en-US" dirty="0" err="1"/>
+              <a:t>파티창</a:t>
+            </a:r>
+            <a:r>
+              <a:rPr lang="ko-KR" altLang="en-US" dirty="0"/>
+              <a:t> </a:t>
+            </a:r>
+            <a:r>
+              <a:rPr lang="en-US" altLang="ko-KR" dirty="0"/>
+              <a:t>– </a:t>
+            </a:r>
+            <a:r>
+              <a:rPr lang="ko-KR" altLang="en-US" dirty="0"/>
+              <a:t>방 만들기</a:t>
+            </a:r>
+            <a:r>
+              <a:rPr lang="en-US" altLang="ko-KR" dirty="0"/>
+              <a:t>, </a:t>
+            </a:r>
+            <a:r>
+              <a:rPr lang="ko-KR" altLang="en-US" dirty="0"/>
+              <a:t>방</a:t>
+            </a:r>
+            <a:r>
+              <a:rPr lang="en-US" altLang="ko-KR" dirty="0"/>
+              <a:t> </a:t>
+            </a:r>
+            <a:r>
+              <a:rPr lang="ko-KR" altLang="en-US" dirty="0"/>
+              <a:t>나가기</a:t>
+            </a:r>
+            <a:r>
+              <a:rPr lang="en-US" altLang="ko-KR" dirty="0"/>
+              <a:t>, </a:t>
+            </a:r>
+            <a:r>
+              <a:rPr lang="ko-KR" altLang="en-US" dirty="0"/>
+              <a:t>파티 초대</a:t>
+            </a:r>
+            <a:r>
+              <a:rPr lang="en-US" altLang="ko-KR" dirty="0"/>
+              <a:t>, AI </a:t>
+            </a:r>
+            <a:r>
+              <a:rPr lang="ko-KR" altLang="en-US" dirty="0"/>
+              <a:t>넣기 </a:t>
+            </a:r>
+          </a:p>
+        </p:txBody>
+      </p:sp>
+      <p:pic>
+        <p:nvPicPr>
+          <p:cNvPr id="5" name="그림 4">
+            <a:extLst>
+              <a:ext uri="{FF2B5EF4-FFF2-40B4-BE49-F238E27FC236}">
+                <a16:creationId xmlns:a16="http://schemas.microsoft.com/office/drawing/2014/main" id="{ADC671A1-B749-54A8-9203-9510DA0FFB86}"/>
+              </a:ext>
+            </a:extLst>
+          </p:cNvPr>
+          <p:cNvPicPr>
+            <a:picLocks noChangeAspect="1"/>
+          </p:cNvPicPr>
+          <p:nvPr/>
+        </p:nvPicPr>
+        <p:blipFill>
+          <a:blip r:embed="rId2"/>
+          <a:stretch>
+            <a:fillRect/>
+          </a:stretch>
+        </p:blipFill>
+        <p:spPr>
+          <a:xfrm>
+            <a:off x="1130270" y="2696135"/>
+            <a:ext cx="4068432" cy="3248288"/>
+          </a:xfrm>
+          <a:prstGeom prst="rect">
+            <a:avLst/>
+          </a:prstGeom>
+        </p:spPr>
+      </p:pic>
+      <p:pic>
+        <p:nvPicPr>
+          <p:cNvPr id="9" name="그림 8">
+            <a:extLst>
+              <a:ext uri="{FF2B5EF4-FFF2-40B4-BE49-F238E27FC236}">
+                <a16:creationId xmlns:a16="http://schemas.microsoft.com/office/drawing/2014/main" id="{16E20FE2-114F-2627-14C4-C449E0C80C81}"/>
+              </a:ext>
+            </a:extLst>
+          </p:cNvPr>
+          <p:cNvPicPr>
+            <a:picLocks noChangeAspect="1"/>
+          </p:cNvPicPr>
+          <p:nvPr/>
+        </p:nvPicPr>
+        <p:blipFill>
+          <a:blip r:embed="rId3"/>
+          <a:stretch>
+            <a:fillRect/>
+          </a:stretch>
+        </p:blipFill>
+        <p:spPr>
+          <a:xfrm>
+            <a:off x="6665113" y="2696134"/>
+            <a:ext cx="4068432" cy="3239441"/>
+          </a:xfrm>
+          <a:prstGeom prst="rect">
+            <a:avLst/>
+          </a:prstGeom>
+        </p:spPr>
+      </p:pic>
+    </p:spTree>
+    <p:extLst>
+      <p:ext uri="{BB962C8B-B14F-4D97-AF65-F5344CB8AC3E}">
+        <p14:creationId xmlns:p14="http://schemas.microsoft.com/office/powerpoint/2010/main" val="4027774744"/>
+      </p:ext>
+    </p:extLst>
+  </p:cSld>
+  <p:clrMapOvr>
+    <a:masterClrMapping/>
+  </p:clrMapOvr>
+</p:sld>
+</file>
+
+<file path=ppt/slides/slide6.xml><?xml version="1.0" encoding="utf-8"?>
+<p:sld xmlns:a="http://schemas.openxmlformats.org/drawingml/2006/main" xmlns:r="http://schemas.openxmlformats.org/officeDocument/2006/relationships" xmlns:p="http://schemas.openxmlformats.org/presentationml/2006/main">
+  <p:cSld>
+    <p:spTree>
+      <p:nvGrpSpPr>
+        <p:cNvPr id="1" name=""/>
+        <p:cNvGrpSpPr/>
+        <p:nvPr/>
+      </p:nvGrpSpPr>
+      <p:grpSpPr>
+        <a:xfrm>
+          <a:off x="0" y="0"/>
+          <a:ext cx="0" cy="0"/>
+          <a:chOff x="0" y="0"/>
+          <a:chExt cx="0" cy="0"/>
+        </a:xfrm>
+      </p:grpSpPr>
+      <p:sp>
+        <p:nvSpPr>
+          <p:cNvPr id="2" name="제목 1">
+            <a:extLst>
+              <a:ext uri="{FF2B5EF4-FFF2-40B4-BE49-F238E27FC236}">
+                <a16:creationId xmlns:a16="http://schemas.microsoft.com/office/drawing/2014/main" id="{6C59B69F-DC1E-421B-8CFA-0DB804078FD5}"/>
+              </a:ext>
+            </a:extLst>
+          </p:cNvPr>
+          <p:cNvSpPr>
+            <a:spLocks noGrp="1"/>
+          </p:cNvSpPr>
+          <p:nvPr>
+            <p:ph type="title"/>
+          </p:nvPr>
+        </p:nvSpPr>
+        <p:spPr/>
+        <p:txBody>
+          <a:bodyPr>
+            <a:normAutofit/>
+          </a:bodyPr>
+          <a:lstStyle/>
+          <a:p>
+            <a:r>
+              <a:rPr lang="ko-KR" altLang="en-US" sz="4800" dirty="0"/>
+              <a:t>개발내용</a:t>
+            </a:r>
+            <a:r>
+              <a:rPr lang="en-US" altLang="ko-KR" sz="3600" dirty="0"/>
+              <a:t> (</a:t>
+            </a:r>
+            <a:r>
+              <a:rPr lang="ko-KR" altLang="en-US" sz="3600" dirty="0"/>
+              <a:t>컨텐츠</a:t>
+            </a:r>
+            <a:r>
+              <a:rPr lang="en-US" altLang="ko-KR" sz="3600" dirty="0"/>
+              <a:t>)</a:t>
+            </a:r>
+            <a:endParaRPr lang="ko-KR" altLang="en-US" sz="4800" dirty="0"/>
+          </a:p>
+        </p:txBody>
+      </p:sp>
+      <p:sp>
+        <p:nvSpPr>
+          <p:cNvPr id="8" name="내용 개체 틀 2">
+            <a:extLst>
+              <a:ext uri="{FF2B5EF4-FFF2-40B4-BE49-F238E27FC236}">
+                <a16:creationId xmlns:a16="http://schemas.microsoft.com/office/drawing/2014/main" id="{E82464E9-8183-4469-86B2-D8BC1DC47527}"/>
+              </a:ext>
+            </a:extLst>
+          </p:cNvPr>
+          <p:cNvSpPr txBox="1">
+            <a:spLocks/>
+          </p:cNvSpPr>
+          <p:nvPr/>
+        </p:nvSpPr>
+        <p:spPr>
+          <a:xfrm>
+            <a:off x="1130270" y="2171769"/>
+            <a:ext cx="9603275" cy="414413"/>
+          </a:xfrm>
+          <a:prstGeom prst="rect">
+            <a:avLst/>
+          </a:prstGeom>
+        </p:spPr>
+        <p:txBody>
+          <a:bodyPr vert="horz" lIns="91440" tIns="45720" rIns="91440" bIns="45720" rtlCol="0" anchor="t">
+            <a:normAutofit fontScale="85000" lnSpcReduction="10000"/>
+          </a:bodyPr>
+          <a:lstStyle>
+            <a:lvl1pPr marL="228600" indent="-228600" algn="l" defTabSz="914400" rtl="0" eaLnBrk="1" latinLnBrk="1" hangingPunct="1">
+              <a:lnSpc>
+                <a:spcPct val="120000"/>
+              </a:lnSpc>
+              <a:spcBef>
+                <a:spcPts val="1000"/>
+              </a:spcBef>
+              <a:buClr>
+                <a:schemeClr val="accent1"/>
+              </a:buClr>
+              <a:buSzPct val="100000"/>
+              <a:buFont typeface="Arial" panose="020B0604020202020204" pitchFamily="34" charset="0"/>
+              <a:buChar char="•"/>
+              <a:defRPr sz="2000" kern="1200">
+                <a:solidFill>
+                  <a:schemeClr val="tx1"/>
+                </a:solidFill>
+                <a:effectLst/>
+                <a:latin typeface="+mn-lt"/>
+                <a:ea typeface="+mn-ea"/>
+                <a:cs typeface="+mn-cs"/>
+              </a:defRPr>
+            </a:lvl1pPr>
+            <a:lvl2pPr marL="685800" indent="-228600" algn="l" defTabSz="914400" rtl="0" eaLnBrk="1" latinLnBrk="1" hangingPunct="1">
+              <a:lnSpc>
+                <a:spcPct val="120000"/>
+              </a:lnSpc>
+              <a:spcBef>
+                <a:spcPts val="500"/>
+              </a:spcBef>
+              <a:buClr>
+                <a:schemeClr val="accent1"/>
+              </a:buClr>
+              <a:buSzPct val="100000"/>
+              <a:buFont typeface="Arial" panose="020B0604020202020204" pitchFamily="34" charset="0"/>
+              <a:buChar char="•"/>
+              <a:defRPr sz="1800" kern="1200" cap="none" baseline="0">
+                <a:solidFill>
+                  <a:schemeClr val="tx1"/>
+                </a:solidFill>
+                <a:effectLst/>
+                <a:latin typeface="+mn-lt"/>
+                <a:ea typeface="+mn-ea"/>
+                <a:cs typeface="+mn-cs"/>
+              </a:defRPr>
+            </a:lvl2pPr>
+            <a:lvl3pPr marL="1143000" indent="-228600" algn="l" defTabSz="914400" rtl="0" eaLnBrk="1" latinLnBrk="1" hangingPunct="1">
+              <a:lnSpc>
+                <a:spcPct val="120000"/>
+              </a:lnSpc>
+              <a:spcBef>
+                <a:spcPts val="500"/>
+              </a:spcBef>
+              <a:buClr>
+                <a:schemeClr val="accent1"/>
+              </a:buClr>
+              <a:buSzPct val="100000"/>
+              <a:buFont typeface="Arial" panose="020B0604020202020204" pitchFamily="34" charset="0"/>
+              <a:buChar char="•"/>
+              <a:defRPr sz="1600" kern="1200">
+                <a:solidFill>
+                  <a:schemeClr val="tx1"/>
+                </a:solidFill>
+                <a:effectLst/>
+                <a:latin typeface="+mn-lt"/>
+                <a:ea typeface="+mn-ea"/>
+                <a:cs typeface="+mn-cs"/>
+              </a:defRPr>
+            </a:lvl3pPr>
+            <a:lvl4pPr marL="1600200" indent="-228600" algn="l" defTabSz="914400" rtl="0" eaLnBrk="1" latinLnBrk="1" hangingPunct="1">
+              <a:lnSpc>
+                <a:spcPct val="120000"/>
+              </a:lnSpc>
+              <a:spcBef>
+                <a:spcPts val="500"/>
+              </a:spcBef>
+              <a:buClr>
+                <a:schemeClr val="accent1"/>
+              </a:buClr>
+              <a:buSzPct val="100000"/>
+              <a:buFont typeface="Arial" panose="020B0604020202020204" pitchFamily="34" charset="0"/>
+              <a:buChar char="•"/>
+              <a:defRPr sz="1400" kern="1200" cap="none" baseline="0">
+                <a:solidFill>
+                  <a:schemeClr val="tx1"/>
+                </a:solidFill>
+                <a:effectLst/>
+                <a:latin typeface="+mn-lt"/>
+                <a:ea typeface="+mn-ea"/>
+                <a:cs typeface="+mn-cs"/>
+              </a:defRPr>
+            </a:lvl4pPr>
+            <a:lvl5pPr marL="2057400" indent="-228600" algn="l" defTabSz="914400" rtl="0" eaLnBrk="1" latinLnBrk="1" hangingPunct="1">
+              <a:lnSpc>
+                <a:spcPct val="120000"/>
+              </a:lnSpc>
+              <a:spcBef>
+                <a:spcPts val="500"/>
+              </a:spcBef>
+              <a:buClr>
+                <a:schemeClr val="accent1"/>
+              </a:buClr>
+              <a:buSzPct val="100000"/>
+              <a:buFont typeface="Arial" panose="020B0604020202020204" pitchFamily="34" charset="0"/>
+              <a:buChar char="•"/>
+              <a:defRPr sz="1200" kern="1200">
+                <a:solidFill>
+                  <a:schemeClr val="tx1"/>
+                </a:solidFill>
+                <a:effectLst/>
+                <a:latin typeface="+mn-lt"/>
+                <a:ea typeface="+mn-ea"/>
+                <a:cs typeface="+mn-cs"/>
+              </a:defRPr>
+            </a:lvl5pPr>
+            <a:lvl6pPr marL="2514600" indent="-228600" algn="l" defTabSz="914400" rtl="0" eaLnBrk="1" latinLnBrk="1" hangingPunct="1">
+              <a:lnSpc>
+                <a:spcPct val="120000"/>
+              </a:lnSpc>
+              <a:spcBef>
+                <a:spcPts val="500"/>
+              </a:spcBef>
+              <a:buClr>
+                <a:schemeClr val="accent1"/>
+              </a:buClr>
+              <a:buSzPct val="100000"/>
+              <a:buFont typeface="Arial" panose="020B0604020202020204" pitchFamily="34" charset="0"/>
+              <a:buChar char="•"/>
+              <a:defRPr sz="1200" kern="1200">
+                <a:solidFill>
+                  <a:schemeClr val="tx1"/>
+                </a:solidFill>
+                <a:effectLst/>
+                <a:latin typeface="+mn-lt"/>
+                <a:ea typeface="+mn-ea"/>
+                <a:cs typeface="+mn-cs"/>
+              </a:defRPr>
+            </a:lvl6pPr>
+            <a:lvl7pPr marL="2971800" indent="-228600" algn="l" defTabSz="914400" rtl="0" eaLnBrk="1" latinLnBrk="1" hangingPunct="1">
+              <a:lnSpc>
+                <a:spcPct val="120000"/>
+              </a:lnSpc>
+              <a:spcBef>
+                <a:spcPts val="500"/>
+              </a:spcBef>
+              <a:buClr>
+                <a:schemeClr val="accent1"/>
+              </a:buClr>
+              <a:buSzPct val="100000"/>
+              <a:buFont typeface="Arial" panose="020B0604020202020204" pitchFamily="34" charset="0"/>
+              <a:buChar char="•"/>
+              <a:defRPr sz="1200" kern="1200">
+                <a:solidFill>
+                  <a:schemeClr val="tx1"/>
+                </a:solidFill>
+                <a:effectLst/>
+                <a:latin typeface="+mn-lt"/>
+                <a:ea typeface="+mn-ea"/>
+                <a:cs typeface="+mn-cs"/>
+              </a:defRPr>
+            </a:lvl7pPr>
+            <a:lvl8pPr marL="3429000" indent="-228600" algn="l" defTabSz="914400" rtl="0" eaLnBrk="1" latinLnBrk="1" hangingPunct="1">
+              <a:lnSpc>
+                <a:spcPct val="120000"/>
+              </a:lnSpc>
+              <a:spcBef>
+                <a:spcPts val="500"/>
+              </a:spcBef>
+              <a:buClr>
+                <a:schemeClr val="accent1"/>
+              </a:buClr>
+              <a:buSzPct val="100000"/>
+              <a:buFont typeface="Arial" panose="020B0604020202020204" pitchFamily="34" charset="0"/>
+              <a:buChar char="•"/>
+              <a:defRPr sz="1200" kern="1200" baseline="0">
+                <a:solidFill>
+                  <a:schemeClr val="tx1"/>
+                </a:solidFill>
+                <a:effectLst/>
+                <a:latin typeface="+mn-lt"/>
+                <a:ea typeface="+mn-ea"/>
+                <a:cs typeface="+mn-cs"/>
+              </a:defRPr>
+            </a:lvl8pPr>
+            <a:lvl9pPr marL="3886200" indent="-228600" algn="l" defTabSz="914400" rtl="0" eaLnBrk="1" latinLnBrk="1" hangingPunct="1">
+              <a:lnSpc>
+                <a:spcPct val="120000"/>
+              </a:lnSpc>
+              <a:spcBef>
+                <a:spcPts val="500"/>
+              </a:spcBef>
+              <a:buClr>
+                <a:schemeClr val="accent1"/>
+              </a:buClr>
+              <a:buSzPct val="100000"/>
+              <a:buFont typeface="Arial" panose="020B0604020202020204" pitchFamily="34" charset="0"/>
+              <a:buChar char="•"/>
+              <a:defRPr sz="1200" kern="1200" baseline="0">
+                <a:solidFill>
+                  <a:schemeClr val="tx1"/>
+                </a:solidFill>
+                <a:effectLst/>
+                <a:latin typeface="+mn-lt"/>
+                <a:ea typeface="+mn-ea"/>
+                <a:cs typeface="+mn-cs"/>
+              </a:defRPr>
+            </a:lvl9pPr>
+          </a:lstStyle>
+          <a:p>
+            <a:r>
+              <a:rPr lang="ko-KR" altLang="en-US" dirty="0"/>
+              <a:t>레이드</a:t>
+            </a:r>
+            <a:r>
+              <a:rPr lang="en-US" altLang="ko-KR" dirty="0"/>
+              <a:t>(</a:t>
+            </a:r>
+            <a:r>
+              <a:rPr lang="ko-KR" altLang="en-US" dirty="0" err="1"/>
+              <a:t>인던</a:t>
+            </a:r>
+            <a:r>
+              <a:rPr lang="en-US" altLang="ko-KR" dirty="0"/>
+              <a:t>) – </a:t>
+            </a:r>
+            <a:r>
+              <a:rPr lang="ko-KR" altLang="en-US" dirty="0"/>
+              <a:t>보스 몬스터 움직임</a:t>
+            </a:r>
+            <a:r>
+              <a:rPr lang="en-US" altLang="ko-KR" dirty="0"/>
+              <a:t>, </a:t>
+            </a:r>
+            <a:r>
+              <a:rPr lang="ko-KR" altLang="en-US" dirty="0"/>
+              <a:t>패턴 공격</a:t>
+            </a:r>
+            <a:r>
+              <a:rPr lang="en-US" altLang="ko-KR" dirty="0"/>
+              <a:t>/</a:t>
+            </a:r>
+            <a:r>
+              <a:rPr lang="ko-KR" altLang="en-US" dirty="0"/>
+              <a:t>동료 </a:t>
+            </a:r>
+            <a:r>
+              <a:rPr lang="en-US" altLang="ko-KR" dirty="0"/>
+              <a:t>AI </a:t>
+            </a:r>
+            <a:r>
+              <a:rPr lang="ko-KR" altLang="en-US" dirty="0"/>
+              <a:t>움직임</a:t>
+            </a:r>
+            <a:r>
+              <a:rPr lang="en-US" altLang="ko-KR" dirty="0"/>
+              <a:t>, </a:t>
+            </a:r>
+            <a:r>
+              <a:rPr lang="ko-KR" altLang="en-US" dirty="0"/>
+              <a:t>공격</a:t>
+            </a:r>
+            <a:r>
+              <a:rPr lang="en-US" altLang="ko-KR" dirty="0"/>
+              <a:t>, </a:t>
+            </a:r>
+            <a:r>
+              <a:rPr lang="ko-KR" altLang="en-US" dirty="0"/>
+              <a:t>사망처리</a:t>
+            </a:r>
+            <a:r>
+              <a:rPr lang="en-US" altLang="ko-KR" dirty="0"/>
+              <a:t>(</a:t>
+            </a:r>
+            <a:r>
+              <a:rPr lang="ko-KR" altLang="en-US" dirty="0"/>
+              <a:t>시야처리</a:t>
+            </a:r>
+            <a:r>
+              <a:rPr lang="en-US" altLang="ko-KR" dirty="0"/>
+              <a:t>)</a:t>
+            </a:r>
+            <a:r>
+              <a:rPr lang="ko-KR" altLang="en-US" dirty="0"/>
+              <a:t>  </a:t>
+            </a:r>
+          </a:p>
+        </p:txBody>
+      </p:sp>
+      <p:pic>
+        <p:nvPicPr>
+          <p:cNvPr id="5" name="그림 4">
+            <a:extLst>
+              <a:ext uri="{FF2B5EF4-FFF2-40B4-BE49-F238E27FC236}">
+                <a16:creationId xmlns:a16="http://schemas.microsoft.com/office/drawing/2014/main" id="{7BCEEC1F-B952-1205-0171-6E8004B5A47F}"/>
+              </a:ext>
+            </a:extLst>
+          </p:cNvPr>
+          <p:cNvPicPr>
+            <a:picLocks noChangeAspect="1"/>
+          </p:cNvPicPr>
+          <p:nvPr/>
+        </p:nvPicPr>
+        <p:blipFill>
+          <a:blip r:embed="rId2"/>
+          <a:stretch>
+            <a:fillRect/>
+          </a:stretch>
+        </p:blipFill>
+        <p:spPr>
+          <a:xfrm>
+            <a:off x="3755014" y="2651033"/>
+            <a:ext cx="4105131" cy="3241571"/>
+          </a:xfrm>
+          <a:prstGeom prst="rect">
+            <a:avLst/>
+          </a:prstGeom>
+        </p:spPr>
+      </p:pic>
+    </p:spTree>
+    <p:extLst>
+      <p:ext uri="{BB962C8B-B14F-4D97-AF65-F5344CB8AC3E}">
+        <p14:creationId xmlns:p14="http://schemas.microsoft.com/office/powerpoint/2010/main" val="2967537767"/>
+      </p:ext>
+    </p:extLst>
+  </p:cSld>
+  <p:clrMapOvr>
+    <a:masterClrMapping/>
+  </p:clrMapOvr>
+</p:sld>
+</file>
+
+<file path=ppt/slides/slide7.xml><?xml version="1.0" encoding="utf-8"?>
+<p:sld xmlns:a="http://schemas.openxmlformats.org/drawingml/2006/main" xmlns:r="http://schemas.openxmlformats.org/officeDocument/2006/relationships" xmlns:p="http://schemas.openxmlformats.org/presentationml/2006/main">
+  <p:cSld>
+    <p:spTree>
+      <p:nvGrpSpPr>
+        <p:cNvPr id="1" name=""/>
+        <p:cNvGrpSpPr/>
+        <p:nvPr/>
+      </p:nvGrpSpPr>
+      <p:grpSpPr>
+        <a:xfrm>
+          <a:off x="0" y="0"/>
+          <a:ext cx="0" cy="0"/>
+          <a:chOff x="0" y="0"/>
+          <a:chExt cx="0" cy="0"/>
+        </a:xfrm>
+      </p:grpSpPr>
+      <p:sp>
+        <p:nvSpPr>
+          <p:cNvPr id="2" name="제목 1">
+            <a:extLst>
+              <a:ext uri="{FF2B5EF4-FFF2-40B4-BE49-F238E27FC236}">
+                <a16:creationId xmlns:a16="http://schemas.microsoft.com/office/drawing/2014/main" id="{83CAA821-8512-471F-9F78-3A8A381382CC}"/>
+              </a:ext>
+            </a:extLst>
+          </p:cNvPr>
+          <p:cNvSpPr>
+            <a:spLocks noGrp="1"/>
+          </p:cNvSpPr>
+          <p:nvPr>
+            <p:ph type="title"/>
+          </p:nvPr>
+        </p:nvSpPr>
+        <p:spPr/>
+        <p:txBody>
+          <a:bodyPr>
+            <a:normAutofit/>
+          </a:bodyPr>
+          <a:lstStyle/>
+          <a:p>
+            <a:r>
+              <a:rPr lang="ko-KR" altLang="en-US" sz="4800" dirty="0"/>
+              <a:t>개요</a:t>
+            </a:r>
+            <a:r>
+              <a:rPr lang="en-US" altLang="ko-KR" sz="2400" dirty="0"/>
+              <a:t>(</a:t>
+            </a:r>
+            <a:r>
+              <a:rPr lang="ko-KR" altLang="en-US" sz="2400" dirty="0"/>
+              <a:t>게임 소개</a:t>
+            </a:r>
+            <a:r>
+              <a:rPr lang="en-US" altLang="ko-KR" sz="2400" dirty="0"/>
+              <a:t>)</a:t>
+            </a:r>
+            <a:endParaRPr lang="ko-KR" altLang="en-US" sz="4800" dirty="0"/>
+          </a:p>
+        </p:txBody>
+      </p:sp>
+      <p:sp>
+        <p:nvSpPr>
+          <p:cNvPr id="3" name="내용 개체 틀 2">
+            <a:extLst>
+              <a:ext uri="{FF2B5EF4-FFF2-40B4-BE49-F238E27FC236}">
+                <a16:creationId xmlns:a16="http://schemas.microsoft.com/office/drawing/2014/main" id="{8219E1B8-E693-4266-AD1C-8F9779CC7938}"/>
+              </a:ext>
+            </a:extLst>
+          </p:cNvPr>
+          <p:cNvSpPr>
+            <a:spLocks noGrp="1"/>
+          </p:cNvSpPr>
+          <p:nvPr>
+            <p:ph idx="1"/>
+          </p:nvPr>
+        </p:nvSpPr>
+        <p:spPr/>
+        <p:txBody>
+          <a:bodyPr/>
+          <a:lstStyle/>
+          <a:p>
+            <a:r>
+              <a:rPr lang="en-US" altLang="ko-KR" dirty="0"/>
+              <a:t>SSU</a:t>
+            </a:r>
+            <a:r>
+              <a:rPr lang="ko-KR" altLang="en-US" dirty="0"/>
+              <a:t> </a:t>
+            </a:r>
+            <a:r>
+              <a:rPr lang="en-US" altLang="ko-KR" dirty="0"/>
+              <a:t>:</a:t>
+            </a:r>
+            <a:r>
+              <a:rPr lang="ko-KR" altLang="en-US" dirty="0"/>
+              <a:t> </a:t>
+            </a:r>
+            <a:r>
+              <a:rPr lang="en-US" altLang="ko-KR" dirty="0"/>
+              <a:t>Solar</a:t>
+            </a:r>
+            <a:r>
+              <a:rPr lang="ko-KR" altLang="en-US" dirty="0"/>
+              <a:t> </a:t>
+            </a:r>
+            <a:r>
+              <a:rPr lang="en-US" altLang="ko-KR" dirty="0"/>
+              <a:t>System</a:t>
+            </a:r>
+            <a:r>
+              <a:rPr lang="ko-KR" altLang="en-US" dirty="0"/>
+              <a:t> </a:t>
+            </a:r>
+            <a:r>
+              <a:rPr lang="en-US" altLang="ko-KR" dirty="0"/>
+              <a:t>Universe</a:t>
+            </a:r>
+          </a:p>
+          <a:p>
+            <a:r>
+              <a:rPr lang="ko-KR" altLang="en-US" dirty="0"/>
+              <a:t>장르 </a:t>
+            </a:r>
+            <a:r>
+              <a:rPr lang="en-US" altLang="ko-KR" dirty="0"/>
+              <a:t>: MMORPG</a:t>
+            </a:r>
+          </a:p>
+          <a:p>
+            <a:r>
+              <a:rPr lang="ko-KR" altLang="en-US" dirty="0"/>
+              <a:t>오픈월드에서 몬스터를 잡아 경험치를 얻고 레이드</a:t>
+            </a:r>
+            <a:r>
+              <a:rPr lang="en-US" altLang="ko-KR" dirty="0"/>
+              <a:t>(</a:t>
+            </a:r>
+            <a:r>
+              <a:rPr lang="ko-KR" altLang="en-US" dirty="0"/>
+              <a:t>보스</a:t>
+            </a:r>
+            <a:r>
+              <a:rPr lang="en-US" altLang="ko-KR" dirty="0"/>
+              <a:t>)</a:t>
+            </a:r>
+            <a:r>
+              <a:rPr lang="ko-KR" altLang="en-US" dirty="0"/>
+              <a:t>를 공략한다</a:t>
+            </a:r>
+            <a:r>
+              <a:rPr lang="en-US" altLang="ko-KR" dirty="0"/>
+              <a:t>.</a:t>
+            </a:r>
+          </a:p>
+          <a:p>
+            <a:r>
+              <a:rPr lang="ko-KR" altLang="en-US" dirty="0" err="1"/>
+              <a:t>유저간의</a:t>
+            </a:r>
+            <a:r>
+              <a:rPr lang="ko-KR" altLang="en-US" dirty="0"/>
+              <a:t> 대전을 통하여 재미를 느낄 수 있도록 한다</a:t>
+            </a:r>
+            <a:endParaRPr lang="en-US" altLang="ko-KR" dirty="0"/>
+          </a:p>
+          <a:p>
+            <a:r>
+              <a:rPr lang="ko-KR" altLang="en-US" dirty="0"/>
+              <a:t>속성별 상성 효과</a:t>
+            </a:r>
+          </a:p>
+        </p:txBody>
+      </p:sp>
+    </p:spTree>
+    <p:extLst>
+      <p:ext uri="{BB962C8B-B14F-4D97-AF65-F5344CB8AC3E}">
+        <p14:creationId xmlns:p14="http://schemas.microsoft.com/office/powerpoint/2010/main" val="3455349120"/>
+      </p:ext>
+    </p:extLst>
+  </p:cSld>
+  <p:clrMapOvr>
+    <a:masterClrMapping/>
+  </p:clrMapOvr>
+</p:sld>
+</file>
+
+<file path=ppt/slides/slide8.xml><?xml version="1.0" encoding="utf-8"?>
+<p:sld xmlns:a="http://schemas.openxmlformats.org/drawingml/2006/main" xmlns:r="http://schemas.openxmlformats.org/officeDocument/2006/relationships" xmlns:p="http://schemas.openxmlformats.org/presentationml/2006/main">
+  <p:cSld>
+    <p:spTree>
+      <p:nvGrpSpPr>
+        <p:cNvPr id="1" name=""/>
+        <p:cNvGrpSpPr/>
+        <p:nvPr/>
+      </p:nvGrpSpPr>
+      <p:grpSpPr>
+        <a:xfrm>
+          <a:off x="0" y="0"/>
+          <a:ext cx="0" cy="0"/>
+          <a:chOff x="0" y="0"/>
+          <a:chExt cx="0" cy="0"/>
+        </a:xfrm>
+      </p:grpSpPr>
+      <p:sp>
+        <p:nvSpPr>
+          <p:cNvPr id="2" name="제목 1">
+            <a:extLst>
+              <a:ext uri="{FF2B5EF4-FFF2-40B4-BE49-F238E27FC236}">
+                <a16:creationId xmlns:a16="http://schemas.microsoft.com/office/drawing/2014/main" id="{DAC74A96-AB27-48E7-823D-485D75EA6D59}"/>
+              </a:ext>
+            </a:extLst>
+          </p:cNvPr>
+          <p:cNvSpPr>
+            <a:spLocks noGrp="1"/>
+          </p:cNvSpPr>
+          <p:nvPr>
+            <p:ph type="title"/>
+          </p:nvPr>
+        </p:nvSpPr>
+        <p:spPr/>
+        <p:txBody>
+          <a:bodyPr/>
+          <a:lstStyle/>
+          <a:p>
+            <a:r>
+              <a:rPr lang="ko-KR" altLang="en-US" sz="4800" dirty="0"/>
+              <a:t>개요</a:t>
+            </a:r>
+            <a:r>
+              <a:rPr lang="en-US" altLang="ko-KR" sz="2400" dirty="0"/>
+              <a:t>(</a:t>
+            </a:r>
+            <a:r>
+              <a:rPr lang="ko-KR" altLang="en-US" sz="2400" dirty="0"/>
+              <a:t>게임 흐름</a:t>
+            </a:r>
+            <a:r>
+              <a:rPr lang="en-US" altLang="ko-KR" sz="2400" dirty="0"/>
+              <a:t>)</a:t>
+            </a:r>
+            <a:endParaRPr lang="ko-KR" altLang="en-US" sz="2400" dirty="0"/>
+          </a:p>
+        </p:txBody>
+      </p:sp>
+      <p:sp>
+        <p:nvSpPr>
+          <p:cNvPr id="4" name="사각형: 둥근 모서리 3">
+            <a:extLst>
+              <a:ext uri="{FF2B5EF4-FFF2-40B4-BE49-F238E27FC236}">
+                <a16:creationId xmlns:a16="http://schemas.microsoft.com/office/drawing/2014/main" id="{E69D4A78-7A33-4F79-BE23-1D66911DBC08}"/>
+              </a:ext>
+            </a:extLst>
+          </p:cNvPr>
+          <p:cNvSpPr/>
+          <p:nvPr/>
+        </p:nvSpPr>
+        <p:spPr>
+          <a:xfrm>
+            <a:off x="966652" y="3466482"/>
+            <a:ext cx="1175657" cy="461554"/>
+          </a:xfrm>
+          <a:prstGeom prst="roundRect">
+            <a:avLst/>
+          </a:prstGeom>
+        </p:spPr>
+        <p:style>
+          <a:lnRef idx="2">
+            <a:schemeClr val="accent1"/>
+          </a:lnRef>
+          <a:fillRef idx="1">
+            <a:schemeClr val="lt1"/>
+          </a:fillRef>
+          <a:effectRef idx="0">
+            <a:schemeClr val="accent1"/>
+          </a:effectRef>
+          <a:fontRef idx="minor">
+            <a:schemeClr val="dk1"/>
+          </a:fontRef>
+        </p:style>
+        <p:txBody>
+          <a:bodyPr rtlCol="0" anchor="ctr"/>
+          <a:lstStyle/>
+          <a:p>
+            <a:pPr algn="ctr"/>
+            <a:r>
+              <a:rPr lang="ko-KR" altLang="en-US" dirty="0"/>
+              <a:t>게임시작</a:t>
+            </a:r>
+          </a:p>
+        </p:txBody>
+      </p:sp>
+      <p:sp>
+        <p:nvSpPr>
+          <p:cNvPr id="5" name="화살표: 오른쪽 4">
+            <a:extLst>
+              <a:ext uri="{FF2B5EF4-FFF2-40B4-BE49-F238E27FC236}">
+                <a16:creationId xmlns:a16="http://schemas.microsoft.com/office/drawing/2014/main" id="{1E1391AF-51EC-4A84-A00A-84354C1FAA2B}"/>
+              </a:ext>
+            </a:extLst>
+          </p:cNvPr>
+          <p:cNvSpPr/>
+          <p:nvPr/>
+        </p:nvSpPr>
+        <p:spPr>
+          <a:xfrm>
+            <a:off x="2203269" y="3592756"/>
+            <a:ext cx="374469" cy="209006"/>
+          </a:xfrm>
+          <a:prstGeom prst="rightArrow">
+            <a:avLst/>
+          </a:prstGeom>
+        </p:spPr>
+        <p:style>
+          <a:lnRef idx="2">
+            <a:schemeClr val="accent1">
+              <a:shade val="50000"/>
+            </a:schemeClr>
+          </a:lnRef>
+          <a:fillRef idx="1">
+            <a:schemeClr val="accent1"/>
+          </a:fillRef>
+          <a:effectRef idx="0">
+            <a:schemeClr val="accent1"/>
+          </a:effectRef>
+          <a:fontRef idx="minor">
+            <a:schemeClr val="lt1"/>
+          </a:fontRef>
+        </p:style>
+        <p:txBody>
+          <a:bodyPr rtlCol="0" anchor="ctr"/>
+          <a:lstStyle/>
+          <a:p>
+            <a:pPr algn="ctr"/>
+            <a:endParaRPr lang="ko-KR" altLang="en-US"/>
+          </a:p>
+        </p:txBody>
+      </p:sp>
+      <p:sp>
+        <p:nvSpPr>
+          <p:cNvPr id="7" name="사각형: 둥근 모서리 6">
+            <a:extLst>
+              <a:ext uri="{FF2B5EF4-FFF2-40B4-BE49-F238E27FC236}">
+                <a16:creationId xmlns:a16="http://schemas.microsoft.com/office/drawing/2014/main" id="{436E810B-1CA7-41AB-933A-645590F797D2}"/>
+              </a:ext>
+            </a:extLst>
+          </p:cNvPr>
+          <p:cNvSpPr/>
+          <p:nvPr/>
+        </p:nvSpPr>
+        <p:spPr>
+          <a:xfrm>
+            <a:off x="2638698" y="3466482"/>
+            <a:ext cx="1175657" cy="461554"/>
+          </a:xfrm>
+          <a:prstGeom prst="roundRect">
+            <a:avLst/>
+          </a:prstGeom>
+        </p:spPr>
+        <p:style>
+          <a:lnRef idx="2">
+            <a:schemeClr val="accent1"/>
+          </a:lnRef>
+          <a:fillRef idx="1">
+            <a:schemeClr val="lt1"/>
+          </a:fillRef>
+          <a:effectRef idx="0">
+            <a:schemeClr val="accent1"/>
+          </a:effectRef>
+          <a:fontRef idx="minor">
+            <a:schemeClr val="dk1"/>
+          </a:fontRef>
+        </p:style>
+        <p:txBody>
+          <a:bodyPr rtlCol="0" anchor="ctr"/>
+          <a:lstStyle/>
+          <a:p>
+            <a:pPr algn="ctr"/>
+            <a:r>
+              <a:rPr lang="ko-KR" altLang="en-US" dirty="0"/>
+              <a:t>로그인</a:t>
+            </a:r>
+          </a:p>
+        </p:txBody>
+      </p:sp>
+      <p:sp>
+        <p:nvSpPr>
+          <p:cNvPr id="8" name="화살표: 오른쪽 7">
+            <a:extLst>
+              <a:ext uri="{FF2B5EF4-FFF2-40B4-BE49-F238E27FC236}">
+                <a16:creationId xmlns:a16="http://schemas.microsoft.com/office/drawing/2014/main" id="{48EF71ED-C76B-42AB-AD57-32A0A8B870AD}"/>
+              </a:ext>
+            </a:extLst>
+          </p:cNvPr>
+          <p:cNvSpPr/>
+          <p:nvPr/>
+        </p:nvSpPr>
+        <p:spPr>
+          <a:xfrm>
+            <a:off x="3875315" y="3592756"/>
+            <a:ext cx="374469" cy="209006"/>
+          </a:xfrm>
+          <a:prstGeom prst="rightArrow">
+            <a:avLst/>
+          </a:prstGeom>
+        </p:spPr>
+        <p:style>
+          <a:lnRef idx="2">
+            <a:schemeClr val="accent1">
+              <a:shade val="50000"/>
+            </a:schemeClr>
+          </a:lnRef>
+          <a:fillRef idx="1">
+            <a:schemeClr val="accent1"/>
+          </a:fillRef>
+          <a:effectRef idx="0">
+            <a:schemeClr val="accent1"/>
+          </a:effectRef>
+          <a:fontRef idx="minor">
+            <a:schemeClr val="lt1"/>
+          </a:fontRef>
+        </p:style>
+        <p:txBody>
+          <a:bodyPr rtlCol="0" anchor="ctr"/>
+          <a:lstStyle/>
+          <a:p>
+            <a:pPr algn="ctr"/>
+            <a:endParaRPr lang="ko-KR" altLang="en-US"/>
+          </a:p>
+        </p:txBody>
+      </p:sp>
+      <p:sp>
+        <p:nvSpPr>
+          <p:cNvPr id="9" name="사각형: 둥근 모서리 8">
+            <a:extLst>
+              <a:ext uri="{FF2B5EF4-FFF2-40B4-BE49-F238E27FC236}">
+                <a16:creationId xmlns:a16="http://schemas.microsoft.com/office/drawing/2014/main" id="{EA916014-A228-4EBD-878E-AA0A5C0191A4}"/>
+              </a:ext>
+            </a:extLst>
+          </p:cNvPr>
+          <p:cNvSpPr/>
+          <p:nvPr/>
+        </p:nvSpPr>
+        <p:spPr>
+          <a:xfrm>
+            <a:off x="4310744" y="3466482"/>
+            <a:ext cx="1175657" cy="461554"/>
+          </a:xfrm>
+          <a:prstGeom prst="roundRect">
+            <a:avLst/>
+          </a:prstGeom>
+        </p:spPr>
+        <p:style>
+          <a:lnRef idx="2">
+            <a:schemeClr val="accent1"/>
+          </a:lnRef>
+          <a:fillRef idx="1">
+            <a:schemeClr val="lt1"/>
+          </a:fillRef>
+          <a:effectRef idx="0">
+            <a:schemeClr val="accent1"/>
+          </a:effectRef>
+          <a:fontRef idx="minor">
+            <a:schemeClr val="dk1"/>
+          </a:fontRef>
+        </p:style>
+        <p:txBody>
+          <a:bodyPr rtlCol="0" anchor="ctr"/>
+          <a:lstStyle/>
+          <a:p>
+            <a:pPr algn="ctr"/>
+            <a:r>
+              <a:rPr lang="ko-KR" altLang="en-US" dirty="0"/>
+              <a:t>오픈월드</a:t>
+            </a:r>
+          </a:p>
+        </p:txBody>
+      </p:sp>
+      <p:sp>
+        <p:nvSpPr>
+          <p:cNvPr id="10" name="화살표: 오른쪽 9">
+            <a:extLst>
+              <a:ext uri="{FF2B5EF4-FFF2-40B4-BE49-F238E27FC236}">
+                <a16:creationId xmlns:a16="http://schemas.microsoft.com/office/drawing/2014/main" id="{92A2C475-AEE2-4D17-B281-4BA0C7227905}"/>
+              </a:ext>
+            </a:extLst>
+          </p:cNvPr>
+          <p:cNvSpPr/>
+          <p:nvPr/>
+        </p:nvSpPr>
+        <p:spPr>
+          <a:xfrm>
+            <a:off x="4976949" y="2599565"/>
+            <a:ext cx="944881" cy="209006"/>
+          </a:xfrm>
+          <a:prstGeom prst="rightArrow">
+            <a:avLst/>
+          </a:prstGeom>
+        </p:spPr>
+        <p:style>
+          <a:lnRef idx="2">
+            <a:schemeClr val="accent1">
+              <a:shade val="50000"/>
+            </a:schemeClr>
+          </a:lnRef>
+          <a:fillRef idx="1">
+            <a:schemeClr val="accent1"/>
+          </a:fillRef>
+          <a:effectRef idx="0">
+            <a:schemeClr val="accent1"/>
+          </a:effectRef>
+          <a:fontRef idx="minor">
+            <a:schemeClr val="lt1"/>
+          </a:fontRef>
+        </p:style>
+        <p:txBody>
+          <a:bodyPr rtlCol="0" anchor="ctr"/>
+          <a:lstStyle/>
+          <a:p>
+            <a:pPr algn="ctr"/>
+            <a:endParaRPr lang="ko-KR" altLang="en-US"/>
+          </a:p>
+        </p:txBody>
+      </p:sp>
+      <p:sp>
+        <p:nvSpPr>
+          <p:cNvPr id="11" name="직사각형 10">
+            <a:extLst>
+              <a:ext uri="{FF2B5EF4-FFF2-40B4-BE49-F238E27FC236}">
+                <a16:creationId xmlns:a16="http://schemas.microsoft.com/office/drawing/2014/main" id="{0DC2F05F-160D-4413-934A-F9A55FBA6C94}"/>
+              </a:ext>
+            </a:extLst>
+          </p:cNvPr>
+          <p:cNvSpPr/>
+          <p:nvPr/>
+        </p:nvSpPr>
+        <p:spPr>
+          <a:xfrm>
+            <a:off x="4976949" y="2656584"/>
+            <a:ext cx="108857" cy="803366"/>
+          </a:xfrm>
+          <a:prstGeom prst="rect">
+            <a:avLst/>
+          </a:prstGeom>
+        </p:spPr>
+        <p:style>
+          <a:lnRef idx="2">
+            <a:schemeClr val="accent1">
+              <a:shade val="50000"/>
+            </a:schemeClr>
+          </a:lnRef>
+          <a:fillRef idx="1">
+            <a:schemeClr val="accent1"/>
+          </a:fillRef>
+          <a:effectRef idx="0">
+            <a:schemeClr val="accent1"/>
+          </a:effectRef>
+          <a:fontRef idx="minor">
+            <a:schemeClr val="lt1"/>
+          </a:fontRef>
+        </p:style>
+        <p:txBody>
+          <a:bodyPr rtlCol="0" anchor="ctr"/>
+          <a:lstStyle/>
+          <a:p>
+            <a:pPr algn="ctr"/>
+            <a:endParaRPr lang="ko-KR" altLang="en-US"/>
+          </a:p>
+        </p:txBody>
+      </p:sp>
+      <p:sp>
+        <p:nvSpPr>
+          <p:cNvPr id="12" name="사각형: 둥근 모서리 11">
+            <a:extLst>
+              <a:ext uri="{FF2B5EF4-FFF2-40B4-BE49-F238E27FC236}">
+                <a16:creationId xmlns:a16="http://schemas.microsoft.com/office/drawing/2014/main" id="{13B971CE-3204-41E8-9181-C2ABB1D27CAF}"/>
+              </a:ext>
+            </a:extLst>
+          </p:cNvPr>
+          <p:cNvSpPr/>
+          <p:nvPr/>
+        </p:nvSpPr>
+        <p:spPr>
+          <a:xfrm>
+            <a:off x="5982790" y="3447770"/>
+            <a:ext cx="1550125" cy="461554"/>
+          </a:xfrm>
+          <a:prstGeom prst="roundRect">
+            <a:avLst/>
+          </a:prstGeom>
+        </p:spPr>
+        <p:style>
+          <a:lnRef idx="2">
+            <a:schemeClr val="accent1"/>
+          </a:lnRef>
+          <a:fillRef idx="1">
+            <a:schemeClr val="lt1"/>
+          </a:fillRef>
+          <a:effectRef idx="0">
+            <a:schemeClr val="accent1"/>
+          </a:effectRef>
+          <a:fontRef idx="minor">
+            <a:schemeClr val="dk1"/>
+          </a:fontRef>
+        </p:style>
+        <p:txBody>
+          <a:bodyPr rtlCol="0" anchor="ctr"/>
+          <a:lstStyle/>
+          <a:p>
+            <a:pPr algn="ctr"/>
+            <a:r>
+              <a:rPr lang="ko-KR" altLang="en-US"/>
+              <a:t>몬스터 구역</a:t>
+            </a:r>
+            <a:endParaRPr lang="ko-KR" altLang="en-US" dirty="0"/>
+          </a:p>
+        </p:txBody>
+      </p:sp>
+      <p:sp>
+        <p:nvSpPr>
+          <p:cNvPr id="13" name="화살표: 오른쪽 12">
+            <a:extLst>
+              <a:ext uri="{FF2B5EF4-FFF2-40B4-BE49-F238E27FC236}">
+                <a16:creationId xmlns:a16="http://schemas.microsoft.com/office/drawing/2014/main" id="{F49C3444-33D6-42AB-8C93-CEA9C0D6F709}"/>
+              </a:ext>
+            </a:extLst>
+          </p:cNvPr>
+          <p:cNvSpPr/>
+          <p:nvPr/>
+        </p:nvSpPr>
+        <p:spPr>
+          <a:xfrm>
+            <a:off x="5547361" y="3574044"/>
+            <a:ext cx="374469" cy="209006"/>
+          </a:xfrm>
+          <a:prstGeom prst="rightArrow">
+            <a:avLst/>
+          </a:prstGeom>
+        </p:spPr>
+        <p:style>
+          <a:lnRef idx="2">
+            <a:schemeClr val="accent1">
+              <a:shade val="50000"/>
+            </a:schemeClr>
+          </a:lnRef>
+          <a:fillRef idx="1">
+            <a:schemeClr val="accent1"/>
+          </a:fillRef>
+          <a:effectRef idx="0">
+            <a:schemeClr val="accent1"/>
+          </a:effectRef>
+          <a:fontRef idx="minor">
+            <a:schemeClr val="lt1"/>
+          </a:fontRef>
+        </p:style>
+        <p:txBody>
+          <a:bodyPr rtlCol="0" anchor="ctr"/>
+          <a:lstStyle/>
+          <a:p>
+            <a:pPr algn="ctr"/>
+            <a:endParaRPr lang="ko-KR" altLang="en-US"/>
+          </a:p>
+        </p:txBody>
+      </p:sp>
+      <p:sp>
+        <p:nvSpPr>
+          <p:cNvPr id="14" name="사각형: 둥근 모서리 13">
+            <a:extLst>
+              <a:ext uri="{FF2B5EF4-FFF2-40B4-BE49-F238E27FC236}">
+                <a16:creationId xmlns:a16="http://schemas.microsoft.com/office/drawing/2014/main" id="{59ADB13A-36A3-44E6-A231-2A9291967018}"/>
+              </a:ext>
+            </a:extLst>
+          </p:cNvPr>
+          <p:cNvSpPr/>
+          <p:nvPr/>
+        </p:nvSpPr>
+        <p:spPr>
+          <a:xfrm>
+            <a:off x="5991499" y="2470233"/>
+            <a:ext cx="1175657" cy="461554"/>
+          </a:xfrm>
+          <a:prstGeom prst="roundRect">
+            <a:avLst/>
+          </a:prstGeom>
+        </p:spPr>
+        <p:style>
+          <a:lnRef idx="2">
+            <a:schemeClr val="accent1"/>
+          </a:lnRef>
+          <a:fillRef idx="1">
+            <a:schemeClr val="lt1"/>
+          </a:fillRef>
+          <a:effectRef idx="0">
+            <a:schemeClr val="accent1"/>
+          </a:effectRef>
+          <a:fontRef idx="minor">
+            <a:schemeClr val="dk1"/>
+          </a:fontRef>
+        </p:style>
+        <p:txBody>
+          <a:bodyPr rtlCol="0" anchor="ctr"/>
+          <a:lstStyle/>
+          <a:p>
+            <a:pPr algn="ctr"/>
+            <a:r>
+              <a:rPr lang="ko-KR" altLang="en-US" dirty="0" err="1"/>
+              <a:t>파티창</a:t>
+            </a:r>
+            <a:endParaRPr lang="ko-KR" altLang="en-US" dirty="0"/>
+          </a:p>
+        </p:txBody>
+      </p:sp>
+      <p:sp>
+        <p:nvSpPr>
+          <p:cNvPr id="15" name="화살표: 오른쪽 14">
+            <a:extLst>
+              <a:ext uri="{FF2B5EF4-FFF2-40B4-BE49-F238E27FC236}">
+                <a16:creationId xmlns:a16="http://schemas.microsoft.com/office/drawing/2014/main" id="{F3472CD5-9A53-483A-95A2-5AD4C96ACC14}"/>
+              </a:ext>
+            </a:extLst>
+          </p:cNvPr>
+          <p:cNvSpPr/>
+          <p:nvPr/>
+        </p:nvSpPr>
+        <p:spPr>
+          <a:xfrm>
+            <a:off x="7236825" y="2620455"/>
+            <a:ext cx="731519" cy="209006"/>
+          </a:xfrm>
+          <a:prstGeom prst="rightArrow">
+            <a:avLst/>
+          </a:prstGeom>
+        </p:spPr>
+        <p:style>
+          <a:lnRef idx="2">
+            <a:schemeClr val="accent1">
+              <a:shade val="50000"/>
+            </a:schemeClr>
+          </a:lnRef>
+          <a:fillRef idx="1">
+            <a:schemeClr val="accent1"/>
+          </a:fillRef>
+          <a:effectRef idx="0">
+            <a:schemeClr val="accent1"/>
+          </a:effectRef>
+          <a:fontRef idx="minor">
+            <a:schemeClr val="lt1"/>
+          </a:fontRef>
+        </p:style>
+        <p:txBody>
+          <a:bodyPr rtlCol="0" anchor="ctr"/>
+          <a:lstStyle/>
+          <a:p>
+            <a:pPr algn="ctr"/>
+            <a:endParaRPr lang="ko-KR" altLang="en-US"/>
+          </a:p>
+        </p:txBody>
+      </p:sp>
+      <p:sp>
+        <p:nvSpPr>
+          <p:cNvPr id="16" name="사각형: 둥근 모서리 15">
+            <a:extLst>
+              <a:ext uri="{FF2B5EF4-FFF2-40B4-BE49-F238E27FC236}">
+                <a16:creationId xmlns:a16="http://schemas.microsoft.com/office/drawing/2014/main" id="{C47B748E-CE99-48A7-897B-A9BA1BDE72EF}"/>
+              </a:ext>
+            </a:extLst>
+          </p:cNvPr>
+          <p:cNvSpPr/>
+          <p:nvPr/>
+        </p:nvSpPr>
+        <p:spPr>
+          <a:xfrm>
+            <a:off x="8072849" y="2460877"/>
+            <a:ext cx="1454329" cy="461554"/>
+          </a:xfrm>
+          <a:prstGeom prst="roundRect">
+            <a:avLst/>
+          </a:prstGeom>
+        </p:spPr>
+        <p:style>
+          <a:lnRef idx="2">
+            <a:schemeClr val="accent1"/>
+          </a:lnRef>
+          <a:fillRef idx="1">
+            <a:schemeClr val="lt1"/>
+          </a:fillRef>
+          <a:effectRef idx="0">
+            <a:schemeClr val="accent1"/>
+          </a:effectRef>
+          <a:fontRef idx="minor">
+            <a:schemeClr val="dk1"/>
+          </a:fontRef>
+        </p:style>
+        <p:txBody>
+          <a:bodyPr rtlCol="0" anchor="ctr"/>
+          <a:lstStyle/>
+          <a:p>
+            <a:pPr algn="ctr"/>
+            <a:r>
+              <a:rPr lang="ko-KR" altLang="en-US"/>
+              <a:t>레이드 입장</a:t>
+            </a:r>
+            <a:endParaRPr lang="ko-KR" altLang="en-US" dirty="0"/>
+          </a:p>
+        </p:txBody>
+      </p:sp>
+      <p:sp>
+        <p:nvSpPr>
+          <p:cNvPr id="17" name="화살표: 오른쪽 16">
+            <a:extLst>
+              <a:ext uri="{FF2B5EF4-FFF2-40B4-BE49-F238E27FC236}">
+                <a16:creationId xmlns:a16="http://schemas.microsoft.com/office/drawing/2014/main" id="{7E8B0CD4-A64F-421D-8D3F-9D433D17A24E}"/>
+              </a:ext>
+            </a:extLst>
+          </p:cNvPr>
+          <p:cNvSpPr/>
+          <p:nvPr/>
+        </p:nvSpPr>
+        <p:spPr>
+          <a:xfrm>
+            <a:off x="4976949" y="4585947"/>
+            <a:ext cx="944881" cy="209006"/>
+          </a:xfrm>
+          <a:prstGeom prst="rightArrow">
+            <a:avLst/>
+          </a:prstGeom>
+        </p:spPr>
+        <p:style>
+          <a:lnRef idx="2">
+            <a:schemeClr val="accent1">
+              <a:shade val="50000"/>
+            </a:schemeClr>
+          </a:lnRef>
+          <a:fillRef idx="1">
+            <a:schemeClr val="accent1"/>
+          </a:fillRef>
+          <a:effectRef idx="0">
+            <a:schemeClr val="accent1"/>
+          </a:effectRef>
+          <a:fontRef idx="minor">
+            <a:schemeClr val="lt1"/>
+          </a:fontRef>
+        </p:style>
+        <p:txBody>
+          <a:bodyPr rtlCol="0" anchor="ctr"/>
+          <a:lstStyle/>
+          <a:p>
+            <a:pPr algn="ctr"/>
+            <a:endParaRPr lang="ko-KR" altLang="en-US"/>
+          </a:p>
+        </p:txBody>
+      </p:sp>
+      <p:sp>
+        <p:nvSpPr>
+          <p:cNvPr id="18" name="직사각형 17">
+            <a:extLst>
+              <a:ext uri="{FF2B5EF4-FFF2-40B4-BE49-F238E27FC236}">
+                <a16:creationId xmlns:a16="http://schemas.microsoft.com/office/drawing/2014/main" id="{907DB3C0-3225-4A5C-A996-076356B11928}"/>
+              </a:ext>
+            </a:extLst>
+          </p:cNvPr>
+          <p:cNvSpPr/>
+          <p:nvPr/>
+        </p:nvSpPr>
+        <p:spPr>
+          <a:xfrm>
+            <a:off x="4976949" y="3932391"/>
+            <a:ext cx="108857" cy="803366"/>
+          </a:xfrm>
+          <a:prstGeom prst="rect">
+            <a:avLst/>
+          </a:prstGeom>
+        </p:spPr>
+        <p:style>
+          <a:lnRef idx="2">
+            <a:schemeClr val="accent1">
+              <a:shade val="50000"/>
+            </a:schemeClr>
+          </a:lnRef>
+          <a:fillRef idx="1">
+            <a:schemeClr val="accent1"/>
+          </a:fillRef>
+          <a:effectRef idx="0">
+            <a:schemeClr val="accent1"/>
+          </a:effectRef>
+          <a:fontRef idx="minor">
+            <a:schemeClr val="lt1"/>
+          </a:fontRef>
+        </p:style>
+        <p:txBody>
+          <a:bodyPr rtlCol="0" anchor="ctr"/>
+          <a:lstStyle/>
+          <a:p>
+            <a:pPr algn="ctr"/>
+            <a:endParaRPr lang="ko-KR" altLang="en-US"/>
+          </a:p>
+        </p:txBody>
+      </p:sp>
+      <p:sp>
+        <p:nvSpPr>
+          <p:cNvPr id="19" name="사각형: 둥근 모서리 18">
+            <a:extLst>
+              <a:ext uri="{FF2B5EF4-FFF2-40B4-BE49-F238E27FC236}">
+                <a16:creationId xmlns:a16="http://schemas.microsoft.com/office/drawing/2014/main" id="{38F36313-B3C0-4DE0-AADF-7BA200183C8C}"/>
+              </a:ext>
+            </a:extLst>
+          </p:cNvPr>
+          <p:cNvSpPr/>
+          <p:nvPr/>
+        </p:nvSpPr>
+        <p:spPr>
+          <a:xfrm>
+            <a:off x="6000206" y="4459673"/>
+            <a:ext cx="1550125" cy="461554"/>
+          </a:xfrm>
+          <a:prstGeom prst="roundRect">
+            <a:avLst/>
+          </a:prstGeom>
+        </p:spPr>
+        <p:style>
+          <a:lnRef idx="2">
+            <a:schemeClr val="accent1"/>
+          </a:lnRef>
+          <a:fillRef idx="1">
+            <a:schemeClr val="lt1"/>
+          </a:fillRef>
+          <a:effectRef idx="0">
+            <a:schemeClr val="accent1"/>
+          </a:effectRef>
+          <a:fontRef idx="minor">
+            <a:schemeClr val="dk1"/>
+          </a:fontRef>
+        </p:style>
+        <p:txBody>
+          <a:bodyPr rtlCol="0" anchor="ctr"/>
+          <a:lstStyle/>
+          <a:p>
+            <a:pPr algn="ctr"/>
+            <a:r>
+              <a:rPr lang="en-US" altLang="ko-KR" dirty="0"/>
+              <a:t>PvP</a:t>
+            </a:r>
+            <a:r>
+              <a:rPr lang="ko-KR" altLang="en-US" dirty="0"/>
+              <a:t>구역</a:t>
+            </a:r>
+          </a:p>
+        </p:txBody>
+      </p:sp>
+      <p:sp>
+        <p:nvSpPr>
+          <p:cNvPr id="20" name="화살표: 오른쪽 19">
+            <a:extLst>
+              <a:ext uri="{FF2B5EF4-FFF2-40B4-BE49-F238E27FC236}">
+                <a16:creationId xmlns:a16="http://schemas.microsoft.com/office/drawing/2014/main" id="{30FEDACD-1CBB-48CF-A85D-641498B0FC8C}"/>
+              </a:ext>
+            </a:extLst>
+          </p:cNvPr>
+          <p:cNvSpPr/>
+          <p:nvPr/>
+        </p:nvSpPr>
+        <p:spPr>
+          <a:xfrm>
+            <a:off x="7593875" y="3574044"/>
+            <a:ext cx="374469" cy="209006"/>
+          </a:xfrm>
+          <a:prstGeom prst="rightArrow">
+            <a:avLst/>
+          </a:prstGeom>
+        </p:spPr>
+        <p:style>
+          <a:lnRef idx="2">
+            <a:schemeClr val="accent1">
+              <a:shade val="50000"/>
+            </a:schemeClr>
+          </a:lnRef>
+          <a:fillRef idx="1">
+            <a:schemeClr val="accent1"/>
+          </a:fillRef>
+          <a:effectRef idx="0">
+            <a:schemeClr val="accent1"/>
+          </a:effectRef>
+          <a:fontRef idx="minor">
+            <a:schemeClr val="lt1"/>
+          </a:fontRef>
+        </p:style>
+        <p:txBody>
+          <a:bodyPr rtlCol="0" anchor="ctr"/>
+          <a:lstStyle/>
+          <a:p>
+            <a:pPr algn="ctr"/>
+            <a:endParaRPr lang="ko-KR" altLang="en-US"/>
+          </a:p>
+        </p:txBody>
+      </p:sp>
+      <p:sp>
+        <p:nvSpPr>
+          <p:cNvPr id="21" name="사각형: 둥근 모서리 20">
+            <a:extLst>
+              <a:ext uri="{FF2B5EF4-FFF2-40B4-BE49-F238E27FC236}">
+                <a16:creationId xmlns:a16="http://schemas.microsoft.com/office/drawing/2014/main" id="{D558F2A5-38D0-46F8-9B12-8F92DFA85D99}"/>
+              </a:ext>
+            </a:extLst>
+          </p:cNvPr>
+          <p:cNvSpPr/>
+          <p:nvPr/>
+        </p:nvSpPr>
+        <p:spPr>
+          <a:xfrm>
+            <a:off x="8024950" y="3426733"/>
+            <a:ext cx="1550125" cy="547344"/>
+          </a:xfrm>
+          <a:prstGeom prst="roundRect">
+            <a:avLst/>
+          </a:prstGeom>
+        </p:spPr>
+        <p:style>
+          <a:lnRef idx="2">
+            <a:schemeClr val="accent1"/>
+          </a:lnRef>
+          <a:fillRef idx="1">
+            <a:schemeClr val="lt1"/>
+          </a:fillRef>
+          <a:effectRef idx="0">
+            <a:schemeClr val="accent1"/>
+          </a:effectRef>
+          <a:fontRef idx="minor">
+            <a:schemeClr val="dk1"/>
+          </a:fontRef>
+        </p:style>
+        <p:txBody>
+          <a:bodyPr rtlCol="0" anchor="ctr"/>
+          <a:lstStyle/>
+          <a:p>
+            <a:pPr algn="ctr"/>
+            <a:r>
+              <a:rPr lang="ko-KR" altLang="en-US" dirty="0"/>
+              <a:t>몬스터 공격</a:t>
+            </a:r>
+            <a:r>
+              <a:rPr lang="en-US" altLang="ko-KR" dirty="0"/>
+              <a:t>/</a:t>
+            </a:r>
+            <a:r>
+              <a:rPr lang="ko-KR" altLang="en-US" dirty="0"/>
+              <a:t>사망</a:t>
+            </a:r>
+          </a:p>
+        </p:txBody>
+      </p:sp>
+      <p:sp>
+        <p:nvSpPr>
+          <p:cNvPr id="24" name="사각형: 둥근 모서리 23">
+            <a:extLst>
+              <a:ext uri="{FF2B5EF4-FFF2-40B4-BE49-F238E27FC236}">
+                <a16:creationId xmlns:a16="http://schemas.microsoft.com/office/drawing/2014/main" id="{37F30C85-0E75-40EE-923D-5BDC1DDFEDE6}"/>
+              </a:ext>
+            </a:extLst>
+          </p:cNvPr>
+          <p:cNvSpPr/>
+          <p:nvPr/>
+        </p:nvSpPr>
+        <p:spPr>
+          <a:xfrm>
+            <a:off x="8024949" y="4416778"/>
+            <a:ext cx="1550125" cy="547344"/>
+          </a:xfrm>
+          <a:prstGeom prst="roundRect">
+            <a:avLst/>
+          </a:prstGeom>
+        </p:spPr>
+        <p:style>
+          <a:lnRef idx="2">
+            <a:schemeClr val="accent1"/>
+          </a:lnRef>
+          <a:fillRef idx="1">
+            <a:schemeClr val="lt1"/>
+          </a:fillRef>
+          <a:effectRef idx="0">
+            <a:schemeClr val="accent1"/>
+          </a:effectRef>
+          <a:fontRef idx="minor">
+            <a:schemeClr val="dk1"/>
+          </a:fontRef>
+        </p:style>
+        <p:txBody>
+          <a:bodyPr rtlCol="0" anchor="ctr"/>
+          <a:lstStyle/>
+          <a:p>
+            <a:pPr algn="ctr"/>
+            <a:r>
+              <a:rPr lang="ko-KR" altLang="en-US" dirty="0"/>
+              <a:t>플레이어 공격</a:t>
+            </a:r>
+            <a:r>
+              <a:rPr lang="en-US" altLang="ko-KR" dirty="0"/>
+              <a:t>/</a:t>
+            </a:r>
+            <a:r>
+              <a:rPr lang="ko-KR" altLang="en-US" dirty="0"/>
+              <a:t>사망</a:t>
+            </a:r>
+          </a:p>
+        </p:txBody>
+      </p:sp>
+      <p:sp>
+        <p:nvSpPr>
+          <p:cNvPr id="25" name="화살표: 오른쪽 24">
+            <a:extLst>
+              <a:ext uri="{FF2B5EF4-FFF2-40B4-BE49-F238E27FC236}">
+                <a16:creationId xmlns:a16="http://schemas.microsoft.com/office/drawing/2014/main" id="{9F4FD785-0351-4501-A9F4-75E4BD6B07AF}"/>
+              </a:ext>
+            </a:extLst>
+          </p:cNvPr>
+          <p:cNvSpPr/>
+          <p:nvPr/>
+        </p:nvSpPr>
+        <p:spPr>
+          <a:xfrm>
+            <a:off x="7593874" y="4585947"/>
+            <a:ext cx="374469" cy="209006"/>
+          </a:xfrm>
+          <a:prstGeom prst="rightArrow">
+            <a:avLst/>
+          </a:prstGeom>
+        </p:spPr>
+        <p:style>
+          <a:lnRef idx="2">
+            <a:schemeClr val="accent1">
+              <a:shade val="50000"/>
+            </a:schemeClr>
+          </a:lnRef>
+          <a:fillRef idx="1">
+            <a:schemeClr val="accent1"/>
+          </a:fillRef>
+          <a:effectRef idx="0">
+            <a:schemeClr val="accent1"/>
+          </a:effectRef>
+          <a:fontRef idx="minor">
+            <a:schemeClr val="lt1"/>
+          </a:fontRef>
+        </p:style>
+        <p:txBody>
+          <a:bodyPr rtlCol="0" anchor="ctr"/>
+          <a:lstStyle/>
+          <a:p>
+            <a:pPr algn="ctr"/>
+            <a:endParaRPr lang="ko-KR" altLang="en-US"/>
+          </a:p>
+        </p:txBody>
+      </p:sp>
+      <p:sp>
+        <p:nvSpPr>
+          <p:cNvPr id="26" name="화살표: 오른쪽 25">
+            <a:extLst>
+              <a:ext uri="{FF2B5EF4-FFF2-40B4-BE49-F238E27FC236}">
+                <a16:creationId xmlns:a16="http://schemas.microsoft.com/office/drawing/2014/main" id="{EF68AE96-4CC8-49FD-ACDF-89B8C35E6427}"/>
+              </a:ext>
+            </a:extLst>
+          </p:cNvPr>
+          <p:cNvSpPr/>
+          <p:nvPr/>
+        </p:nvSpPr>
+        <p:spPr>
+          <a:xfrm>
+            <a:off x="9631683" y="2608922"/>
+            <a:ext cx="374469" cy="209006"/>
+          </a:xfrm>
+          <a:prstGeom prst="rightArrow">
+            <a:avLst/>
+          </a:prstGeom>
+        </p:spPr>
+        <p:style>
+          <a:lnRef idx="2">
+            <a:schemeClr val="accent1">
+              <a:shade val="50000"/>
+            </a:schemeClr>
+          </a:lnRef>
+          <a:fillRef idx="1">
+            <a:schemeClr val="accent1"/>
+          </a:fillRef>
+          <a:effectRef idx="0">
+            <a:schemeClr val="accent1"/>
+          </a:effectRef>
+          <a:fontRef idx="minor">
+            <a:schemeClr val="lt1"/>
+          </a:fontRef>
+        </p:style>
+        <p:txBody>
+          <a:bodyPr rtlCol="0" anchor="ctr"/>
+          <a:lstStyle/>
+          <a:p>
+            <a:pPr algn="ctr"/>
+            <a:endParaRPr lang="ko-KR" altLang="en-US"/>
+          </a:p>
+        </p:txBody>
+      </p:sp>
+      <p:sp>
+        <p:nvSpPr>
+          <p:cNvPr id="27" name="화살표: 오른쪽 26">
+            <a:extLst>
+              <a:ext uri="{FF2B5EF4-FFF2-40B4-BE49-F238E27FC236}">
+                <a16:creationId xmlns:a16="http://schemas.microsoft.com/office/drawing/2014/main" id="{77C4630F-CD17-4A4E-A568-EE88B8941DE6}"/>
+              </a:ext>
+            </a:extLst>
+          </p:cNvPr>
+          <p:cNvSpPr/>
+          <p:nvPr/>
+        </p:nvSpPr>
+        <p:spPr>
+          <a:xfrm rot="2117557">
+            <a:off x="7593873" y="4046897"/>
+            <a:ext cx="374469" cy="209006"/>
+          </a:xfrm>
+          <a:prstGeom prst="rightArrow">
+            <a:avLst/>
+          </a:prstGeom>
+        </p:spPr>
+        <p:style>
+          <a:lnRef idx="2">
+            <a:schemeClr val="accent1">
+              <a:shade val="50000"/>
+            </a:schemeClr>
+          </a:lnRef>
+          <a:fillRef idx="1">
+            <a:schemeClr val="accent1"/>
+          </a:fillRef>
+          <a:effectRef idx="0">
+            <a:schemeClr val="accent1"/>
+          </a:effectRef>
+          <a:fontRef idx="minor">
+            <a:schemeClr val="lt1"/>
+          </a:fontRef>
+        </p:style>
+        <p:txBody>
+          <a:bodyPr rtlCol="0" anchor="ctr"/>
+          <a:lstStyle/>
+          <a:p>
+            <a:pPr algn="ctr"/>
+            <a:endParaRPr lang="ko-KR" altLang="en-US"/>
+          </a:p>
+        </p:txBody>
+      </p:sp>
+      <p:sp>
+        <p:nvSpPr>
+          <p:cNvPr id="28" name="사각형: 둥근 모서리 27">
+            <a:extLst>
+              <a:ext uri="{FF2B5EF4-FFF2-40B4-BE49-F238E27FC236}">
+                <a16:creationId xmlns:a16="http://schemas.microsoft.com/office/drawing/2014/main" id="{99C9DF93-2BFD-449E-8715-66EA18F7C389}"/>
+              </a:ext>
+            </a:extLst>
+          </p:cNvPr>
+          <p:cNvSpPr/>
+          <p:nvPr/>
+        </p:nvSpPr>
+        <p:spPr>
+          <a:xfrm>
+            <a:off x="10075818" y="2482648"/>
+            <a:ext cx="1454329" cy="461554"/>
+          </a:xfrm>
+          <a:prstGeom prst="roundRect">
+            <a:avLst/>
+          </a:prstGeom>
+        </p:spPr>
+        <p:style>
+          <a:lnRef idx="2">
+            <a:schemeClr val="accent1"/>
+          </a:lnRef>
+          <a:fillRef idx="1">
+            <a:schemeClr val="lt1"/>
+          </a:fillRef>
+          <a:effectRef idx="0">
+            <a:schemeClr val="accent1"/>
+          </a:effectRef>
+          <a:fontRef idx="minor">
+            <a:schemeClr val="dk1"/>
+          </a:fontRef>
+        </p:style>
+        <p:txBody>
+          <a:bodyPr rtlCol="0" anchor="ctr"/>
+          <a:lstStyle/>
+          <a:p>
+            <a:pPr algn="ctr"/>
+            <a:r>
+              <a:rPr lang="ko-KR" altLang="en-US" dirty="0"/>
+              <a:t>레이드 종료</a:t>
+            </a:r>
+          </a:p>
+        </p:txBody>
+      </p:sp>
+      <p:sp>
+        <p:nvSpPr>
+          <p:cNvPr id="29" name="직사각형 28">
+            <a:extLst>
+              <a:ext uri="{FF2B5EF4-FFF2-40B4-BE49-F238E27FC236}">
+                <a16:creationId xmlns:a16="http://schemas.microsoft.com/office/drawing/2014/main" id="{863B7E83-2BBE-49E8-86C8-75EECDEA8C22}"/>
+              </a:ext>
+            </a:extLst>
+          </p:cNvPr>
+          <p:cNvSpPr/>
+          <p:nvPr/>
+        </p:nvSpPr>
+        <p:spPr>
+          <a:xfrm>
+            <a:off x="10781212" y="2002147"/>
+            <a:ext cx="76198" cy="461554"/>
+          </a:xfrm>
+          <a:prstGeom prst="rect">
+            <a:avLst/>
+          </a:prstGeom>
+        </p:spPr>
+        <p:style>
+          <a:lnRef idx="2">
+            <a:schemeClr val="accent1">
+              <a:shade val="50000"/>
+            </a:schemeClr>
+          </a:lnRef>
+          <a:fillRef idx="1">
+            <a:schemeClr val="accent1"/>
+          </a:fillRef>
+          <a:effectRef idx="0">
+            <a:schemeClr val="accent1"/>
+          </a:effectRef>
+          <a:fontRef idx="minor">
+            <a:schemeClr val="lt1"/>
+          </a:fontRef>
+        </p:style>
+        <p:txBody>
+          <a:bodyPr rtlCol="0" anchor="ctr"/>
+          <a:lstStyle/>
+          <a:p>
+            <a:pPr algn="ctr"/>
+            <a:endParaRPr lang="ko-KR" altLang="en-US"/>
+          </a:p>
+        </p:txBody>
+      </p:sp>
+      <p:sp>
+        <p:nvSpPr>
+          <p:cNvPr id="30" name="직사각형 29">
+            <a:extLst>
+              <a:ext uri="{FF2B5EF4-FFF2-40B4-BE49-F238E27FC236}">
+                <a16:creationId xmlns:a16="http://schemas.microsoft.com/office/drawing/2014/main" id="{C7F6EF79-68E5-459A-B21D-77F79B25B733}"/>
+              </a:ext>
+            </a:extLst>
+          </p:cNvPr>
+          <p:cNvSpPr/>
+          <p:nvPr/>
+        </p:nvSpPr>
+        <p:spPr>
+          <a:xfrm rot="5400000">
+            <a:off x="7687492" y="-1117316"/>
+            <a:ext cx="45719" cy="6294118"/>
+          </a:xfrm>
+          <a:prstGeom prst="rect">
+            <a:avLst/>
+          </a:prstGeom>
+        </p:spPr>
+        <p:style>
+          <a:lnRef idx="2">
+            <a:schemeClr val="accent1">
+              <a:shade val="50000"/>
+            </a:schemeClr>
+          </a:lnRef>
+          <a:fillRef idx="1">
+            <a:schemeClr val="accent1"/>
+          </a:fillRef>
+          <a:effectRef idx="0">
+            <a:schemeClr val="accent1"/>
+          </a:effectRef>
+          <a:fontRef idx="minor">
+            <a:schemeClr val="lt1"/>
+          </a:fontRef>
+        </p:style>
+        <p:txBody>
+          <a:bodyPr rtlCol="0" anchor="ctr"/>
+          <a:lstStyle/>
+          <a:p>
+            <a:pPr algn="ctr"/>
+            <a:endParaRPr lang="ko-KR" altLang="en-US"/>
+          </a:p>
+        </p:txBody>
+      </p:sp>
+      <p:sp>
+        <p:nvSpPr>
+          <p:cNvPr id="31" name="화살표: 오른쪽 30">
+            <a:extLst>
+              <a:ext uri="{FF2B5EF4-FFF2-40B4-BE49-F238E27FC236}">
+                <a16:creationId xmlns:a16="http://schemas.microsoft.com/office/drawing/2014/main" id="{7D0D2466-9446-4A28-8E48-17A448B24BD0}"/>
+              </a:ext>
+            </a:extLst>
+          </p:cNvPr>
+          <p:cNvSpPr/>
+          <p:nvPr/>
+        </p:nvSpPr>
+        <p:spPr>
+          <a:xfrm rot="5400000">
+            <a:off x="3883566" y="2632181"/>
+            <a:ext cx="1459600" cy="209006"/>
+          </a:xfrm>
+          <a:prstGeom prst="rightArrow">
+            <a:avLst/>
+          </a:prstGeom>
+        </p:spPr>
+        <p:style>
+          <a:lnRef idx="2">
+            <a:schemeClr val="accent1">
+              <a:shade val="50000"/>
+            </a:schemeClr>
+          </a:lnRef>
+          <a:fillRef idx="1">
+            <a:schemeClr val="accent1"/>
+          </a:fillRef>
+          <a:effectRef idx="0">
+            <a:schemeClr val="accent1"/>
+          </a:effectRef>
+          <a:fontRef idx="minor">
+            <a:schemeClr val="lt1"/>
+          </a:fontRef>
+        </p:style>
+        <p:txBody>
+          <a:bodyPr rtlCol="0" anchor="ctr"/>
+          <a:lstStyle/>
+          <a:p>
+            <a:pPr algn="ctr"/>
+            <a:endParaRPr lang="ko-KR" altLang="en-US"/>
+          </a:p>
+        </p:txBody>
+      </p:sp>
+      <p:sp>
+        <p:nvSpPr>
+          <p:cNvPr id="23" name="직사각형 22">
+            <a:extLst>
+              <a:ext uri="{FF2B5EF4-FFF2-40B4-BE49-F238E27FC236}">
+                <a16:creationId xmlns:a16="http://schemas.microsoft.com/office/drawing/2014/main" id="{EB756433-4C2A-460B-8203-284FFEA81CB3}"/>
+              </a:ext>
+            </a:extLst>
+          </p:cNvPr>
+          <p:cNvSpPr/>
+          <p:nvPr/>
+        </p:nvSpPr>
+        <p:spPr>
+          <a:xfrm>
+            <a:off x="4249783" y="2270818"/>
+            <a:ext cx="5381900" cy="1864047"/>
+          </a:xfrm>
+          <a:prstGeom prst="rect">
+            <a:avLst/>
+          </a:prstGeom>
+          <a:noFill/>
+          <a:ln w="38100" cap="flat" cmpd="sng" algn="ctr">
+            <a:solidFill>
+              <a:srgbClr val="FF0000"/>
+            </a:solidFill>
+            <a:prstDash val="solid"/>
+            <a:round/>
+            <a:headEnd type="none" w="med" len="med"/>
+            <a:tailEnd type="none" w="med" len="med"/>
+          </a:ln>
+        </p:spPr>
+        <p:style>
+          <a:lnRef idx="0">
+            <a:scrgbClr r="0" g="0" b="0"/>
+          </a:lnRef>
+          <a:fillRef idx="0">
+            <a:scrgbClr r="0" g="0" b="0"/>
+          </a:fillRef>
+          <a:effectRef idx="0">
+            <a:scrgbClr r="0" g="0" b="0"/>
+          </a:effectRef>
+          <a:fontRef idx="minor">
+            <a:schemeClr val="accent6"/>
+          </a:fontRef>
+        </p:style>
+        <p:txBody>
+          <a:bodyPr rtlCol="0" anchor="ctr"/>
+          <a:lstStyle/>
+          <a:p>
+            <a:pPr algn="ctr"/>
+            <a:endParaRPr lang="ko-KR" altLang="en-US"/>
+          </a:p>
+        </p:txBody>
+      </p:sp>
+    </p:spTree>
+    <p:extLst>
+      <p:ext uri="{BB962C8B-B14F-4D97-AF65-F5344CB8AC3E}">
+        <p14:creationId xmlns:p14="http://schemas.microsoft.com/office/powerpoint/2010/main" val="4210833510"/>
       </p:ext>
     </p:extLst>
   </p:cSld>
@@ -8819,7 +9122,7 @@
           <p:cNvPr id="2" name="제목 1">
             <a:extLst>
               <a:ext uri="{FF2B5EF4-FFF2-40B4-BE49-F238E27FC236}">
-                <a16:creationId xmlns:a16="http://schemas.microsoft.com/office/drawing/2014/main" id="{6C59B69F-DC1E-421B-8CFA-0DB804078FD5}"/>
+                <a16:creationId xmlns:a16="http://schemas.microsoft.com/office/drawing/2014/main" id="{9ACAAB46-A8E3-49F2-935F-0021E1A82F1E}"/>
               </a:ext>
             </a:extLst>
           </p:cNvPr>
@@ -8839,96 +9142,221 @@
           <a:p>
             <a:r>
               <a:rPr lang="ko-KR" altLang="en-US" sz="4800" dirty="0"/>
-              <a:t>개발내용</a:t>
-            </a:r>
-          </a:p>
-        </p:txBody>
-      </p:sp>
-      <p:sp>
-        <p:nvSpPr>
-          <p:cNvPr id="3" name="내용 개체 틀 2">
+              <a:t>조작법</a:t>
+            </a:r>
+          </a:p>
+        </p:txBody>
+      </p:sp>
+      <p:grpSp>
+        <p:nvGrpSpPr>
+          <p:cNvPr id="4" name="그룹 1003">
             <a:extLst>
               <a:ext uri="{FF2B5EF4-FFF2-40B4-BE49-F238E27FC236}">
-                <a16:creationId xmlns:a16="http://schemas.microsoft.com/office/drawing/2014/main" id="{9CD4F54B-85C3-4044-B42C-FE1CB2A76D6F}"/>
+                <a16:creationId xmlns:a16="http://schemas.microsoft.com/office/drawing/2014/main" id="{1F2E2BBD-5A48-4ED6-8116-C16394D10DEE}"/>
               </a:ext>
             </a:extLst>
           </p:cNvPr>
-          <p:cNvSpPr>
-            <a:spLocks noGrp="1"/>
-          </p:cNvSpPr>
-          <p:nvPr>
-            <p:ph idx="1"/>
-          </p:nvPr>
-        </p:nvSpPr>
-        <p:spPr>
-          <a:xfrm>
-            <a:off x="1130270" y="2171769"/>
-            <a:ext cx="9603275" cy="414413"/>
-          </a:xfrm>
-        </p:spPr>
-        <p:txBody>
-          <a:bodyPr>
-            <a:normAutofit lnSpcReduction="10000"/>
-          </a:bodyPr>
-          <a:lstStyle/>
-          <a:p>
-            <a:r>
-              <a:rPr lang="ko-KR" altLang="en-US" dirty="0" err="1"/>
-              <a:t>파티창</a:t>
-            </a:r>
-            <a:r>
-              <a:rPr lang="ko-KR" altLang="en-US" dirty="0"/>
-              <a:t> </a:t>
-            </a:r>
-            <a:r>
-              <a:rPr lang="en-US" altLang="ko-KR" dirty="0"/>
-              <a:t>– </a:t>
-            </a:r>
-            <a:r>
-              <a:rPr lang="ko-KR" altLang="en-US" dirty="0"/>
-              <a:t>방 만들기</a:t>
-            </a:r>
-            <a:r>
-              <a:rPr lang="en-US" altLang="ko-KR" dirty="0"/>
-              <a:t>, </a:t>
-            </a:r>
-            <a:r>
-              <a:rPr lang="ko-KR" altLang="en-US" dirty="0"/>
-              <a:t>방</a:t>
-            </a:r>
-            <a:r>
-              <a:rPr lang="en-US" altLang="ko-KR" dirty="0"/>
-              <a:t> </a:t>
-            </a:r>
-            <a:r>
-              <a:rPr lang="ko-KR" altLang="en-US" dirty="0"/>
-              <a:t>나가기</a:t>
-            </a:r>
-            <a:r>
-              <a:rPr lang="en-US" altLang="ko-KR" dirty="0"/>
-              <a:t>, </a:t>
-            </a:r>
-            <a:r>
-              <a:rPr lang="ko-KR" altLang="en-US" dirty="0"/>
-              <a:t>파티 초대</a:t>
-            </a:r>
-            <a:r>
-              <a:rPr lang="en-US" altLang="ko-KR" dirty="0"/>
-              <a:t>, AI </a:t>
-            </a:r>
-            <a:r>
-              <a:rPr lang="ko-KR" altLang="en-US" dirty="0"/>
-              <a:t>넣기 </a:t>
-            </a:r>
-          </a:p>
-        </p:txBody>
-      </p:sp>
+          <p:cNvGrpSpPr/>
+          <p:nvPr/>
+        </p:nvGrpSpPr>
+        <p:grpSpPr>
+          <a:xfrm>
+            <a:off x="1449692" y="2724241"/>
+            <a:ext cx="2609118" cy="834185"/>
+            <a:chOff x="2089838" y="3284969"/>
+            <a:chExt cx="3950638" cy="1272689"/>
+          </a:xfrm>
+        </p:grpSpPr>
+        <p:pic>
+          <p:nvPicPr>
+            <p:cNvPr id="5" name="Object 9">
+              <a:extLst>
+                <a:ext uri="{FF2B5EF4-FFF2-40B4-BE49-F238E27FC236}">
+                  <a16:creationId xmlns:a16="http://schemas.microsoft.com/office/drawing/2014/main" id="{7198F07A-EBA4-485F-8BE6-E9A7BF2A4A46}"/>
+                </a:ext>
+              </a:extLst>
+            </p:cNvPr>
+            <p:cNvPicPr>
+              <a:picLocks noChangeAspect="1"/>
+            </p:cNvPicPr>
+            <p:nvPr/>
+          </p:nvPicPr>
+          <p:blipFill>
+            <a:blip r:embed="rId2" cstate="print"/>
+            <a:stretch>
+              <a:fillRect/>
+            </a:stretch>
+          </p:blipFill>
+          <p:spPr>
+            <a:xfrm>
+              <a:off x="2089838" y="3284969"/>
+              <a:ext cx="3950638" cy="1272689"/>
+            </a:xfrm>
+            <a:prstGeom prst="rect">
+              <a:avLst/>
+            </a:prstGeom>
+          </p:spPr>
+        </p:pic>
+      </p:grpSp>
+      <p:grpSp>
+        <p:nvGrpSpPr>
+          <p:cNvPr id="6" name="그룹 1002">
+            <a:extLst>
+              <a:ext uri="{FF2B5EF4-FFF2-40B4-BE49-F238E27FC236}">
+                <a16:creationId xmlns:a16="http://schemas.microsoft.com/office/drawing/2014/main" id="{A55F0EF7-E0DC-4235-A849-094452F1C677}"/>
+              </a:ext>
+            </a:extLst>
+          </p:cNvPr>
+          <p:cNvGrpSpPr/>
+          <p:nvPr/>
+        </p:nvGrpSpPr>
+        <p:grpSpPr>
+          <a:xfrm>
+            <a:off x="2330320" y="2002559"/>
+            <a:ext cx="847863" cy="731714"/>
+            <a:chOff x="3423254" y="2206711"/>
+            <a:chExt cx="1283805" cy="1116353"/>
+          </a:xfrm>
+        </p:grpSpPr>
+        <p:pic>
+          <p:nvPicPr>
+            <p:cNvPr id="7" name="Object 6">
+              <a:extLst>
+                <a:ext uri="{FF2B5EF4-FFF2-40B4-BE49-F238E27FC236}">
+                  <a16:creationId xmlns:a16="http://schemas.microsoft.com/office/drawing/2014/main" id="{F4466979-EC34-446A-A808-F93088E5B198}"/>
+                </a:ext>
+              </a:extLst>
+            </p:cNvPr>
+            <p:cNvPicPr>
+              <a:picLocks noChangeAspect="1"/>
+            </p:cNvPicPr>
+            <p:nvPr/>
+          </p:nvPicPr>
+          <p:blipFill>
+            <a:blip r:embed="rId3" cstate="print"/>
+            <a:stretch>
+              <a:fillRect/>
+            </a:stretch>
+          </p:blipFill>
+          <p:spPr>
+            <a:xfrm>
+              <a:off x="3423254" y="2206711"/>
+              <a:ext cx="1283805" cy="1116353"/>
+            </a:xfrm>
+            <a:prstGeom prst="rect">
+              <a:avLst/>
+            </a:prstGeom>
+          </p:spPr>
+        </p:pic>
+      </p:grpSp>
+      <p:grpSp>
+        <p:nvGrpSpPr>
+          <p:cNvPr id="8" name="그룹 1004">
+            <a:extLst>
+              <a:ext uri="{FF2B5EF4-FFF2-40B4-BE49-F238E27FC236}">
+                <a16:creationId xmlns:a16="http://schemas.microsoft.com/office/drawing/2014/main" id="{AFE9F026-55F2-4EED-99C0-FE24B9E48F0F}"/>
+              </a:ext>
+            </a:extLst>
+          </p:cNvPr>
+          <p:cNvGrpSpPr/>
+          <p:nvPr/>
+        </p:nvGrpSpPr>
+        <p:grpSpPr>
+          <a:xfrm>
+            <a:off x="1130270" y="4543926"/>
+            <a:ext cx="6754272" cy="850874"/>
+            <a:chOff x="2051743" y="6380952"/>
+            <a:chExt cx="10045271" cy="1281285"/>
+          </a:xfrm>
+        </p:grpSpPr>
+        <p:pic>
+          <p:nvPicPr>
+            <p:cNvPr id="9" name="Object 13">
+              <a:extLst>
+                <a:ext uri="{FF2B5EF4-FFF2-40B4-BE49-F238E27FC236}">
+                  <a16:creationId xmlns:a16="http://schemas.microsoft.com/office/drawing/2014/main" id="{1EF03028-A232-46A2-B455-AC5C090EED5D}"/>
+                </a:ext>
+              </a:extLst>
+            </p:cNvPr>
+            <p:cNvPicPr>
+              <a:picLocks noChangeAspect="1"/>
+            </p:cNvPicPr>
+            <p:nvPr/>
+          </p:nvPicPr>
+          <p:blipFill>
+            <a:blip r:embed="rId4" cstate="print"/>
+            <a:stretch>
+              <a:fillRect/>
+            </a:stretch>
+          </p:blipFill>
+          <p:spPr>
+            <a:xfrm>
+              <a:off x="2051743" y="6380952"/>
+              <a:ext cx="10045271" cy="1281285"/>
+            </a:xfrm>
+            <a:prstGeom prst="rect">
+              <a:avLst/>
+            </a:prstGeom>
+          </p:spPr>
+        </p:pic>
+      </p:grpSp>
+      <p:grpSp>
+        <p:nvGrpSpPr>
+          <p:cNvPr id="10" name="그룹 1001">
+            <a:extLst>
+              <a:ext uri="{FF2B5EF4-FFF2-40B4-BE49-F238E27FC236}">
+                <a16:creationId xmlns:a16="http://schemas.microsoft.com/office/drawing/2014/main" id="{F506C09B-25DD-4478-94C9-D5367D9BB7B9}"/>
+              </a:ext>
+            </a:extLst>
+          </p:cNvPr>
+          <p:cNvGrpSpPr/>
+          <p:nvPr/>
+        </p:nvGrpSpPr>
+        <p:grpSpPr>
+          <a:xfrm>
+            <a:off x="9180204" y="1800387"/>
+            <a:ext cx="1893992" cy="2177679"/>
+            <a:chOff x="11740194" y="2679618"/>
+            <a:chExt cx="6564568" cy="6564568"/>
+          </a:xfrm>
+        </p:grpSpPr>
+        <p:pic>
+          <p:nvPicPr>
+            <p:cNvPr id="11" name="Object 3">
+              <a:extLst>
+                <a:ext uri="{FF2B5EF4-FFF2-40B4-BE49-F238E27FC236}">
+                  <a16:creationId xmlns:a16="http://schemas.microsoft.com/office/drawing/2014/main" id="{B109F772-0433-4F98-8032-6E43A6699B39}"/>
+                </a:ext>
+              </a:extLst>
+            </p:cNvPr>
+            <p:cNvPicPr>
+              <a:picLocks noChangeAspect="1"/>
+            </p:cNvPicPr>
+            <p:nvPr/>
+          </p:nvPicPr>
+          <p:blipFill>
+            <a:blip r:embed="rId5" cstate="print"/>
+            <a:stretch>
+              <a:fillRect/>
+            </a:stretch>
+          </p:blipFill>
+          <p:spPr>
+            <a:xfrm>
+              <a:off x="11740194" y="2679618"/>
+              <a:ext cx="6564568" cy="6564568"/>
+            </a:xfrm>
+            <a:prstGeom prst="rect">
+              <a:avLst/>
+            </a:prstGeom>
+          </p:spPr>
+        </p:pic>
+      </p:grpSp>
       <p:pic>
         <p:nvPicPr>
-          <p:cNvPr id="5" name="그림 4">
+          <p:cNvPr id="12" name="Object 11">
             <a:extLst>
               <a:ext uri="{FF2B5EF4-FFF2-40B4-BE49-F238E27FC236}">
-                <a16:creationId xmlns:a16="http://schemas.microsoft.com/office/drawing/2014/main" id="{ADC671A1-B749-54A8-9203-9510DA0FFB86}"/>
+                <a16:creationId xmlns:a16="http://schemas.microsoft.com/office/drawing/2014/main" id="{9CF32A98-F757-47C1-9E20-C639CE188B6D}"/>
               </a:ext>
             </a:extLst>
           </p:cNvPr>
@@ -8938,15 +9366,15 @@
           <p:nvPr/>
         </p:nvPicPr>
         <p:blipFill>
-          <a:blip r:embed="rId2"/>
+          <a:blip r:embed="rId6" cstate="print"/>
           <a:stretch>
             <a:fillRect/>
           </a:stretch>
         </p:blipFill>
         <p:spPr>
           <a:xfrm>
-            <a:off x="1130270" y="2696135"/>
-            <a:ext cx="4068432" cy="3248288"/>
+            <a:off x="1130270" y="1717452"/>
+            <a:ext cx="859399" cy="531149"/>
           </a:xfrm>
           <a:prstGeom prst="rect">
             <a:avLst/>
@@ -8955,10 +9383,39 @@
       </p:pic>
       <p:pic>
         <p:nvPicPr>
-          <p:cNvPr id="9" name="그림 8">
+          <p:cNvPr id="13" name="Object 15">
             <a:extLst>
               <a:ext uri="{FF2B5EF4-FFF2-40B4-BE49-F238E27FC236}">
-                <a16:creationId xmlns:a16="http://schemas.microsoft.com/office/drawing/2014/main" id="{16E20FE2-114F-2627-14C4-C449E0C80C81}"/>
+                <a16:creationId xmlns:a16="http://schemas.microsoft.com/office/drawing/2014/main" id="{7524578E-B571-4520-B090-AA3EAF7868A9}"/>
+              </a:ext>
+            </a:extLst>
+          </p:cNvPr>
+          <p:cNvPicPr>
+            <a:picLocks noChangeAspect="1"/>
+          </p:cNvPicPr>
+          <p:nvPr/>
+        </p:nvPicPr>
+        <p:blipFill rotWithShape="1">
+          <a:blip r:embed="rId7" cstate="print"/>
+          <a:srcRect r="71950"/>
+          <a:stretch/>
+        </p:blipFill>
+        <p:spPr>
+          <a:xfrm>
+            <a:off x="1130270" y="4078251"/>
+            <a:ext cx="533067" cy="531149"/>
+          </a:xfrm>
+          <a:prstGeom prst="rect">
+            <a:avLst/>
+          </a:prstGeom>
+        </p:spPr>
+      </p:pic>
+      <p:pic>
+        <p:nvPicPr>
+          <p:cNvPr id="15" name="Object 20">
+            <a:extLst>
+              <a:ext uri="{FF2B5EF4-FFF2-40B4-BE49-F238E27FC236}">
+                <a16:creationId xmlns:a16="http://schemas.microsoft.com/office/drawing/2014/main" id="{9C01B875-13C0-469D-9092-0CA378B3C260}"/>
               </a:ext>
             </a:extLst>
           </p:cNvPr>
@@ -8968,25 +9425,165 @@
           <p:nvPr/>
         </p:nvPicPr>
         <p:blipFill>
-          <a:blip r:embed="rId3"/>
+          <a:blip r:embed="rId8" cstate="print"/>
           <a:stretch>
             <a:fillRect/>
           </a:stretch>
         </p:blipFill>
         <p:spPr>
           <a:xfrm>
-            <a:off x="6665113" y="2696134"/>
-            <a:ext cx="4068432" cy="3239441"/>
+            <a:off x="8934296" y="1738147"/>
+            <a:ext cx="2385807" cy="497458"/>
           </a:xfrm>
           <a:prstGeom prst="rect">
             <a:avLst/>
           </a:prstGeom>
         </p:spPr>
       </p:pic>
+      <p:pic>
+        <p:nvPicPr>
+          <p:cNvPr id="17" name="그림 16">
+            <a:extLst>
+              <a:ext uri="{FF2B5EF4-FFF2-40B4-BE49-F238E27FC236}">
+                <a16:creationId xmlns:a16="http://schemas.microsoft.com/office/drawing/2014/main" id="{07C52829-F772-4CDF-B075-195432D3DE9C}"/>
+              </a:ext>
+            </a:extLst>
+          </p:cNvPr>
+          <p:cNvPicPr>
+            <a:picLocks noChangeAspect="1"/>
+          </p:cNvPicPr>
+          <p:nvPr/>
+        </p:nvPicPr>
+        <p:blipFill>
+          <a:blip r:embed="rId9"/>
+          <a:stretch>
+            <a:fillRect/>
+          </a:stretch>
+        </p:blipFill>
+        <p:spPr>
+          <a:xfrm>
+            <a:off x="9866765" y="4515852"/>
+            <a:ext cx="801948" cy="877130"/>
+          </a:xfrm>
+          <a:prstGeom prst="rect">
+            <a:avLst/>
+          </a:prstGeom>
+        </p:spPr>
+      </p:pic>
+      <p:pic>
+        <p:nvPicPr>
+          <p:cNvPr id="19" name="그림 18">
+            <a:extLst>
+              <a:ext uri="{FF2B5EF4-FFF2-40B4-BE49-F238E27FC236}">
+                <a16:creationId xmlns:a16="http://schemas.microsoft.com/office/drawing/2014/main" id="{10832A4C-E0FE-453F-9838-4DD4BC54F684}"/>
+              </a:ext>
+            </a:extLst>
+          </p:cNvPr>
+          <p:cNvPicPr>
+            <a:picLocks noChangeAspect="1"/>
+          </p:cNvPicPr>
+          <p:nvPr/>
+        </p:nvPicPr>
+        <p:blipFill>
+          <a:blip r:embed="rId10"/>
+          <a:stretch>
+            <a:fillRect/>
+          </a:stretch>
+        </p:blipFill>
+        <p:spPr>
+          <a:xfrm>
+            <a:off x="4762557" y="2735481"/>
+            <a:ext cx="3713900" cy="877130"/>
+          </a:xfrm>
+          <a:prstGeom prst="rect">
+            <a:avLst/>
+          </a:prstGeom>
+        </p:spPr>
+      </p:pic>
+      <p:sp>
+        <p:nvSpPr>
+          <p:cNvPr id="20" name="TextBox 19">
+            <a:extLst>
+              <a:ext uri="{FF2B5EF4-FFF2-40B4-BE49-F238E27FC236}">
+                <a16:creationId xmlns:a16="http://schemas.microsoft.com/office/drawing/2014/main" id="{886718DB-2904-4988-AFFA-44BF8757C967}"/>
+              </a:ext>
+            </a:extLst>
+          </p:cNvPr>
+          <p:cNvSpPr txBox="1"/>
+          <p:nvPr/>
+        </p:nvSpPr>
+        <p:spPr>
+          <a:xfrm>
+            <a:off x="4762557" y="1800387"/>
+            <a:ext cx="1333443" cy="400110"/>
+          </a:xfrm>
+          <a:prstGeom prst="rect">
+            <a:avLst/>
+          </a:prstGeom>
+          <a:noFill/>
+        </p:spPr>
+        <p:txBody>
+          <a:bodyPr wrap="square" rtlCol="0">
+            <a:spAutoFit/>
+          </a:bodyPr>
+          <a:lstStyle/>
+          <a:p>
+            <a:r>
+              <a:rPr lang="ko-KR" altLang="en-US" sz="2000" b="1" dirty="0">
+                <a:latin typeface="+mn-ea"/>
+                <a:cs typeface="Aharoni" panose="02010803020104030203" pitchFamily="2" charset="-79"/>
+              </a:rPr>
+              <a:t>일반 공격</a:t>
+            </a:r>
+          </a:p>
+        </p:txBody>
+      </p:sp>
+      <p:sp>
+        <p:nvSpPr>
+          <p:cNvPr id="22" name="TextBox 21">
+            <a:extLst>
+              <a:ext uri="{FF2B5EF4-FFF2-40B4-BE49-F238E27FC236}">
+                <a16:creationId xmlns:a16="http://schemas.microsoft.com/office/drawing/2014/main" id="{7A7D3074-CE13-4E5F-8326-D6A2E03CF582}"/>
+              </a:ext>
+            </a:extLst>
+          </p:cNvPr>
+          <p:cNvSpPr txBox="1"/>
+          <p:nvPr/>
+        </p:nvSpPr>
+        <p:spPr>
+          <a:xfrm>
+            <a:off x="8934296" y="4115742"/>
+            <a:ext cx="1333443" cy="400110"/>
+          </a:xfrm>
+          <a:prstGeom prst="rect">
+            <a:avLst/>
+          </a:prstGeom>
+          <a:noFill/>
+        </p:spPr>
+        <p:txBody>
+          <a:bodyPr wrap="square" rtlCol="0">
+            <a:spAutoFit/>
+          </a:bodyPr>
+          <a:lstStyle/>
+          <a:p>
+            <a:r>
+              <a:rPr lang="ko-KR" altLang="en-US" sz="2000" b="1">
+                <a:latin typeface="+mn-ea"/>
+                <a:cs typeface="Aharoni" panose="02010803020104030203" pitchFamily="2" charset="-79"/>
+              </a:rPr>
+              <a:t>파티 창</a:t>
+            </a:r>
+            <a:endParaRPr lang="ko-KR" altLang="en-US" sz="2000" b="1" dirty="0">
+              <a:latin typeface="+mn-ea"/>
+              <a:cs typeface="Aharoni" panose="02010803020104030203" pitchFamily="2" charset="-79"/>
+            </a:endParaRPr>
+          </a:p>
+        </p:txBody>
+      </p:sp>
     </p:spTree>
     <p:extLst>
       <p:ext uri="{BB962C8B-B14F-4D97-AF65-F5344CB8AC3E}">
-        <p14:creationId xmlns:p14="http://schemas.microsoft.com/office/powerpoint/2010/main" val="4027774744"/>
+        <p14:creationId xmlns:p14="http://schemas.microsoft.com/office/powerpoint/2010/main" val="3467245660"/>
       </p:ext>
     </p:extLst>
   </p:cSld>
